--- a/GestaoFinancaPessoal/GestaoFinancaPessoal/Documentos/525/casos_de_teste03.pptx
+++ b/GestaoFinancaPessoal/GestaoFinancaPessoal/Documentos/525/casos_de_teste03.pptx
@@ -261,7 +261,7 @@
           <a:p>
             <a:fld id="{8B645D84-66F2-4A4D-A725-11430FAF7659}" type="datetimeFigureOut">
               <a:rPr lang="pt-BR" smtClean="0"/>
-              <a:t>05/04/2019</a:t>
+              <a:t>08/04/2019</a:t>
             </a:fld>
             <a:endParaRPr lang="pt-BR"/>
           </a:p>
@@ -459,7 +459,7 @@
           <a:p>
             <a:fld id="{8B645D84-66F2-4A4D-A725-11430FAF7659}" type="datetimeFigureOut">
               <a:rPr lang="pt-BR" smtClean="0"/>
-              <a:t>05/04/2019</a:t>
+              <a:t>08/04/2019</a:t>
             </a:fld>
             <a:endParaRPr lang="pt-BR"/>
           </a:p>
@@ -667,7 +667,7 @@
           <a:p>
             <a:fld id="{8B645D84-66F2-4A4D-A725-11430FAF7659}" type="datetimeFigureOut">
               <a:rPr lang="pt-BR" smtClean="0"/>
-              <a:t>05/04/2019</a:t>
+              <a:t>08/04/2019</a:t>
             </a:fld>
             <a:endParaRPr lang="pt-BR"/>
           </a:p>
@@ -865,7 +865,7 @@
           <a:p>
             <a:fld id="{8B645D84-66F2-4A4D-A725-11430FAF7659}" type="datetimeFigureOut">
               <a:rPr lang="pt-BR" smtClean="0"/>
-              <a:t>05/04/2019</a:t>
+              <a:t>08/04/2019</a:t>
             </a:fld>
             <a:endParaRPr lang="pt-BR"/>
           </a:p>
@@ -1140,7 +1140,7 @@
           <a:p>
             <a:fld id="{8B645D84-66F2-4A4D-A725-11430FAF7659}" type="datetimeFigureOut">
               <a:rPr lang="pt-BR" smtClean="0"/>
-              <a:t>05/04/2019</a:t>
+              <a:t>08/04/2019</a:t>
             </a:fld>
             <a:endParaRPr lang="pt-BR"/>
           </a:p>
@@ -1405,7 +1405,7 @@
           <a:p>
             <a:fld id="{8B645D84-66F2-4A4D-A725-11430FAF7659}" type="datetimeFigureOut">
               <a:rPr lang="pt-BR" smtClean="0"/>
-              <a:t>05/04/2019</a:t>
+              <a:t>08/04/2019</a:t>
             </a:fld>
             <a:endParaRPr lang="pt-BR"/>
           </a:p>
@@ -1817,7 +1817,7 @@
           <a:p>
             <a:fld id="{8B645D84-66F2-4A4D-A725-11430FAF7659}" type="datetimeFigureOut">
               <a:rPr lang="pt-BR" smtClean="0"/>
-              <a:t>05/04/2019</a:t>
+              <a:t>08/04/2019</a:t>
             </a:fld>
             <a:endParaRPr lang="pt-BR"/>
           </a:p>
@@ -1958,7 +1958,7 @@
           <a:p>
             <a:fld id="{8B645D84-66F2-4A4D-A725-11430FAF7659}" type="datetimeFigureOut">
               <a:rPr lang="pt-BR" smtClean="0"/>
-              <a:t>05/04/2019</a:t>
+              <a:t>08/04/2019</a:t>
             </a:fld>
             <a:endParaRPr lang="pt-BR"/>
           </a:p>
@@ -2071,7 +2071,7 @@
           <a:p>
             <a:fld id="{8B645D84-66F2-4A4D-A725-11430FAF7659}" type="datetimeFigureOut">
               <a:rPr lang="pt-BR" smtClean="0"/>
-              <a:t>05/04/2019</a:t>
+              <a:t>08/04/2019</a:t>
             </a:fld>
             <a:endParaRPr lang="pt-BR"/>
           </a:p>
@@ -2382,7 +2382,7 @@
           <a:p>
             <a:fld id="{8B645D84-66F2-4A4D-A725-11430FAF7659}" type="datetimeFigureOut">
               <a:rPr lang="pt-BR" smtClean="0"/>
-              <a:t>05/04/2019</a:t>
+              <a:t>08/04/2019</a:t>
             </a:fld>
             <a:endParaRPr lang="pt-BR"/>
           </a:p>
@@ -2670,7 +2670,7 @@
           <a:p>
             <a:fld id="{8B645D84-66F2-4A4D-A725-11430FAF7659}" type="datetimeFigureOut">
               <a:rPr lang="pt-BR" smtClean="0"/>
-              <a:t>05/04/2019</a:t>
+              <a:t>08/04/2019</a:t>
             </a:fld>
             <a:endParaRPr lang="pt-BR"/>
           </a:p>
@@ -2911,7 +2911,7 @@
           <a:p>
             <a:fld id="{8B645D84-66F2-4A4D-A725-11430FAF7659}" type="datetimeFigureOut">
               <a:rPr lang="pt-BR" smtClean="0"/>
-              <a:t>05/04/2019</a:t>
+              <a:t>08/04/2019</a:t>
             </a:fld>
             <a:endParaRPr lang="pt-BR"/>
           </a:p>
@@ -7176,6 +7176,2463 @@
           </a:graphicData>
         </a:graphic>
       </p:graphicFrame>
+      <p:graphicFrame>
+        <p:nvGraphicFramePr>
+          <p:cNvPr id="3" name="Tabela 2">
+            <a:extLst>
+              <a:ext uri="{FF2B5EF4-FFF2-40B4-BE49-F238E27FC236}">
+                <a16:creationId xmlns:a16="http://schemas.microsoft.com/office/drawing/2014/main" id="{11A18067-B91B-4E63-B7DF-D8C6A1AF8A5E}"/>
+              </a:ext>
+            </a:extLst>
+          </p:cNvPr>
+          <p:cNvGraphicFramePr>
+            <a:graphicFrameLocks noGrp="1"/>
+          </p:cNvGraphicFramePr>
+          <p:nvPr>
+            <p:extLst>
+              <p:ext uri="{D42A27DB-BD31-4B8C-83A1-F6EECF244321}">
+                <p14:modId xmlns:p14="http://schemas.microsoft.com/office/powerpoint/2010/main" val="986936186"/>
+              </p:ext>
+            </p:extLst>
+          </p:nvPr>
+        </p:nvGraphicFramePr>
+        <p:xfrm>
+          <a:off x="3047206" y="2701388"/>
+          <a:ext cx="6097588" cy="2912731"/>
+        </p:xfrm>
+        <a:graphic>
+          <a:graphicData uri="http://schemas.openxmlformats.org/drawingml/2006/table">
+            <a:tbl>
+              <a:tblPr/>
+              <a:tblGrid>
+                <a:gridCol w="3049588">
+                  <a:extLst>
+                    <a:ext uri="{9D8B030D-6E8A-4147-A177-3AD203B41FA5}">
+                      <a16:colId xmlns:a16="http://schemas.microsoft.com/office/drawing/2014/main" val="359515875"/>
+                    </a:ext>
+                  </a:extLst>
+                </a:gridCol>
+                <a:gridCol w="3048000">
+                  <a:extLst>
+                    <a:ext uri="{9D8B030D-6E8A-4147-A177-3AD203B41FA5}">
+                      <a16:colId xmlns:a16="http://schemas.microsoft.com/office/drawing/2014/main" val="1932878977"/>
+                    </a:ext>
+                  </a:extLst>
+                </a:gridCol>
+              </a:tblGrid>
+              <a:tr h="731859">
+                <a:tc>
+                  <a:txBody>
+                    <a:bodyPr/>
+                    <a:lstStyle>
+                      <a:lvl1pPr eaLnBrk="0" hangingPunct="0">
+                        <a:spcBef>
+                          <a:spcPts val="800"/>
+                        </a:spcBef>
+                        <a:tabLst>
+                          <a:tab pos="0" algn="l"/>
+                          <a:tab pos="914400" algn="l"/>
+                          <a:tab pos="1828800" algn="l"/>
+                          <a:tab pos="2743200" algn="l"/>
+                          <a:tab pos="3657600" algn="l"/>
+                          <a:tab pos="4572000" algn="l"/>
+                          <a:tab pos="5486400" algn="l"/>
+                          <a:tab pos="6400800" algn="l"/>
+                          <a:tab pos="7315200" algn="l"/>
+                          <a:tab pos="8229600" algn="l"/>
+                          <a:tab pos="9144000" algn="l"/>
+                          <a:tab pos="10058400" algn="l"/>
+                        </a:tabLst>
+                        <a:defRPr>
+                          <a:solidFill>
+                            <a:srgbClr val="000000"/>
+                          </a:solidFill>
+                          <a:latin typeface="Tahoma" pitchFamily="34" charset="0"/>
+                          <a:ea typeface="DejaVu Sans" charset="0"/>
+                          <a:cs typeface="DejaVu Sans" charset="0"/>
+                        </a:defRPr>
+                      </a:lvl1pPr>
+                      <a:lvl2pPr eaLnBrk="0" hangingPunct="0">
+                        <a:spcBef>
+                          <a:spcPts val="700"/>
+                        </a:spcBef>
+                        <a:tabLst>
+                          <a:tab pos="0" algn="l"/>
+                          <a:tab pos="914400" algn="l"/>
+                          <a:tab pos="1828800" algn="l"/>
+                          <a:tab pos="2743200" algn="l"/>
+                          <a:tab pos="3657600" algn="l"/>
+                          <a:tab pos="4572000" algn="l"/>
+                          <a:tab pos="5486400" algn="l"/>
+                          <a:tab pos="6400800" algn="l"/>
+                          <a:tab pos="7315200" algn="l"/>
+                          <a:tab pos="8229600" algn="l"/>
+                          <a:tab pos="9144000" algn="l"/>
+                          <a:tab pos="10058400" algn="l"/>
+                        </a:tabLst>
+                        <a:defRPr sz="2400">
+                          <a:solidFill>
+                            <a:srgbClr val="000000"/>
+                          </a:solidFill>
+                          <a:latin typeface="Tahoma" pitchFamily="34" charset="0"/>
+                          <a:ea typeface="DejaVu Sans" charset="0"/>
+                          <a:cs typeface="DejaVu Sans" charset="0"/>
+                        </a:defRPr>
+                      </a:lvl2pPr>
+                      <a:lvl3pPr eaLnBrk="0" hangingPunct="0">
+                        <a:spcBef>
+                          <a:spcPts val="600"/>
+                        </a:spcBef>
+                        <a:tabLst>
+                          <a:tab pos="0" algn="l"/>
+                          <a:tab pos="914400" algn="l"/>
+                          <a:tab pos="1828800" algn="l"/>
+                          <a:tab pos="2743200" algn="l"/>
+                          <a:tab pos="3657600" algn="l"/>
+                          <a:tab pos="4572000" algn="l"/>
+                          <a:tab pos="5486400" algn="l"/>
+                          <a:tab pos="6400800" algn="l"/>
+                          <a:tab pos="7315200" algn="l"/>
+                          <a:tab pos="8229600" algn="l"/>
+                          <a:tab pos="9144000" algn="l"/>
+                          <a:tab pos="10058400" algn="l"/>
+                        </a:tabLst>
+                        <a:defRPr sz="2000">
+                          <a:solidFill>
+                            <a:srgbClr val="000000"/>
+                          </a:solidFill>
+                          <a:latin typeface="Tahoma" pitchFamily="34" charset="0"/>
+                          <a:ea typeface="DejaVu Sans" charset="0"/>
+                          <a:cs typeface="DejaVu Sans" charset="0"/>
+                        </a:defRPr>
+                      </a:lvl3pPr>
+                      <a:lvl4pPr eaLnBrk="0" hangingPunct="0">
+                        <a:spcBef>
+                          <a:spcPts val="500"/>
+                        </a:spcBef>
+                        <a:tabLst>
+                          <a:tab pos="0" algn="l"/>
+                          <a:tab pos="914400" algn="l"/>
+                          <a:tab pos="1828800" algn="l"/>
+                          <a:tab pos="2743200" algn="l"/>
+                          <a:tab pos="3657600" algn="l"/>
+                          <a:tab pos="4572000" algn="l"/>
+                          <a:tab pos="5486400" algn="l"/>
+                          <a:tab pos="6400800" algn="l"/>
+                          <a:tab pos="7315200" algn="l"/>
+                          <a:tab pos="8229600" algn="l"/>
+                          <a:tab pos="9144000" algn="l"/>
+                          <a:tab pos="10058400" algn="l"/>
+                        </a:tabLst>
+                        <a:defRPr>
+                          <a:solidFill>
+                            <a:srgbClr val="000000"/>
+                          </a:solidFill>
+                          <a:latin typeface="Tahoma" pitchFamily="34" charset="0"/>
+                          <a:ea typeface="DejaVu Sans" charset="0"/>
+                          <a:cs typeface="DejaVu Sans" charset="0"/>
+                        </a:defRPr>
+                      </a:lvl4pPr>
+                      <a:lvl5pPr eaLnBrk="0" hangingPunct="0">
+                        <a:spcBef>
+                          <a:spcPts val="500"/>
+                        </a:spcBef>
+                        <a:tabLst>
+                          <a:tab pos="0" algn="l"/>
+                          <a:tab pos="914400" algn="l"/>
+                          <a:tab pos="1828800" algn="l"/>
+                          <a:tab pos="2743200" algn="l"/>
+                          <a:tab pos="3657600" algn="l"/>
+                          <a:tab pos="4572000" algn="l"/>
+                          <a:tab pos="5486400" algn="l"/>
+                          <a:tab pos="6400800" algn="l"/>
+                          <a:tab pos="7315200" algn="l"/>
+                          <a:tab pos="8229600" algn="l"/>
+                          <a:tab pos="9144000" algn="l"/>
+                          <a:tab pos="10058400" algn="l"/>
+                        </a:tabLst>
+                        <a:defRPr>
+                          <a:solidFill>
+                            <a:srgbClr val="000000"/>
+                          </a:solidFill>
+                          <a:latin typeface="Tahoma" pitchFamily="34" charset="0"/>
+                          <a:ea typeface="DejaVu Sans" charset="0"/>
+                          <a:cs typeface="DejaVu Sans" charset="0"/>
+                        </a:defRPr>
+                      </a:lvl5pPr>
+                      <a:lvl6pPr marL="2514600" indent="-228600" defTabSz="449263" eaLnBrk="0" fontAlgn="base" hangingPunct="0">
+                        <a:spcBef>
+                          <a:spcPts val="500"/>
+                        </a:spcBef>
+                        <a:spcAft>
+                          <a:spcPct val="0"/>
+                        </a:spcAft>
+                        <a:buClr>
+                          <a:srgbClr val="000000"/>
+                        </a:buClr>
+                        <a:buSzPct val="100000"/>
+                        <a:buFont typeface="Times New Roman" pitchFamily="18" charset="0"/>
+                        <a:tabLst>
+                          <a:tab pos="0" algn="l"/>
+                          <a:tab pos="914400" algn="l"/>
+                          <a:tab pos="1828800" algn="l"/>
+                          <a:tab pos="2743200" algn="l"/>
+                          <a:tab pos="3657600" algn="l"/>
+                          <a:tab pos="4572000" algn="l"/>
+                          <a:tab pos="5486400" algn="l"/>
+                          <a:tab pos="6400800" algn="l"/>
+                          <a:tab pos="7315200" algn="l"/>
+                          <a:tab pos="8229600" algn="l"/>
+                          <a:tab pos="9144000" algn="l"/>
+                          <a:tab pos="10058400" algn="l"/>
+                        </a:tabLst>
+                        <a:defRPr>
+                          <a:solidFill>
+                            <a:srgbClr val="000000"/>
+                          </a:solidFill>
+                          <a:latin typeface="Tahoma" pitchFamily="34" charset="0"/>
+                          <a:ea typeface="DejaVu Sans" charset="0"/>
+                          <a:cs typeface="DejaVu Sans" charset="0"/>
+                        </a:defRPr>
+                      </a:lvl6pPr>
+                      <a:lvl7pPr marL="2971800" indent="-228600" defTabSz="449263" eaLnBrk="0" fontAlgn="base" hangingPunct="0">
+                        <a:spcBef>
+                          <a:spcPts val="500"/>
+                        </a:spcBef>
+                        <a:spcAft>
+                          <a:spcPct val="0"/>
+                        </a:spcAft>
+                        <a:buClr>
+                          <a:srgbClr val="000000"/>
+                        </a:buClr>
+                        <a:buSzPct val="100000"/>
+                        <a:buFont typeface="Times New Roman" pitchFamily="18" charset="0"/>
+                        <a:tabLst>
+                          <a:tab pos="0" algn="l"/>
+                          <a:tab pos="914400" algn="l"/>
+                          <a:tab pos="1828800" algn="l"/>
+                          <a:tab pos="2743200" algn="l"/>
+                          <a:tab pos="3657600" algn="l"/>
+                          <a:tab pos="4572000" algn="l"/>
+                          <a:tab pos="5486400" algn="l"/>
+                          <a:tab pos="6400800" algn="l"/>
+                          <a:tab pos="7315200" algn="l"/>
+                          <a:tab pos="8229600" algn="l"/>
+                          <a:tab pos="9144000" algn="l"/>
+                          <a:tab pos="10058400" algn="l"/>
+                        </a:tabLst>
+                        <a:defRPr>
+                          <a:solidFill>
+                            <a:srgbClr val="000000"/>
+                          </a:solidFill>
+                          <a:latin typeface="Tahoma" pitchFamily="34" charset="0"/>
+                          <a:ea typeface="DejaVu Sans" charset="0"/>
+                          <a:cs typeface="DejaVu Sans" charset="0"/>
+                        </a:defRPr>
+                      </a:lvl7pPr>
+                      <a:lvl8pPr marL="3429000" indent="-228600" defTabSz="449263" eaLnBrk="0" fontAlgn="base" hangingPunct="0">
+                        <a:spcBef>
+                          <a:spcPts val="500"/>
+                        </a:spcBef>
+                        <a:spcAft>
+                          <a:spcPct val="0"/>
+                        </a:spcAft>
+                        <a:buClr>
+                          <a:srgbClr val="000000"/>
+                        </a:buClr>
+                        <a:buSzPct val="100000"/>
+                        <a:buFont typeface="Times New Roman" pitchFamily="18" charset="0"/>
+                        <a:tabLst>
+                          <a:tab pos="0" algn="l"/>
+                          <a:tab pos="914400" algn="l"/>
+                          <a:tab pos="1828800" algn="l"/>
+                          <a:tab pos="2743200" algn="l"/>
+                          <a:tab pos="3657600" algn="l"/>
+                          <a:tab pos="4572000" algn="l"/>
+                          <a:tab pos="5486400" algn="l"/>
+                          <a:tab pos="6400800" algn="l"/>
+                          <a:tab pos="7315200" algn="l"/>
+                          <a:tab pos="8229600" algn="l"/>
+                          <a:tab pos="9144000" algn="l"/>
+                          <a:tab pos="10058400" algn="l"/>
+                        </a:tabLst>
+                        <a:defRPr>
+                          <a:solidFill>
+                            <a:srgbClr val="000000"/>
+                          </a:solidFill>
+                          <a:latin typeface="Tahoma" pitchFamily="34" charset="0"/>
+                          <a:ea typeface="DejaVu Sans" charset="0"/>
+                          <a:cs typeface="DejaVu Sans" charset="0"/>
+                        </a:defRPr>
+                      </a:lvl8pPr>
+                      <a:lvl9pPr marL="3886200" indent="-228600" defTabSz="449263" eaLnBrk="0" fontAlgn="base" hangingPunct="0">
+                        <a:spcBef>
+                          <a:spcPts val="500"/>
+                        </a:spcBef>
+                        <a:spcAft>
+                          <a:spcPct val="0"/>
+                        </a:spcAft>
+                        <a:buClr>
+                          <a:srgbClr val="000000"/>
+                        </a:buClr>
+                        <a:buSzPct val="100000"/>
+                        <a:buFont typeface="Times New Roman" pitchFamily="18" charset="0"/>
+                        <a:tabLst>
+                          <a:tab pos="0" algn="l"/>
+                          <a:tab pos="914400" algn="l"/>
+                          <a:tab pos="1828800" algn="l"/>
+                          <a:tab pos="2743200" algn="l"/>
+                          <a:tab pos="3657600" algn="l"/>
+                          <a:tab pos="4572000" algn="l"/>
+                          <a:tab pos="5486400" algn="l"/>
+                          <a:tab pos="6400800" algn="l"/>
+                          <a:tab pos="7315200" algn="l"/>
+                          <a:tab pos="8229600" algn="l"/>
+                          <a:tab pos="9144000" algn="l"/>
+                          <a:tab pos="10058400" algn="l"/>
+                        </a:tabLst>
+                        <a:defRPr>
+                          <a:solidFill>
+                            <a:srgbClr val="000000"/>
+                          </a:solidFill>
+                          <a:latin typeface="Tahoma" pitchFamily="34" charset="0"/>
+                          <a:ea typeface="DejaVu Sans" charset="0"/>
+                          <a:cs typeface="DejaVu Sans" charset="0"/>
+                        </a:defRPr>
+                      </a:lvl9pPr>
+                    </a:lstStyle>
+                    <a:p>
+                      <a:pPr marL="0" marR="0" lvl="0" indent="0" algn="l" defTabSz="449263" rtl="0" eaLnBrk="1" fontAlgn="base" latinLnBrk="0" hangingPunct="1">
+                        <a:lnSpc>
+                          <a:spcPct val="98000"/>
+                        </a:lnSpc>
+                        <a:spcBef>
+                          <a:spcPct val="0"/>
+                        </a:spcBef>
+                        <a:spcAft>
+                          <a:spcPct val="0"/>
+                        </a:spcAft>
+                        <a:buClrTx/>
+                        <a:buSzPct val="100000"/>
+                        <a:buFontTx/>
+                        <a:buNone/>
+                        <a:tabLst>
+                          <a:tab pos="0" algn="l"/>
+                          <a:tab pos="914400" algn="l"/>
+                          <a:tab pos="1828800" algn="l"/>
+                          <a:tab pos="2743200" algn="l"/>
+                          <a:tab pos="3657600" algn="l"/>
+                          <a:tab pos="4572000" algn="l"/>
+                          <a:tab pos="5486400" algn="l"/>
+                          <a:tab pos="6400800" algn="l"/>
+                          <a:tab pos="7315200" algn="l"/>
+                          <a:tab pos="8229600" algn="l"/>
+                          <a:tab pos="9144000" algn="l"/>
+                          <a:tab pos="10058400" algn="l"/>
+                        </a:tabLst>
+                      </a:pPr>
+                      <a:r>
+                        <a:rPr kumimoji="0" lang="pt-BR" altLang="pt-BR" sz="1400" b="1" i="0" u="none" strike="noStrike" cap="none" normalizeH="0" baseline="0" dirty="0">
+                          <a:ln>
+                            <a:noFill/>
+                          </a:ln>
+                          <a:solidFill>
+                            <a:srgbClr val="000000"/>
+                          </a:solidFill>
+                          <a:effectLst/>
+                          <a:latin typeface="Tahoma" pitchFamily="34" charset="0"/>
+                          <a:ea typeface="DejaVu Sans" charset="0"/>
+                          <a:cs typeface="DejaVu Sans" charset="0"/>
+                        </a:rPr>
+                        <a:t>1. Escolher a opção “Criar lançamento”</a:t>
+                      </a:r>
+                    </a:p>
+                  </a:txBody>
+                  <a:tcPr marL="90000" marR="90000" marT="49249" marB="45721" horzOverflow="overflow">
+                    <a:lnL w="2880" cap="flat" cmpd="sng" algn="ctr">
+                      <a:solidFill>
+                        <a:srgbClr val="FFFFFF"/>
+                      </a:solidFill>
+                      <a:prstDash val="solid"/>
+                      <a:round/>
+                      <a:headEnd type="none" w="med" len="med"/>
+                      <a:tailEnd type="none" w="med" len="med"/>
+                    </a:lnL>
+                    <a:lnR w="2880" cap="flat" cmpd="sng" algn="ctr">
+                      <a:solidFill>
+                        <a:srgbClr val="FFFFFF"/>
+                      </a:solidFill>
+                      <a:prstDash val="solid"/>
+                      <a:round/>
+                      <a:headEnd type="none" w="med" len="med"/>
+                      <a:tailEnd type="none" w="med" len="med"/>
+                    </a:lnR>
+                    <a:lnT w="2880" cap="flat" cmpd="sng" algn="ctr">
+                      <a:solidFill>
+                        <a:srgbClr val="FFFFFF"/>
+                      </a:solidFill>
+                      <a:prstDash val="solid"/>
+                      <a:round/>
+                      <a:headEnd type="none" w="med" len="med"/>
+                      <a:tailEnd type="none" w="med" len="med"/>
+                    </a:lnT>
+                    <a:lnB w="2880" cap="flat" cmpd="sng" algn="ctr">
+                      <a:solidFill>
+                        <a:srgbClr val="FFFFFF"/>
+                      </a:solidFill>
+                      <a:prstDash val="solid"/>
+                      <a:round/>
+                      <a:headEnd type="none" w="med" len="med"/>
+                      <a:tailEnd type="none" w="med" len="med"/>
+                    </a:lnB>
+                    <a:lnTlToBr>
+                      <a:noFill/>
+                    </a:lnTlToBr>
+                    <a:lnBlToTr>
+                      <a:noFill/>
+                    </a:lnBlToTr>
+                    <a:solidFill>
+                      <a:srgbClr val="CCD1E1"/>
+                    </a:solidFill>
+                  </a:tcPr>
+                </a:tc>
+                <a:tc>
+                  <a:txBody>
+                    <a:bodyPr/>
+                    <a:lstStyle>
+                      <a:lvl1pPr eaLnBrk="0" hangingPunct="0">
+                        <a:spcBef>
+                          <a:spcPts val="800"/>
+                        </a:spcBef>
+                        <a:tabLst>
+                          <a:tab pos="0" algn="l"/>
+                          <a:tab pos="914400" algn="l"/>
+                          <a:tab pos="1828800" algn="l"/>
+                          <a:tab pos="2743200" algn="l"/>
+                          <a:tab pos="3657600" algn="l"/>
+                          <a:tab pos="4572000" algn="l"/>
+                          <a:tab pos="5486400" algn="l"/>
+                          <a:tab pos="6400800" algn="l"/>
+                          <a:tab pos="7315200" algn="l"/>
+                          <a:tab pos="8229600" algn="l"/>
+                          <a:tab pos="9144000" algn="l"/>
+                          <a:tab pos="10058400" algn="l"/>
+                        </a:tabLst>
+                        <a:defRPr>
+                          <a:solidFill>
+                            <a:srgbClr val="000000"/>
+                          </a:solidFill>
+                          <a:latin typeface="Tahoma" pitchFamily="34" charset="0"/>
+                          <a:ea typeface="DejaVu Sans" charset="0"/>
+                          <a:cs typeface="DejaVu Sans" charset="0"/>
+                        </a:defRPr>
+                      </a:lvl1pPr>
+                      <a:lvl2pPr eaLnBrk="0" hangingPunct="0">
+                        <a:spcBef>
+                          <a:spcPts val="700"/>
+                        </a:spcBef>
+                        <a:tabLst>
+                          <a:tab pos="0" algn="l"/>
+                          <a:tab pos="914400" algn="l"/>
+                          <a:tab pos="1828800" algn="l"/>
+                          <a:tab pos="2743200" algn="l"/>
+                          <a:tab pos="3657600" algn="l"/>
+                          <a:tab pos="4572000" algn="l"/>
+                          <a:tab pos="5486400" algn="l"/>
+                          <a:tab pos="6400800" algn="l"/>
+                          <a:tab pos="7315200" algn="l"/>
+                          <a:tab pos="8229600" algn="l"/>
+                          <a:tab pos="9144000" algn="l"/>
+                          <a:tab pos="10058400" algn="l"/>
+                        </a:tabLst>
+                        <a:defRPr sz="2400">
+                          <a:solidFill>
+                            <a:srgbClr val="000000"/>
+                          </a:solidFill>
+                          <a:latin typeface="Tahoma" pitchFamily="34" charset="0"/>
+                          <a:ea typeface="DejaVu Sans" charset="0"/>
+                          <a:cs typeface="DejaVu Sans" charset="0"/>
+                        </a:defRPr>
+                      </a:lvl2pPr>
+                      <a:lvl3pPr eaLnBrk="0" hangingPunct="0">
+                        <a:spcBef>
+                          <a:spcPts val="600"/>
+                        </a:spcBef>
+                        <a:tabLst>
+                          <a:tab pos="0" algn="l"/>
+                          <a:tab pos="914400" algn="l"/>
+                          <a:tab pos="1828800" algn="l"/>
+                          <a:tab pos="2743200" algn="l"/>
+                          <a:tab pos="3657600" algn="l"/>
+                          <a:tab pos="4572000" algn="l"/>
+                          <a:tab pos="5486400" algn="l"/>
+                          <a:tab pos="6400800" algn="l"/>
+                          <a:tab pos="7315200" algn="l"/>
+                          <a:tab pos="8229600" algn="l"/>
+                          <a:tab pos="9144000" algn="l"/>
+                          <a:tab pos="10058400" algn="l"/>
+                        </a:tabLst>
+                        <a:defRPr sz="2000">
+                          <a:solidFill>
+                            <a:srgbClr val="000000"/>
+                          </a:solidFill>
+                          <a:latin typeface="Tahoma" pitchFamily="34" charset="0"/>
+                          <a:ea typeface="DejaVu Sans" charset="0"/>
+                          <a:cs typeface="DejaVu Sans" charset="0"/>
+                        </a:defRPr>
+                      </a:lvl3pPr>
+                      <a:lvl4pPr eaLnBrk="0" hangingPunct="0">
+                        <a:spcBef>
+                          <a:spcPts val="500"/>
+                        </a:spcBef>
+                        <a:tabLst>
+                          <a:tab pos="0" algn="l"/>
+                          <a:tab pos="914400" algn="l"/>
+                          <a:tab pos="1828800" algn="l"/>
+                          <a:tab pos="2743200" algn="l"/>
+                          <a:tab pos="3657600" algn="l"/>
+                          <a:tab pos="4572000" algn="l"/>
+                          <a:tab pos="5486400" algn="l"/>
+                          <a:tab pos="6400800" algn="l"/>
+                          <a:tab pos="7315200" algn="l"/>
+                          <a:tab pos="8229600" algn="l"/>
+                          <a:tab pos="9144000" algn="l"/>
+                          <a:tab pos="10058400" algn="l"/>
+                        </a:tabLst>
+                        <a:defRPr>
+                          <a:solidFill>
+                            <a:srgbClr val="000000"/>
+                          </a:solidFill>
+                          <a:latin typeface="Tahoma" pitchFamily="34" charset="0"/>
+                          <a:ea typeface="DejaVu Sans" charset="0"/>
+                          <a:cs typeface="DejaVu Sans" charset="0"/>
+                        </a:defRPr>
+                      </a:lvl4pPr>
+                      <a:lvl5pPr eaLnBrk="0" hangingPunct="0">
+                        <a:spcBef>
+                          <a:spcPts val="500"/>
+                        </a:spcBef>
+                        <a:tabLst>
+                          <a:tab pos="0" algn="l"/>
+                          <a:tab pos="914400" algn="l"/>
+                          <a:tab pos="1828800" algn="l"/>
+                          <a:tab pos="2743200" algn="l"/>
+                          <a:tab pos="3657600" algn="l"/>
+                          <a:tab pos="4572000" algn="l"/>
+                          <a:tab pos="5486400" algn="l"/>
+                          <a:tab pos="6400800" algn="l"/>
+                          <a:tab pos="7315200" algn="l"/>
+                          <a:tab pos="8229600" algn="l"/>
+                          <a:tab pos="9144000" algn="l"/>
+                          <a:tab pos="10058400" algn="l"/>
+                        </a:tabLst>
+                        <a:defRPr>
+                          <a:solidFill>
+                            <a:srgbClr val="000000"/>
+                          </a:solidFill>
+                          <a:latin typeface="Tahoma" pitchFamily="34" charset="0"/>
+                          <a:ea typeface="DejaVu Sans" charset="0"/>
+                          <a:cs typeface="DejaVu Sans" charset="0"/>
+                        </a:defRPr>
+                      </a:lvl5pPr>
+                      <a:lvl6pPr marL="2514600" indent="-228600" defTabSz="449263" eaLnBrk="0" fontAlgn="base" hangingPunct="0">
+                        <a:spcBef>
+                          <a:spcPts val="500"/>
+                        </a:spcBef>
+                        <a:spcAft>
+                          <a:spcPct val="0"/>
+                        </a:spcAft>
+                        <a:buClr>
+                          <a:srgbClr val="000000"/>
+                        </a:buClr>
+                        <a:buSzPct val="100000"/>
+                        <a:buFont typeface="Times New Roman" pitchFamily="18" charset="0"/>
+                        <a:tabLst>
+                          <a:tab pos="0" algn="l"/>
+                          <a:tab pos="914400" algn="l"/>
+                          <a:tab pos="1828800" algn="l"/>
+                          <a:tab pos="2743200" algn="l"/>
+                          <a:tab pos="3657600" algn="l"/>
+                          <a:tab pos="4572000" algn="l"/>
+                          <a:tab pos="5486400" algn="l"/>
+                          <a:tab pos="6400800" algn="l"/>
+                          <a:tab pos="7315200" algn="l"/>
+                          <a:tab pos="8229600" algn="l"/>
+                          <a:tab pos="9144000" algn="l"/>
+                          <a:tab pos="10058400" algn="l"/>
+                        </a:tabLst>
+                        <a:defRPr>
+                          <a:solidFill>
+                            <a:srgbClr val="000000"/>
+                          </a:solidFill>
+                          <a:latin typeface="Tahoma" pitchFamily="34" charset="0"/>
+                          <a:ea typeface="DejaVu Sans" charset="0"/>
+                          <a:cs typeface="DejaVu Sans" charset="0"/>
+                        </a:defRPr>
+                      </a:lvl6pPr>
+                      <a:lvl7pPr marL="2971800" indent="-228600" defTabSz="449263" eaLnBrk="0" fontAlgn="base" hangingPunct="0">
+                        <a:spcBef>
+                          <a:spcPts val="500"/>
+                        </a:spcBef>
+                        <a:spcAft>
+                          <a:spcPct val="0"/>
+                        </a:spcAft>
+                        <a:buClr>
+                          <a:srgbClr val="000000"/>
+                        </a:buClr>
+                        <a:buSzPct val="100000"/>
+                        <a:buFont typeface="Times New Roman" pitchFamily="18" charset="0"/>
+                        <a:tabLst>
+                          <a:tab pos="0" algn="l"/>
+                          <a:tab pos="914400" algn="l"/>
+                          <a:tab pos="1828800" algn="l"/>
+                          <a:tab pos="2743200" algn="l"/>
+                          <a:tab pos="3657600" algn="l"/>
+                          <a:tab pos="4572000" algn="l"/>
+                          <a:tab pos="5486400" algn="l"/>
+                          <a:tab pos="6400800" algn="l"/>
+                          <a:tab pos="7315200" algn="l"/>
+                          <a:tab pos="8229600" algn="l"/>
+                          <a:tab pos="9144000" algn="l"/>
+                          <a:tab pos="10058400" algn="l"/>
+                        </a:tabLst>
+                        <a:defRPr>
+                          <a:solidFill>
+                            <a:srgbClr val="000000"/>
+                          </a:solidFill>
+                          <a:latin typeface="Tahoma" pitchFamily="34" charset="0"/>
+                          <a:ea typeface="DejaVu Sans" charset="0"/>
+                          <a:cs typeface="DejaVu Sans" charset="0"/>
+                        </a:defRPr>
+                      </a:lvl7pPr>
+                      <a:lvl8pPr marL="3429000" indent="-228600" defTabSz="449263" eaLnBrk="0" fontAlgn="base" hangingPunct="0">
+                        <a:spcBef>
+                          <a:spcPts val="500"/>
+                        </a:spcBef>
+                        <a:spcAft>
+                          <a:spcPct val="0"/>
+                        </a:spcAft>
+                        <a:buClr>
+                          <a:srgbClr val="000000"/>
+                        </a:buClr>
+                        <a:buSzPct val="100000"/>
+                        <a:buFont typeface="Times New Roman" pitchFamily="18" charset="0"/>
+                        <a:tabLst>
+                          <a:tab pos="0" algn="l"/>
+                          <a:tab pos="914400" algn="l"/>
+                          <a:tab pos="1828800" algn="l"/>
+                          <a:tab pos="2743200" algn="l"/>
+                          <a:tab pos="3657600" algn="l"/>
+                          <a:tab pos="4572000" algn="l"/>
+                          <a:tab pos="5486400" algn="l"/>
+                          <a:tab pos="6400800" algn="l"/>
+                          <a:tab pos="7315200" algn="l"/>
+                          <a:tab pos="8229600" algn="l"/>
+                          <a:tab pos="9144000" algn="l"/>
+                          <a:tab pos="10058400" algn="l"/>
+                        </a:tabLst>
+                        <a:defRPr>
+                          <a:solidFill>
+                            <a:srgbClr val="000000"/>
+                          </a:solidFill>
+                          <a:latin typeface="Tahoma" pitchFamily="34" charset="0"/>
+                          <a:ea typeface="DejaVu Sans" charset="0"/>
+                          <a:cs typeface="DejaVu Sans" charset="0"/>
+                        </a:defRPr>
+                      </a:lvl8pPr>
+                      <a:lvl9pPr marL="3886200" indent="-228600" defTabSz="449263" eaLnBrk="0" fontAlgn="base" hangingPunct="0">
+                        <a:spcBef>
+                          <a:spcPts val="500"/>
+                        </a:spcBef>
+                        <a:spcAft>
+                          <a:spcPct val="0"/>
+                        </a:spcAft>
+                        <a:buClr>
+                          <a:srgbClr val="000000"/>
+                        </a:buClr>
+                        <a:buSzPct val="100000"/>
+                        <a:buFont typeface="Times New Roman" pitchFamily="18" charset="0"/>
+                        <a:tabLst>
+                          <a:tab pos="0" algn="l"/>
+                          <a:tab pos="914400" algn="l"/>
+                          <a:tab pos="1828800" algn="l"/>
+                          <a:tab pos="2743200" algn="l"/>
+                          <a:tab pos="3657600" algn="l"/>
+                          <a:tab pos="4572000" algn="l"/>
+                          <a:tab pos="5486400" algn="l"/>
+                          <a:tab pos="6400800" algn="l"/>
+                          <a:tab pos="7315200" algn="l"/>
+                          <a:tab pos="8229600" algn="l"/>
+                          <a:tab pos="9144000" algn="l"/>
+                          <a:tab pos="10058400" algn="l"/>
+                        </a:tabLst>
+                        <a:defRPr>
+                          <a:solidFill>
+                            <a:srgbClr val="000000"/>
+                          </a:solidFill>
+                          <a:latin typeface="Tahoma" pitchFamily="34" charset="0"/>
+                          <a:ea typeface="DejaVu Sans" charset="0"/>
+                          <a:cs typeface="DejaVu Sans" charset="0"/>
+                        </a:defRPr>
+                      </a:lvl9pPr>
+                    </a:lstStyle>
+                    <a:p>
+                      <a:pPr marL="0" marR="0" lvl="0" indent="0" algn="l" defTabSz="449263" rtl="0" eaLnBrk="1" fontAlgn="base" latinLnBrk="0" hangingPunct="1">
+                        <a:lnSpc>
+                          <a:spcPct val="98000"/>
+                        </a:lnSpc>
+                        <a:spcBef>
+                          <a:spcPct val="0"/>
+                        </a:spcBef>
+                        <a:spcAft>
+                          <a:spcPct val="0"/>
+                        </a:spcAft>
+                        <a:buClrTx/>
+                        <a:buSzPct val="100000"/>
+                        <a:buFontTx/>
+                        <a:buNone/>
+                        <a:tabLst>
+                          <a:tab pos="0" algn="l"/>
+                          <a:tab pos="914400" algn="l"/>
+                          <a:tab pos="1828800" algn="l"/>
+                          <a:tab pos="2743200" algn="l"/>
+                          <a:tab pos="3657600" algn="l"/>
+                          <a:tab pos="4572000" algn="l"/>
+                          <a:tab pos="5486400" algn="l"/>
+                          <a:tab pos="6400800" algn="l"/>
+                          <a:tab pos="7315200" algn="l"/>
+                          <a:tab pos="8229600" algn="l"/>
+                          <a:tab pos="9144000" algn="l"/>
+                          <a:tab pos="10058400" algn="l"/>
+                        </a:tabLst>
+                      </a:pPr>
+                      <a:r>
+                        <a:rPr kumimoji="0" lang="pt-BR" altLang="pt-BR" sz="1400" b="1" i="0" u="none" strike="noStrike" cap="none" normalizeH="0" baseline="0" dirty="0">
+                          <a:ln>
+                            <a:noFill/>
+                          </a:ln>
+                          <a:solidFill>
+                            <a:srgbClr val="000000"/>
+                          </a:solidFill>
+                          <a:effectLst/>
+                          <a:latin typeface="Tahoma" pitchFamily="34" charset="0"/>
+                          <a:ea typeface="DejaVu Sans" charset="0"/>
+                          <a:cs typeface="DejaVu Sans" charset="0"/>
+                        </a:rPr>
+                        <a:t>Deve aparecer uma tela</a:t>
+                      </a:r>
+                    </a:p>
+                    <a:p>
+                      <a:pPr marL="0" marR="0" lvl="0" indent="0" algn="l" defTabSz="449263" rtl="0" eaLnBrk="1" fontAlgn="base" latinLnBrk="0" hangingPunct="1">
+                        <a:lnSpc>
+                          <a:spcPct val="98000"/>
+                        </a:lnSpc>
+                        <a:spcBef>
+                          <a:spcPct val="0"/>
+                        </a:spcBef>
+                        <a:spcAft>
+                          <a:spcPct val="0"/>
+                        </a:spcAft>
+                        <a:buClrTx/>
+                        <a:buSzPct val="100000"/>
+                        <a:buFontTx/>
+                        <a:buNone/>
+                        <a:tabLst>
+                          <a:tab pos="0" algn="l"/>
+                          <a:tab pos="914400" algn="l"/>
+                          <a:tab pos="1828800" algn="l"/>
+                          <a:tab pos="2743200" algn="l"/>
+                          <a:tab pos="3657600" algn="l"/>
+                          <a:tab pos="4572000" algn="l"/>
+                          <a:tab pos="5486400" algn="l"/>
+                          <a:tab pos="6400800" algn="l"/>
+                          <a:tab pos="7315200" algn="l"/>
+                          <a:tab pos="8229600" algn="l"/>
+                          <a:tab pos="9144000" algn="l"/>
+                          <a:tab pos="10058400" algn="l"/>
+                        </a:tabLst>
+                      </a:pPr>
+                      <a:r>
+                        <a:rPr kumimoji="0" lang="pt-BR" altLang="pt-BR" sz="1400" b="1" i="0" u="none" strike="noStrike" cap="none" normalizeH="0" baseline="0" dirty="0">
+                          <a:ln>
+                            <a:noFill/>
+                          </a:ln>
+                          <a:solidFill>
+                            <a:srgbClr val="000000"/>
+                          </a:solidFill>
+                          <a:effectLst/>
+                          <a:latin typeface="Tahoma" pitchFamily="34" charset="0"/>
+                          <a:ea typeface="DejaVu Sans" charset="0"/>
+                          <a:cs typeface="DejaVu Sans" charset="0"/>
+                        </a:rPr>
+                        <a:t>solicitando as informações do lançamento.</a:t>
+                      </a:r>
+                    </a:p>
+                  </a:txBody>
+                  <a:tcPr marL="90000" marR="90000" marT="49249" marB="45721" horzOverflow="overflow">
+                    <a:lnL w="2880" cap="flat" cmpd="sng" algn="ctr">
+                      <a:solidFill>
+                        <a:srgbClr val="FFFFFF"/>
+                      </a:solidFill>
+                      <a:prstDash val="solid"/>
+                      <a:round/>
+                      <a:headEnd type="none" w="med" len="med"/>
+                      <a:tailEnd type="none" w="med" len="med"/>
+                    </a:lnL>
+                    <a:lnR w="2880" cap="flat" cmpd="sng" algn="ctr">
+                      <a:solidFill>
+                        <a:srgbClr val="FFFFFF"/>
+                      </a:solidFill>
+                      <a:prstDash val="solid"/>
+                      <a:round/>
+                      <a:headEnd type="none" w="med" len="med"/>
+                      <a:tailEnd type="none" w="med" len="med"/>
+                    </a:lnR>
+                    <a:lnT w="2880" cap="flat" cmpd="sng" algn="ctr">
+                      <a:solidFill>
+                        <a:srgbClr val="FFFFFF"/>
+                      </a:solidFill>
+                      <a:prstDash val="solid"/>
+                      <a:round/>
+                      <a:headEnd type="none" w="med" len="med"/>
+                      <a:tailEnd type="none" w="med" len="med"/>
+                    </a:lnT>
+                    <a:lnB w="2880" cap="flat" cmpd="sng" algn="ctr">
+                      <a:solidFill>
+                        <a:srgbClr val="FFFFFF"/>
+                      </a:solidFill>
+                      <a:prstDash val="solid"/>
+                      <a:round/>
+                      <a:headEnd type="none" w="med" len="med"/>
+                      <a:tailEnd type="none" w="med" len="med"/>
+                    </a:lnB>
+                    <a:lnTlToBr>
+                      <a:noFill/>
+                    </a:lnTlToBr>
+                    <a:lnBlToTr>
+                      <a:noFill/>
+                    </a:lnBlToTr>
+                    <a:solidFill>
+                      <a:srgbClr val="CCD1E1"/>
+                    </a:solidFill>
+                  </a:tcPr>
+                </a:tc>
+                <a:extLst>
+                  <a:ext uri="{0D108BD9-81ED-4DB2-BD59-A6C34878D82A}">
+                    <a16:rowId xmlns:a16="http://schemas.microsoft.com/office/drawing/2014/main" val="3289751473"/>
+                  </a:ext>
+                </a:extLst>
+              </a:tr>
+              <a:tr h="1157321">
+                <a:tc>
+                  <a:txBody>
+                    <a:bodyPr/>
+                    <a:lstStyle>
+                      <a:lvl1pPr eaLnBrk="0" hangingPunct="0">
+                        <a:spcBef>
+                          <a:spcPts val="800"/>
+                        </a:spcBef>
+                        <a:tabLst>
+                          <a:tab pos="0" algn="l"/>
+                          <a:tab pos="914400" algn="l"/>
+                          <a:tab pos="1828800" algn="l"/>
+                          <a:tab pos="2743200" algn="l"/>
+                          <a:tab pos="3657600" algn="l"/>
+                          <a:tab pos="4572000" algn="l"/>
+                          <a:tab pos="5486400" algn="l"/>
+                          <a:tab pos="6400800" algn="l"/>
+                          <a:tab pos="7315200" algn="l"/>
+                          <a:tab pos="8229600" algn="l"/>
+                          <a:tab pos="9144000" algn="l"/>
+                          <a:tab pos="10058400" algn="l"/>
+                        </a:tabLst>
+                        <a:defRPr>
+                          <a:solidFill>
+                            <a:srgbClr val="000000"/>
+                          </a:solidFill>
+                          <a:latin typeface="Tahoma" pitchFamily="34" charset="0"/>
+                          <a:ea typeface="DejaVu Sans" charset="0"/>
+                          <a:cs typeface="DejaVu Sans" charset="0"/>
+                        </a:defRPr>
+                      </a:lvl1pPr>
+                      <a:lvl2pPr eaLnBrk="0" hangingPunct="0">
+                        <a:spcBef>
+                          <a:spcPts val="700"/>
+                        </a:spcBef>
+                        <a:tabLst>
+                          <a:tab pos="0" algn="l"/>
+                          <a:tab pos="914400" algn="l"/>
+                          <a:tab pos="1828800" algn="l"/>
+                          <a:tab pos="2743200" algn="l"/>
+                          <a:tab pos="3657600" algn="l"/>
+                          <a:tab pos="4572000" algn="l"/>
+                          <a:tab pos="5486400" algn="l"/>
+                          <a:tab pos="6400800" algn="l"/>
+                          <a:tab pos="7315200" algn="l"/>
+                          <a:tab pos="8229600" algn="l"/>
+                          <a:tab pos="9144000" algn="l"/>
+                          <a:tab pos="10058400" algn="l"/>
+                        </a:tabLst>
+                        <a:defRPr sz="2400">
+                          <a:solidFill>
+                            <a:srgbClr val="000000"/>
+                          </a:solidFill>
+                          <a:latin typeface="Tahoma" pitchFamily="34" charset="0"/>
+                          <a:ea typeface="DejaVu Sans" charset="0"/>
+                          <a:cs typeface="DejaVu Sans" charset="0"/>
+                        </a:defRPr>
+                      </a:lvl2pPr>
+                      <a:lvl3pPr eaLnBrk="0" hangingPunct="0">
+                        <a:spcBef>
+                          <a:spcPts val="600"/>
+                        </a:spcBef>
+                        <a:tabLst>
+                          <a:tab pos="0" algn="l"/>
+                          <a:tab pos="914400" algn="l"/>
+                          <a:tab pos="1828800" algn="l"/>
+                          <a:tab pos="2743200" algn="l"/>
+                          <a:tab pos="3657600" algn="l"/>
+                          <a:tab pos="4572000" algn="l"/>
+                          <a:tab pos="5486400" algn="l"/>
+                          <a:tab pos="6400800" algn="l"/>
+                          <a:tab pos="7315200" algn="l"/>
+                          <a:tab pos="8229600" algn="l"/>
+                          <a:tab pos="9144000" algn="l"/>
+                          <a:tab pos="10058400" algn="l"/>
+                        </a:tabLst>
+                        <a:defRPr sz="2000">
+                          <a:solidFill>
+                            <a:srgbClr val="000000"/>
+                          </a:solidFill>
+                          <a:latin typeface="Tahoma" pitchFamily="34" charset="0"/>
+                          <a:ea typeface="DejaVu Sans" charset="0"/>
+                          <a:cs typeface="DejaVu Sans" charset="0"/>
+                        </a:defRPr>
+                      </a:lvl3pPr>
+                      <a:lvl4pPr eaLnBrk="0" hangingPunct="0">
+                        <a:spcBef>
+                          <a:spcPts val="500"/>
+                        </a:spcBef>
+                        <a:tabLst>
+                          <a:tab pos="0" algn="l"/>
+                          <a:tab pos="914400" algn="l"/>
+                          <a:tab pos="1828800" algn="l"/>
+                          <a:tab pos="2743200" algn="l"/>
+                          <a:tab pos="3657600" algn="l"/>
+                          <a:tab pos="4572000" algn="l"/>
+                          <a:tab pos="5486400" algn="l"/>
+                          <a:tab pos="6400800" algn="l"/>
+                          <a:tab pos="7315200" algn="l"/>
+                          <a:tab pos="8229600" algn="l"/>
+                          <a:tab pos="9144000" algn="l"/>
+                          <a:tab pos="10058400" algn="l"/>
+                        </a:tabLst>
+                        <a:defRPr>
+                          <a:solidFill>
+                            <a:srgbClr val="000000"/>
+                          </a:solidFill>
+                          <a:latin typeface="Tahoma" pitchFamily="34" charset="0"/>
+                          <a:ea typeface="DejaVu Sans" charset="0"/>
+                          <a:cs typeface="DejaVu Sans" charset="0"/>
+                        </a:defRPr>
+                      </a:lvl4pPr>
+                      <a:lvl5pPr eaLnBrk="0" hangingPunct="0">
+                        <a:spcBef>
+                          <a:spcPts val="500"/>
+                        </a:spcBef>
+                        <a:tabLst>
+                          <a:tab pos="0" algn="l"/>
+                          <a:tab pos="914400" algn="l"/>
+                          <a:tab pos="1828800" algn="l"/>
+                          <a:tab pos="2743200" algn="l"/>
+                          <a:tab pos="3657600" algn="l"/>
+                          <a:tab pos="4572000" algn="l"/>
+                          <a:tab pos="5486400" algn="l"/>
+                          <a:tab pos="6400800" algn="l"/>
+                          <a:tab pos="7315200" algn="l"/>
+                          <a:tab pos="8229600" algn="l"/>
+                          <a:tab pos="9144000" algn="l"/>
+                          <a:tab pos="10058400" algn="l"/>
+                        </a:tabLst>
+                        <a:defRPr>
+                          <a:solidFill>
+                            <a:srgbClr val="000000"/>
+                          </a:solidFill>
+                          <a:latin typeface="Tahoma" pitchFamily="34" charset="0"/>
+                          <a:ea typeface="DejaVu Sans" charset="0"/>
+                          <a:cs typeface="DejaVu Sans" charset="0"/>
+                        </a:defRPr>
+                      </a:lvl5pPr>
+                      <a:lvl6pPr marL="2514600" indent="-228600" defTabSz="449263" eaLnBrk="0" fontAlgn="base" hangingPunct="0">
+                        <a:spcBef>
+                          <a:spcPts val="500"/>
+                        </a:spcBef>
+                        <a:spcAft>
+                          <a:spcPct val="0"/>
+                        </a:spcAft>
+                        <a:buClr>
+                          <a:srgbClr val="000000"/>
+                        </a:buClr>
+                        <a:buSzPct val="100000"/>
+                        <a:buFont typeface="Times New Roman" pitchFamily="18" charset="0"/>
+                        <a:tabLst>
+                          <a:tab pos="0" algn="l"/>
+                          <a:tab pos="914400" algn="l"/>
+                          <a:tab pos="1828800" algn="l"/>
+                          <a:tab pos="2743200" algn="l"/>
+                          <a:tab pos="3657600" algn="l"/>
+                          <a:tab pos="4572000" algn="l"/>
+                          <a:tab pos="5486400" algn="l"/>
+                          <a:tab pos="6400800" algn="l"/>
+                          <a:tab pos="7315200" algn="l"/>
+                          <a:tab pos="8229600" algn="l"/>
+                          <a:tab pos="9144000" algn="l"/>
+                          <a:tab pos="10058400" algn="l"/>
+                        </a:tabLst>
+                        <a:defRPr>
+                          <a:solidFill>
+                            <a:srgbClr val="000000"/>
+                          </a:solidFill>
+                          <a:latin typeface="Tahoma" pitchFamily="34" charset="0"/>
+                          <a:ea typeface="DejaVu Sans" charset="0"/>
+                          <a:cs typeface="DejaVu Sans" charset="0"/>
+                        </a:defRPr>
+                      </a:lvl6pPr>
+                      <a:lvl7pPr marL="2971800" indent="-228600" defTabSz="449263" eaLnBrk="0" fontAlgn="base" hangingPunct="0">
+                        <a:spcBef>
+                          <a:spcPts val="500"/>
+                        </a:spcBef>
+                        <a:spcAft>
+                          <a:spcPct val="0"/>
+                        </a:spcAft>
+                        <a:buClr>
+                          <a:srgbClr val="000000"/>
+                        </a:buClr>
+                        <a:buSzPct val="100000"/>
+                        <a:buFont typeface="Times New Roman" pitchFamily="18" charset="0"/>
+                        <a:tabLst>
+                          <a:tab pos="0" algn="l"/>
+                          <a:tab pos="914400" algn="l"/>
+                          <a:tab pos="1828800" algn="l"/>
+                          <a:tab pos="2743200" algn="l"/>
+                          <a:tab pos="3657600" algn="l"/>
+                          <a:tab pos="4572000" algn="l"/>
+                          <a:tab pos="5486400" algn="l"/>
+                          <a:tab pos="6400800" algn="l"/>
+                          <a:tab pos="7315200" algn="l"/>
+                          <a:tab pos="8229600" algn="l"/>
+                          <a:tab pos="9144000" algn="l"/>
+                          <a:tab pos="10058400" algn="l"/>
+                        </a:tabLst>
+                        <a:defRPr>
+                          <a:solidFill>
+                            <a:srgbClr val="000000"/>
+                          </a:solidFill>
+                          <a:latin typeface="Tahoma" pitchFamily="34" charset="0"/>
+                          <a:ea typeface="DejaVu Sans" charset="0"/>
+                          <a:cs typeface="DejaVu Sans" charset="0"/>
+                        </a:defRPr>
+                      </a:lvl7pPr>
+                      <a:lvl8pPr marL="3429000" indent="-228600" defTabSz="449263" eaLnBrk="0" fontAlgn="base" hangingPunct="0">
+                        <a:spcBef>
+                          <a:spcPts val="500"/>
+                        </a:spcBef>
+                        <a:spcAft>
+                          <a:spcPct val="0"/>
+                        </a:spcAft>
+                        <a:buClr>
+                          <a:srgbClr val="000000"/>
+                        </a:buClr>
+                        <a:buSzPct val="100000"/>
+                        <a:buFont typeface="Times New Roman" pitchFamily="18" charset="0"/>
+                        <a:tabLst>
+                          <a:tab pos="0" algn="l"/>
+                          <a:tab pos="914400" algn="l"/>
+                          <a:tab pos="1828800" algn="l"/>
+                          <a:tab pos="2743200" algn="l"/>
+                          <a:tab pos="3657600" algn="l"/>
+                          <a:tab pos="4572000" algn="l"/>
+                          <a:tab pos="5486400" algn="l"/>
+                          <a:tab pos="6400800" algn="l"/>
+                          <a:tab pos="7315200" algn="l"/>
+                          <a:tab pos="8229600" algn="l"/>
+                          <a:tab pos="9144000" algn="l"/>
+                          <a:tab pos="10058400" algn="l"/>
+                        </a:tabLst>
+                        <a:defRPr>
+                          <a:solidFill>
+                            <a:srgbClr val="000000"/>
+                          </a:solidFill>
+                          <a:latin typeface="Tahoma" pitchFamily="34" charset="0"/>
+                          <a:ea typeface="DejaVu Sans" charset="0"/>
+                          <a:cs typeface="DejaVu Sans" charset="0"/>
+                        </a:defRPr>
+                      </a:lvl8pPr>
+                      <a:lvl9pPr marL="3886200" indent="-228600" defTabSz="449263" eaLnBrk="0" fontAlgn="base" hangingPunct="0">
+                        <a:spcBef>
+                          <a:spcPts val="500"/>
+                        </a:spcBef>
+                        <a:spcAft>
+                          <a:spcPct val="0"/>
+                        </a:spcAft>
+                        <a:buClr>
+                          <a:srgbClr val="000000"/>
+                        </a:buClr>
+                        <a:buSzPct val="100000"/>
+                        <a:buFont typeface="Times New Roman" pitchFamily="18" charset="0"/>
+                        <a:tabLst>
+                          <a:tab pos="0" algn="l"/>
+                          <a:tab pos="914400" algn="l"/>
+                          <a:tab pos="1828800" algn="l"/>
+                          <a:tab pos="2743200" algn="l"/>
+                          <a:tab pos="3657600" algn="l"/>
+                          <a:tab pos="4572000" algn="l"/>
+                          <a:tab pos="5486400" algn="l"/>
+                          <a:tab pos="6400800" algn="l"/>
+                          <a:tab pos="7315200" algn="l"/>
+                          <a:tab pos="8229600" algn="l"/>
+                          <a:tab pos="9144000" algn="l"/>
+                          <a:tab pos="10058400" algn="l"/>
+                        </a:tabLst>
+                        <a:defRPr>
+                          <a:solidFill>
+                            <a:srgbClr val="000000"/>
+                          </a:solidFill>
+                          <a:latin typeface="Tahoma" pitchFamily="34" charset="0"/>
+                          <a:ea typeface="DejaVu Sans" charset="0"/>
+                          <a:cs typeface="DejaVu Sans" charset="0"/>
+                        </a:defRPr>
+                      </a:lvl9pPr>
+                    </a:lstStyle>
+                    <a:p>
+                      <a:pPr marL="0" marR="0" lvl="0" indent="0" algn="l" defTabSz="449263" rtl="0" eaLnBrk="1" fontAlgn="base" latinLnBrk="0" hangingPunct="1">
+                        <a:lnSpc>
+                          <a:spcPct val="98000"/>
+                        </a:lnSpc>
+                        <a:spcBef>
+                          <a:spcPct val="0"/>
+                        </a:spcBef>
+                        <a:spcAft>
+                          <a:spcPct val="0"/>
+                        </a:spcAft>
+                        <a:buClrTx/>
+                        <a:buSzPct val="100000"/>
+                        <a:buFontTx/>
+                        <a:buNone/>
+                        <a:tabLst>
+                          <a:tab pos="0" algn="l"/>
+                          <a:tab pos="914400" algn="l"/>
+                          <a:tab pos="1828800" algn="l"/>
+                          <a:tab pos="2743200" algn="l"/>
+                          <a:tab pos="3657600" algn="l"/>
+                          <a:tab pos="4572000" algn="l"/>
+                          <a:tab pos="5486400" algn="l"/>
+                          <a:tab pos="6400800" algn="l"/>
+                          <a:tab pos="7315200" algn="l"/>
+                          <a:tab pos="8229600" algn="l"/>
+                          <a:tab pos="9144000" algn="l"/>
+                          <a:tab pos="10058400" algn="l"/>
+                        </a:tabLst>
+                      </a:pPr>
+                      <a:r>
+                        <a:rPr kumimoji="0" lang="pt-BR" altLang="pt-BR" sz="1400" b="1" i="0" u="none" strike="noStrike" cap="none" normalizeH="0" baseline="0" dirty="0">
+                          <a:ln>
+                            <a:noFill/>
+                          </a:ln>
+                          <a:solidFill>
+                            <a:srgbClr val="000000"/>
+                          </a:solidFill>
+                          <a:effectLst/>
+                          <a:latin typeface="Tahoma" pitchFamily="34" charset="0"/>
+                          <a:ea typeface="DejaVu Sans" charset="0"/>
+                          <a:cs typeface="DejaVu Sans" charset="0"/>
+                        </a:rPr>
+                        <a:t>2. Informar a informações do lançamento sem preencher o campo subcategoria</a:t>
+                      </a:r>
+                    </a:p>
+                  </a:txBody>
+                  <a:tcPr marL="90000" marR="90000" marT="49249" marB="45721" horzOverflow="overflow">
+                    <a:lnL w="2880" cap="flat" cmpd="sng" algn="ctr">
+                      <a:solidFill>
+                        <a:srgbClr val="FFFFFF"/>
+                      </a:solidFill>
+                      <a:prstDash val="solid"/>
+                      <a:round/>
+                      <a:headEnd type="none" w="med" len="med"/>
+                      <a:tailEnd type="none" w="med" len="med"/>
+                    </a:lnL>
+                    <a:lnR w="2880" cap="flat" cmpd="sng" algn="ctr">
+                      <a:solidFill>
+                        <a:srgbClr val="FFFFFF"/>
+                      </a:solidFill>
+                      <a:prstDash val="solid"/>
+                      <a:round/>
+                      <a:headEnd type="none" w="med" len="med"/>
+                      <a:tailEnd type="none" w="med" len="med"/>
+                    </a:lnR>
+                    <a:lnT w="2880" cap="flat" cmpd="sng" algn="ctr">
+                      <a:solidFill>
+                        <a:srgbClr val="FFFFFF"/>
+                      </a:solidFill>
+                      <a:prstDash val="solid"/>
+                      <a:round/>
+                      <a:headEnd type="none" w="med" len="med"/>
+                      <a:tailEnd type="none" w="med" len="med"/>
+                    </a:lnT>
+                    <a:lnB w="2880" cap="flat" cmpd="sng" algn="ctr">
+                      <a:solidFill>
+                        <a:srgbClr val="FFFFFF"/>
+                      </a:solidFill>
+                      <a:prstDash val="solid"/>
+                      <a:round/>
+                      <a:headEnd type="none" w="med" len="med"/>
+                      <a:tailEnd type="none" w="med" len="med"/>
+                    </a:lnB>
+                    <a:lnTlToBr>
+                      <a:noFill/>
+                    </a:lnTlToBr>
+                    <a:lnBlToTr>
+                      <a:noFill/>
+                    </a:lnBlToTr>
+                    <a:solidFill>
+                      <a:srgbClr val="E8E9F1"/>
+                    </a:solidFill>
+                  </a:tcPr>
+                </a:tc>
+                <a:tc>
+                  <a:txBody>
+                    <a:bodyPr/>
+                    <a:lstStyle>
+                      <a:lvl1pPr eaLnBrk="0" hangingPunct="0">
+                        <a:spcBef>
+                          <a:spcPts val="800"/>
+                        </a:spcBef>
+                        <a:tabLst>
+                          <a:tab pos="0" algn="l"/>
+                          <a:tab pos="914400" algn="l"/>
+                          <a:tab pos="1828800" algn="l"/>
+                          <a:tab pos="2743200" algn="l"/>
+                          <a:tab pos="3657600" algn="l"/>
+                          <a:tab pos="4572000" algn="l"/>
+                          <a:tab pos="5486400" algn="l"/>
+                          <a:tab pos="6400800" algn="l"/>
+                          <a:tab pos="7315200" algn="l"/>
+                          <a:tab pos="8229600" algn="l"/>
+                          <a:tab pos="9144000" algn="l"/>
+                          <a:tab pos="10058400" algn="l"/>
+                        </a:tabLst>
+                        <a:defRPr>
+                          <a:solidFill>
+                            <a:srgbClr val="000000"/>
+                          </a:solidFill>
+                          <a:latin typeface="Tahoma" pitchFamily="34" charset="0"/>
+                          <a:ea typeface="DejaVu Sans" charset="0"/>
+                          <a:cs typeface="DejaVu Sans" charset="0"/>
+                        </a:defRPr>
+                      </a:lvl1pPr>
+                      <a:lvl2pPr eaLnBrk="0" hangingPunct="0">
+                        <a:spcBef>
+                          <a:spcPts val="700"/>
+                        </a:spcBef>
+                        <a:tabLst>
+                          <a:tab pos="0" algn="l"/>
+                          <a:tab pos="914400" algn="l"/>
+                          <a:tab pos="1828800" algn="l"/>
+                          <a:tab pos="2743200" algn="l"/>
+                          <a:tab pos="3657600" algn="l"/>
+                          <a:tab pos="4572000" algn="l"/>
+                          <a:tab pos="5486400" algn="l"/>
+                          <a:tab pos="6400800" algn="l"/>
+                          <a:tab pos="7315200" algn="l"/>
+                          <a:tab pos="8229600" algn="l"/>
+                          <a:tab pos="9144000" algn="l"/>
+                          <a:tab pos="10058400" algn="l"/>
+                        </a:tabLst>
+                        <a:defRPr sz="2400">
+                          <a:solidFill>
+                            <a:srgbClr val="000000"/>
+                          </a:solidFill>
+                          <a:latin typeface="Tahoma" pitchFamily="34" charset="0"/>
+                          <a:ea typeface="DejaVu Sans" charset="0"/>
+                          <a:cs typeface="DejaVu Sans" charset="0"/>
+                        </a:defRPr>
+                      </a:lvl2pPr>
+                      <a:lvl3pPr eaLnBrk="0" hangingPunct="0">
+                        <a:spcBef>
+                          <a:spcPts val="600"/>
+                        </a:spcBef>
+                        <a:tabLst>
+                          <a:tab pos="0" algn="l"/>
+                          <a:tab pos="914400" algn="l"/>
+                          <a:tab pos="1828800" algn="l"/>
+                          <a:tab pos="2743200" algn="l"/>
+                          <a:tab pos="3657600" algn="l"/>
+                          <a:tab pos="4572000" algn="l"/>
+                          <a:tab pos="5486400" algn="l"/>
+                          <a:tab pos="6400800" algn="l"/>
+                          <a:tab pos="7315200" algn="l"/>
+                          <a:tab pos="8229600" algn="l"/>
+                          <a:tab pos="9144000" algn="l"/>
+                          <a:tab pos="10058400" algn="l"/>
+                        </a:tabLst>
+                        <a:defRPr sz="2000">
+                          <a:solidFill>
+                            <a:srgbClr val="000000"/>
+                          </a:solidFill>
+                          <a:latin typeface="Tahoma" pitchFamily="34" charset="0"/>
+                          <a:ea typeface="DejaVu Sans" charset="0"/>
+                          <a:cs typeface="DejaVu Sans" charset="0"/>
+                        </a:defRPr>
+                      </a:lvl3pPr>
+                      <a:lvl4pPr eaLnBrk="0" hangingPunct="0">
+                        <a:spcBef>
+                          <a:spcPts val="500"/>
+                        </a:spcBef>
+                        <a:tabLst>
+                          <a:tab pos="0" algn="l"/>
+                          <a:tab pos="914400" algn="l"/>
+                          <a:tab pos="1828800" algn="l"/>
+                          <a:tab pos="2743200" algn="l"/>
+                          <a:tab pos="3657600" algn="l"/>
+                          <a:tab pos="4572000" algn="l"/>
+                          <a:tab pos="5486400" algn="l"/>
+                          <a:tab pos="6400800" algn="l"/>
+                          <a:tab pos="7315200" algn="l"/>
+                          <a:tab pos="8229600" algn="l"/>
+                          <a:tab pos="9144000" algn="l"/>
+                          <a:tab pos="10058400" algn="l"/>
+                        </a:tabLst>
+                        <a:defRPr>
+                          <a:solidFill>
+                            <a:srgbClr val="000000"/>
+                          </a:solidFill>
+                          <a:latin typeface="Tahoma" pitchFamily="34" charset="0"/>
+                          <a:ea typeface="DejaVu Sans" charset="0"/>
+                          <a:cs typeface="DejaVu Sans" charset="0"/>
+                        </a:defRPr>
+                      </a:lvl4pPr>
+                      <a:lvl5pPr eaLnBrk="0" hangingPunct="0">
+                        <a:spcBef>
+                          <a:spcPts val="500"/>
+                        </a:spcBef>
+                        <a:tabLst>
+                          <a:tab pos="0" algn="l"/>
+                          <a:tab pos="914400" algn="l"/>
+                          <a:tab pos="1828800" algn="l"/>
+                          <a:tab pos="2743200" algn="l"/>
+                          <a:tab pos="3657600" algn="l"/>
+                          <a:tab pos="4572000" algn="l"/>
+                          <a:tab pos="5486400" algn="l"/>
+                          <a:tab pos="6400800" algn="l"/>
+                          <a:tab pos="7315200" algn="l"/>
+                          <a:tab pos="8229600" algn="l"/>
+                          <a:tab pos="9144000" algn="l"/>
+                          <a:tab pos="10058400" algn="l"/>
+                        </a:tabLst>
+                        <a:defRPr>
+                          <a:solidFill>
+                            <a:srgbClr val="000000"/>
+                          </a:solidFill>
+                          <a:latin typeface="Tahoma" pitchFamily="34" charset="0"/>
+                          <a:ea typeface="DejaVu Sans" charset="0"/>
+                          <a:cs typeface="DejaVu Sans" charset="0"/>
+                        </a:defRPr>
+                      </a:lvl5pPr>
+                      <a:lvl6pPr marL="2514600" indent="-228600" defTabSz="449263" eaLnBrk="0" fontAlgn="base" hangingPunct="0">
+                        <a:spcBef>
+                          <a:spcPts val="500"/>
+                        </a:spcBef>
+                        <a:spcAft>
+                          <a:spcPct val="0"/>
+                        </a:spcAft>
+                        <a:buClr>
+                          <a:srgbClr val="000000"/>
+                        </a:buClr>
+                        <a:buSzPct val="100000"/>
+                        <a:buFont typeface="Times New Roman" pitchFamily="18" charset="0"/>
+                        <a:tabLst>
+                          <a:tab pos="0" algn="l"/>
+                          <a:tab pos="914400" algn="l"/>
+                          <a:tab pos="1828800" algn="l"/>
+                          <a:tab pos="2743200" algn="l"/>
+                          <a:tab pos="3657600" algn="l"/>
+                          <a:tab pos="4572000" algn="l"/>
+                          <a:tab pos="5486400" algn="l"/>
+                          <a:tab pos="6400800" algn="l"/>
+                          <a:tab pos="7315200" algn="l"/>
+                          <a:tab pos="8229600" algn="l"/>
+                          <a:tab pos="9144000" algn="l"/>
+                          <a:tab pos="10058400" algn="l"/>
+                        </a:tabLst>
+                        <a:defRPr>
+                          <a:solidFill>
+                            <a:srgbClr val="000000"/>
+                          </a:solidFill>
+                          <a:latin typeface="Tahoma" pitchFamily="34" charset="0"/>
+                          <a:ea typeface="DejaVu Sans" charset="0"/>
+                          <a:cs typeface="DejaVu Sans" charset="0"/>
+                        </a:defRPr>
+                      </a:lvl6pPr>
+                      <a:lvl7pPr marL="2971800" indent="-228600" defTabSz="449263" eaLnBrk="0" fontAlgn="base" hangingPunct="0">
+                        <a:spcBef>
+                          <a:spcPts val="500"/>
+                        </a:spcBef>
+                        <a:spcAft>
+                          <a:spcPct val="0"/>
+                        </a:spcAft>
+                        <a:buClr>
+                          <a:srgbClr val="000000"/>
+                        </a:buClr>
+                        <a:buSzPct val="100000"/>
+                        <a:buFont typeface="Times New Roman" pitchFamily="18" charset="0"/>
+                        <a:tabLst>
+                          <a:tab pos="0" algn="l"/>
+                          <a:tab pos="914400" algn="l"/>
+                          <a:tab pos="1828800" algn="l"/>
+                          <a:tab pos="2743200" algn="l"/>
+                          <a:tab pos="3657600" algn="l"/>
+                          <a:tab pos="4572000" algn="l"/>
+                          <a:tab pos="5486400" algn="l"/>
+                          <a:tab pos="6400800" algn="l"/>
+                          <a:tab pos="7315200" algn="l"/>
+                          <a:tab pos="8229600" algn="l"/>
+                          <a:tab pos="9144000" algn="l"/>
+                          <a:tab pos="10058400" algn="l"/>
+                        </a:tabLst>
+                        <a:defRPr>
+                          <a:solidFill>
+                            <a:srgbClr val="000000"/>
+                          </a:solidFill>
+                          <a:latin typeface="Tahoma" pitchFamily="34" charset="0"/>
+                          <a:ea typeface="DejaVu Sans" charset="0"/>
+                          <a:cs typeface="DejaVu Sans" charset="0"/>
+                        </a:defRPr>
+                      </a:lvl7pPr>
+                      <a:lvl8pPr marL="3429000" indent="-228600" defTabSz="449263" eaLnBrk="0" fontAlgn="base" hangingPunct="0">
+                        <a:spcBef>
+                          <a:spcPts val="500"/>
+                        </a:spcBef>
+                        <a:spcAft>
+                          <a:spcPct val="0"/>
+                        </a:spcAft>
+                        <a:buClr>
+                          <a:srgbClr val="000000"/>
+                        </a:buClr>
+                        <a:buSzPct val="100000"/>
+                        <a:buFont typeface="Times New Roman" pitchFamily="18" charset="0"/>
+                        <a:tabLst>
+                          <a:tab pos="0" algn="l"/>
+                          <a:tab pos="914400" algn="l"/>
+                          <a:tab pos="1828800" algn="l"/>
+                          <a:tab pos="2743200" algn="l"/>
+                          <a:tab pos="3657600" algn="l"/>
+                          <a:tab pos="4572000" algn="l"/>
+                          <a:tab pos="5486400" algn="l"/>
+                          <a:tab pos="6400800" algn="l"/>
+                          <a:tab pos="7315200" algn="l"/>
+                          <a:tab pos="8229600" algn="l"/>
+                          <a:tab pos="9144000" algn="l"/>
+                          <a:tab pos="10058400" algn="l"/>
+                        </a:tabLst>
+                        <a:defRPr>
+                          <a:solidFill>
+                            <a:srgbClr val="000000"/>
+                          </a:solidFill>
+                          <a:latin typeface="Tahoma" pitchFamily="34" charset="0"/>
+                          <a:ea typeface="DejaVu Sans" charset="0"/>
+                          <a:cs typeface="DejaVu Sans" charset="0"/>
+                        </a:defRPr>
+                      </a:lvl8pPr>
+                      <a:lvl9pPr marL="3886200" indent="-228600" defTabSz="449263" eaLnBrk="0" fontAlgn="base" hangingPunct="0">
+                        <a:spcBef>
+                          <a:spcPts val="500"/>
+                        </a:spcBef>
+                        <a:spcAft>
+                          <a:spcPct val="0"/>
+                        </a:spcAft>
+                        <a:buClr>
+                          <a:srgbClr val="000000"/>
+                        </a:buClr>
+                        <a:buSzPct val="100000"/>
+                        <a:buFont typeface="Times New Roman" pitchFamily="18" charset="0"/>
+                        <a:tabLst>
+                          <a:tab pos="0" algn="l"/>
+                          <a:tab pos="914400" algn="l"/>
+                          <a:tab pos="1828800" algn="l"/>
+                          <a:tab pos="2743200" algn="l"/>
+                          <a:tab pos="3657600" algn="l"/>
+                          <a:tab pos="4572000" algn="l"/>
+                          <a:tab pos="5486400" algn="l"/>
+                          <a:tab pos="6400800" algn="l"/>
+                          <a:tab pos="7315200" algn="l"/>
+                          <a:tab pos="8229600" algn="l"/>
+                          <a:tab pos="9144000" algn="l"/>
+                          <a:tab pos="10058400" algn="l"/>
+                        </a:tabLst>
+                        <a:defRPr>
+                          <a:solidFill>
+                            <a:srgbClr val="000000"/>
+                          </a:solidFill>
+                          <a:latin typeface="Tahoma" pitchFamily="34" charset="0"/>
+                          <a:ea typeface="DejaVu Sans" charset="0"/>
+                          <a:cs typeface="DejaVu Sans" charset="0"/>
+                        </a:defRPr>
+                      </a:lvl9pPr>
+                    </a:lstStyle>
+                    <a:p>
+                      <a:pPr marL="0" marR="0" lvl="0" indent="0" algn="l" defTabSz="449263" rtl="0" eaLnBrk="1" fontAlgn="base" latinLnBrk="0" hangingPunct="1">
+                        <a:lnSpc>
+                          <a:spcPct val="98000"/>
+                        </a:lnSpc>
+                        <a:spcBef>
+                          <a:spcPct val="0"/>
+                        </a:spcBef>
+                        <a:spcAft>
+                          <a:spcPct val="0"/>
+                        </a:spcAft>
+                        <a:buClrTx/>
+                        <a:buSzPct val="100000"/>
+                        <a:buFontTx/>
+                        <a:buNone/>
+                        <a:tabLst>
+                          <a:tab pos="0" algn="l"/>
+                          <a:tab pos="914400" algn="l"/>
+                          <a:tab pos="1828800" algn="l"/>
+                          <a:tab pos="2743200" algn="l"/>
+                          <a:tab pos="3657600" algn="l"/>
+                          <a:tab pos="4572000" algn="l"/>
+                          <a:tab pos="5486400" algn="l"/>
+                          <a:tab pos="6400800" algn="l"/>
+                          <a:tab pos="7315200" algn="l"/>
+                          <a:tab pos="8229600" algn="l"/>
+                          <a:tab pos="9144000" algn="l"/>
+                          <a:tab pos="10058400" algn="l"/>
+                        </a:tabLst>
+                      </a:pPr>
+                      <a:r>
+                        <a:rPr kumimoji="0" lang="pt-BR" altLang="pt-BR" sz="1400" b="1" i="0" u="none" strike="noStrike" cap="none" normalizeH="0" baseline="0" dirty="0">
+                          <a:ln>
+                            <a:noFill/>
+                          </a:ln>
+                          <a:solidFill>
+                            <a:srgbClr val="000000"/>
+                          </a:solidFill>
+                          <a:effectLst/>
+                          <a:latin typeface="Tahoma" pitchFamily="34" charset="0"/>
+                          <a:ea typeface="DejaVu Sans" charset="0"/>
+                          <a:cs typeface="DejaVu Sans" charset="0"/>
+                        </a:rPr>
+                        <a:t>Aparece uma tela com a</a:t>
+                      </a:r>
+                    </a:p>
+                    <a:p>
+                      <a:pPr marL="0" marR="0" lvl="0" indent="0" algn="l" defTabSz="449263" rtl="0" eaLnBrk="1" fontAlgn="base" latinLnBrk="0" hangingPunct="1">
+                        <a:lnSpc>
+                          <a:spcPct val="98000"/>
+                        </a:lnSpc>
+                        <a:spcBef>
+                          <a:spcPct val="0"/>
+                        </a:spcBef>
+                        <a:spcAft>
+                          <a:spcPct val="0"/>
+                        </a:spcAft>
+                        <a:buClrTx/>
+                        <a:buSzPct val="100000"/>
+                        <a:buFontTx/>
+                        <a:buNone/>
+                        <a:tabLst>
+                          <a:tab pos="0" algn="l"/>
+                          <a:tab pos="914400" algn="l"/>
+                          <a:tab pos="1828800" algn="l"/>
+                          <a:tab pos="2743200" algn="l"/>
+                          <a:tab pos="3657600" algn="l"/>
+                          <a:tab pos="4572000" algn="l"/>
+                          <a:tab pos="5486400" algn="l"/>
+                          <a:tab pos="6400800" algn="l"/>
+                          <a:tab pos="7315200" algn="l"/>
+                          <a:tab pos="8229600" algn="l"/>
+                          <a:tab pos="9144000" algn="l"/>
+                          <a:tab pos="10058400" algn="l"/>
+                        </a:tabLst>
+                      </a:pPr>
+                      <a:r>
+                        <a:rPr kumimoji="0" lang="pt-BR" altLang="pt-BR" sz="1400" b="1" i="0" u="none" strike="noStrike" cap="none" normalizeH="0" baseline="0" dirty="0">
+                          <a:ln>
+                            <a:noFill/>
+                          </a:ln>
+                          <a:solidFill>
+                            <a:srgbClr val="000000"/>
+                          </a:solidFill>
+                          <a:effectLst/>
+                          <a:latin typeface="Tahoma" pitchFamily="34" charset="0"/>
+                          <a:ea typeface="DejaVu Sans" charset="0"/>
+                          <a:cs typeface="DejaVu Sans" charset="0"/>
+                        </a:rPr>
+                        <a:t>seguinte mensagem: “informe a subcategoria”.</a:t>
+                      </a:r>
+                    </a:p>
+                  </a:txBody>
+                  <a:tcPr marL="90000" marR="90000" marT="49249" marB="45721" horzOverflow="overflow">
+                    <a:lnL w="2880" cap="flat" cmpd="sng" algn="ctr">
+                      <a:solidFill>
+                        <a:srgbClr val="FFFFFF"/>
+                      </a:solidFill>
+                      <a:prstDash val="solid"/>
+                      <a:round/>
+                      <a:headEnd type="none" w="med" len="med"/>
+                      <a:tailEnd type="none" w="med" len="med"/>
+                    </a:lnL>
+                    <a:lnR w="2880" cap="flat" cmpd="sng" algn="ctr">
+                      <a:solidFill>
+                        <a:srgbClr val="FFFFFF"/>
+                      </a:solidFill>
+                      <a:prstDash val="solid"/>
+                      <a:round/>
+                      <a:headEnd type="none" w="med" len="med"/>
+                      <a:tailEnd type="none" w="med" len="med"/>
+                    </a:lnR>
+                    <a:lnT w="2880" cap="flat" cmpd="sng" algn="ctr">
+                      <a:solidFill>
+                        <a:srgbClr val="FFFFFF"/>
+                      </a:solidFill>
+                      <a:prstDash val="solid"/>
+                      <a:round/>
+                      <a:headEnd type="none" w="med" len="med"/>
+                      <a:tailEnd type="none" w="med" len="med"/>
+                    </a:lnT>
+                    <a:lnB w="2880" cap="flat" cmpd="sng" algn="ctr">
+                      <a:solidFill>
+                        <a:srgbClr val="FFFFFF"/>
+                      </a:solidFill>
+                      <a:prstDash val="solid"/>
+                      <a:round/>
+                      <a:headEnd type="none" w="med" len="med"/>
+                      <a:tailEnd type="none" w="med" len="med"/>
+                    </a:lnB>
+                    <a:lnTlToBr>
+                      <a:noFill/>
+                    </a:lnTlToBr>
+                    <a:lnBlToTr>
+                      <a:noFill/>
+                    </a:lnBlToTr>
+                    <a:solidFill>
+                      <a:srgbClr val="E8E9F1"/>
+                    </a:solidFill>
+                  </a:tcPr>
+                </a:tc>
+                <a:extLst>
+                  <a:ext uri="{0D108BD9-81ED-4DB2-BD59-A6C34878D82A}">
+                    <a16:rowId xmlns:a16="http://schemas.microsoft.com/office/drawing/2014/main" val="3846472146"/>
+                  </a:ext>
+                </a:extLst>
+              </a:tr>
+              <a:tr h="1023551">
+                <a:tc>
+                  <a:txBody>
+                    <a:bodyPr/>
+                    <a:lstStyle>
+                      <a:lvl1pPr eaLnBrk="0" hangingPunct="0">
+                        <a:spcBef>
+                          <a:spcPts val="800"/>
+                        </a:spcBef>
+                        <a:tabLst>
+                          <a:tab pos="0" algn="l"/>
+                          <a:tab pos="914400" algn="l"/>
+                          <a:tab pos="1828800" algn="l"/>
+                          <a:tab pos="2743200" algn="l"/>
+                          <a:tab pos="3657600" algn="l"/>
+                          <a:tab pos="4572000" algn="l"/>
+                          <a:tab pos="5486400" algn="l"/>
+                          <a:tab pos="6400800" algn="l"/>
+                          <a:tab pos="7315200" algn="l"/>
+                          <a:tab pos="8229600" algn="l"/>
+                          <a:tab pos="9144000" algn="l"/>
+                          <a:tab pos="10058400" algn="l"/>
+                        </a:tabLst>
+                        <a:defRPr>
+                          <a:solidFill>
+                            <a:srgbClr val="000000"/>
+                          </a:solidFill>
+                          <a:latin typeface="Tahoma" pitchFamily="34" charset="0"/>
+                          <a:ea typeface="DejaVu Sans" charset="0"/>
+                          <a:cs typeface="DejaVu Sans" charset="0"/>
+                        </a:defRPr>
+                      </a:lvl1pPr>
+                      <a:lvl2pPr eaLnBrk="0" hangingPunct="0">
+                        <a:spcBef>
+                          <a:spcPts val="700"/>
+                        </a:spcBef>
+                        <a:tabLst>
+                          <a:tab pos="0" algn="l"/>
+                          <a:tab pos="914400" algn="l"/>
+                          <a:tab pos="1828800" algn="l"/>
+                          <a:tab pos="2743200" algn="l"/>
+                          <a:tab pos="3657600" algn="l"/>
+                          <a:tab pos="4572000" algn="l"/>
+                          <a:tab pos="5486400" algn="l"/>
+                          <a:tab pos="6400800" algn="l"/>
+                          <a:tab pos="7315200" algn="l"/>
+                          <a:tab pos="8229600" algn="l"/>
+                          <a:tab pos="9144000" algn="l"/>
+                          <a:tab pos="10058400" algn="l"/>
+                        </a:tabLst>
+                        <a:defRPr sz="2400">
+                          <a:solidFill>
+                            <a:srgbClr val="000000"/>
+                          </a:solidFill>
+                          <a:latin typeface="Tahoma" pitchFamily="34" charset="0"/>
+                          <a:ea typeface="DejaVu Sans" charset="0"/>
+                          <a:cs typeface="DejaVu Sans" charset="0"/>
+                        </a:defRPr>
+                      </a:lvl2pPr>
+                      <a:lvl3pPr eaLnBrk="0" hangingPunct="0">
+                        <a:spcBef>
+                          <a:spcPts val="600"/>
+                        </a:spcBef>
+                        <a:tabLst>
+                          <a:tab pos="0" algn="l"/>
+                          <a:tab pos="914400" algn="l"/>
+                          <a:tab pos="1828800" algn="l"/>
+                          <a:tab pos="2743200" algn="l"/>
+                          <a:tab pos="3657600" algn="l"/>
+                          <a:tab pos="4572000" algn="l"/>
+                          <a:tab pos="5486400" algn="l"/>
+                          <a:tab pos="6400800" algn="l"/>
+                          <a:tab pos="7315200" algn="l"/>
+                          <a:tab pos="8229600" algn="l"/>
+                          <a:tab pos="9144000" algn="l"/>
+                          <a:tab pos="10058400" algn="l"/>
+                        </a:tabLst>
+                        <a:defRPr sz="2000">
+                          <a:solidFill>
+                            <a:srgbClr val="000000"/>
+                          </a:solidFill>
+                          <a:latin typeface="Tahoma" pitchFamily="34" charset="0"/>
+                          <a:ea typeface="DejaVu Sans" charset="0"/>
+                          <a:cs typeface="DejaVu Sans" charset="0"/>
+                        </a:defRPr>
+                      </a:lvl3pPr>
+                      <a:lvl4pPr eaLnBrk="0" hangingPunct="0">
+                        <a:spcBef>
+                          <a:spcPts val="500"/>
+                        </a:spcBef>
+                        <a:tabLst>
+                          <a:tab pos="0" algn="l"/>
+                          <a:tab pos="914400" algn="l"/>
+                          <a:tab pos="1828800" algn="l"/>
+                          <a:tab pos="2743200" algn="l"/>
+                          <a:tab pos="3657600" algn="l"/>
+                          <a:tab pos="4572000" algn="l"/>
+                          <a:tab pos="5486400" algn="l"/>
+                          <a:tab pos="6400800" algn="l"/>
+                          <a:tab pos="7315200" algn="l"/>
+                          <a:tab pos="8229600" algn="l"/>
+                          <a:tab pos="9144000" algn="l"/>
+                          <a:tab pos="10058400" algn="l"/>
+                        </a:tabLst>
+                        <a:defRPr>
+                          <a:solidFill>
+                            <a:srgbClr val="000000"/>
+                          </a:solidFill>
+                          <a:latin typeface="Tahoma" pitchFamily="34" charset="0"/>
+                          <a:ea typeface="DejaVu Sans" charset="0"/>
+                          <a:cs typeface="DejaVu Sans" charset="0"/>
+                        </a:defRPr>
+                      </a:lvl4pPr>
+                      <a:lvl5pPr eaLnBrk="0" hangingPunct="0">
+                        <a:spcBef>
+                          <a:spcPts val="500"/>
+                        </a:spcBef>
+                        <a:tabLst>
+                          <a:tab pos="0" algn="l"/>
+                          <a:tab pos="914400" algn="l"/>
+                          <a:tab pos="1828800" algn="l"/>
+                          <a:tab pos="2743200" algn="l"/>
+                          <a:tab pos="3657600" algn="l"/>
+                          <a:tab pos="4572000" algn="l"/>
+                          <a:tab pos="5486400" algn="l"/>
+                          <a:tab pos="6400800" algn="l"/>
+                          <a:tab pos="7315200" algn="l"/>
+                          <a:tab pos="8229600" algn="l"/>
+                          <a:tab pos="9144000" algn="l"/>
+                          <a:tab pos="10058400" algn="l"/>
+                        </a:tabLst>
+                        <a:defRPr>
+                          <a:solidFill>
+                            <a:srgbClr val="000000"/>
+                          </a:solidFill>
+                          <a:latin typeface="Tahoma" pitchFamily="34" charset="0"/>
+                          <a:ea typeface="DejaVu Sans" charset="0"/>
+                          <a:cs typeface="DejaVu Sans" charset="0"/>
+                        </a:defRPr>
+                      </a:lvl5pPr>
+                      <a:lvl6pPr marL="2514600" indent="-228600" defTabSz="449263" eaLnBrk="0" fontAlgn="base" hangingPunct="0">
+                        <a:spcBef>
+                          <a:spcPts val="500"/>
+                        </a:spcBef>
+                        <a:spcAft>
+                          <a:spcPct val="0"/>
+                        </a:spcAft>
+                        <a:buClr>
+                          <a:srgbClr val="000000"/>
+                        </a:buClr>
+                        <a:buSzPct val="100000"/>
+                        <a:buFont typeface="Times New Roman" pitchFamily="18" charset="0"/>
+                        <a:tabLst>
+                          <a:tab pos="0" algn="l"/>
+                          <a:tab pos="914400" algn="l"/>
+                          <a:tab pos="1828800" algn="l"/>
+                          <a:tab pos="2743200" algn="l"/>
+                          <a:tab pos="3657600" algn="l"/>
+                          <a:tab pos="4572000" algn="l"/>
+                          <a:tab pos="5486400" algn="l"/>
+                          <a:tab pos="6400800" algn="l"/>
+                          <a:tab pos="7315200" algn="l"/>
+                          <a:tab pos="8229600" algn="l"/>
+                          <a:tab pos="9144000" algn="l"/>
+                          <a:tab pos="10058400" algn="l"/>
+                        </a:tabLst>
+                        <a:defRPr>
+                          <a:solidFill>
+                            <a:srgbClr val="000000"/>
+                          </a:solidFill>
+                          <a:latin typeface="Tahoma" pitchFamily="34" charset="0"/>
+                          <a:ea typeface="DejaVu Sans" charset="0"/>
+                          <a:cs typeface="DejaVu Sans" charset="0"/>
+                        </a:defRPr>
+                      </a:lvl6pPr>
+                      <a:lvl7pPr marL="2971800" indent="-228600" defTabSz="449263" eaLnBrk="0" fontAlgn="base" hangingPunct="0">
+                        <a:spcBef>
+                          <a:spcPts val="500"/>
+                        </a:spcBef>
+                        <a:spcAft>
+                          <a:spcPct val="0"/>
+                        </a:spcAft>
+                        <a:buClr>
+                          <a:srgbClr val="000000"/>
+                        </a:buClr>
+                        <a:buSzPct val="100000"/>
+                        <a:buFont typeface="Times New Roman" pitchFamily="18" charset="0"/>
+                        <a:tabLst>
+                          <a:tab pos="0" algn="l"/>
+                          <a:tab pos="914400" algn="l"/>
+                          <a:tab pos="1828800" algn="l"/>
+                          <a:tab pos="2743200" algn="l"/>
+                          <a:tab pos="3657600" algn="l"/>
+                          <a:tab pos="4572000" algn="l"/>
+                          <a:tab pos="5486400" algn="l"/>
+                          <a:tab pos="6400800" algn="l"/>
+                          <a:tab pos="7315200" algn="l"/>
+                          <a:tab pos="8229600" algn="l"/>
+                          <a:tab pos="9144000" algn="l"/>
+                          <a:tab pos="10058400" algn="l"/>
+                        </a:tabLst>
+                        <a:defRPr>
+                          <a:solidFill>
+                            <a:srgbClr val="000000"/>
+                          </a:solidFill>
+                          <a:latin typeface="Tahoma" pitchFamily="34" charset="0"/>
+                          <a:ea typeface="DejaVu Sans" charset="0"/>
+                          <a:cs typeface="DejaVu Sans" charset="0"/>
+                        </a:defRPr>
+                      </a:lvl7pPr>
+                      <a:lvl8pPr marL="3429000" indent="-228600" defTabSz="449263" eaLnBrk="0" fontAlgn="base" hangingPunct="0">
+                        <a:spcBef>
+                          <a:spcPts val="500"/>
+                        </a:spcBef>
+                        <a:spcAft>
+                          <a:spcPct val="0"/>
+                        </a:spcAft>
+                        <a:buClr>
+                          <a:srgbClr val="000000"/>
+                        </a:buClr>
+                        <a:buSzPct val="100000"/>
+                        <a:buFont typeface="Times New Roman" pitchFamily="18" charset="0"/>
+                        <a:tabLst>
+                          <a:tab pos="0" algn="l"/>
+                          <a:tab pos="914400" algn="l"/>
+                          <a:tab pos="1828800" algn="l"/>
+                          <a:tab pos="2743200" algn="l"/>
+                          <a:tab pos="3657600" algn="l"/>
+                          <a:tab pos="4572000" algn="l"/>
+                          <a:tab pos="5486400" algn="l"/>
+                          <a:tab pos="6400800" algn="l"/>
+                          <a:tab pos="7315200" algn="l"/>
+                          <a:tab pos="8229600" algn="l"/>
+                          <a:tab pos="9144000" algn="l"/>
+                          <a:tab pos="10058400" algn="l"/>
+                        </a:tabLst>
+                        <a:defRPr>
+                          <a:solidFill>
+                            <a:srgbClr val="000000"/>
+                          </a:solidFill>
+                          <a:latin typeface="Tahoma" pitchFamily="34" charset="0"/>
+                          <a:ea typeface="DejaVu Sans" charset="0"/>
+                          <a:cs typeface="DejaVu Sans" charset="0"/>
+                        </a:defRPr>
+                      </a:lvl8pPr>
+                      <a:lvl9pPr marL="3886200" indent="-228600" defTabSz="449263" eaLnBrk="0" fontAlgn="base" hangingPunct="0">
+                        <a:spcBef>
+                          <a:spcPts val="500"/>
+                        </a:spcBef>
+                        <a:spcAft>
+                          <a:spcPct val="0"/>
+                        </a:spcAft>
+                        <a:buClr>
+                          <a:srgbClr val="000000"/>
+                        </a:buClr>
+                        <a:buSzPct val="100000"/>
+                        <a:buFont typeface="Times New Roman" pitchFamily="18" charset="0"/>
+                        <a:tabLst>
+                          <a:tab pos="0" algn="l"/>
+                          <a:tab pos="914400" algn="l"/>
+                          <a:tab pos="1828800" algn="l"/>
+                          <a:tab pos="2743200" algn="l"/>
+                          <a:tab pos="3657600" algn="l"/>
+                          <a:tab pos="4572000" algn="l"/>
+                          <a:tab pos="5486400" algn="l"/>
+                          <a:tab pos="6400800" algn="l"/>
+                          <a:tab pos="7315200" algn="l"/>
+                          <a:tab pos="8229600" algn="l"/>
+                          <a:tab pos="9144000" algn="l"/>
+                          <a:tab pos="10058400" algn="l"/>
+                        </a:tabLst>
+                        <a:defRPr>
+                          <a:solidFill>
+                            <a:srgbClr val="000000"/>
+                          </a:solidFill>
+                          <a:latin typeface="Tahoma" pitchFamily="34" charset="0"/>
+                          <a:ea typeface="DejaVu Sans" charset="0"/>
+                          <a:cs typeface="DejaVu Sans" charset="0"/>
+                        </a:defRPr>
+                      </a:lvl9pPr>
+                    </a:lstStyle>
+                    <a:p>
+                      <a:pPr marL="0" marR="0" lvl="0" indent="0" algn="l" defTabSz="449263" rtl="0" eaLnBrk="1" fontAlgn="base" latinLnBrk="0" hangingPunct="1">
+                        <a:lnSpc>
+                          <a:spcPct val="98000"/>
+                        </a:lnSpc>
+                        <a:spcBef>
+                          <a:spcPct val="0"/>
+                        </a:spcBef>
+                        <a:spcAft>
+                          <a:spcPct val="0"/>
+                        </a:spcAft>
+                        <a:buClrTx/>
+                        <a:buSzPct val="100000"/>
+                        <a:buFontTx/>
+                        <a:buNone/>
+                        <a:tabLst>
+                          <a:tab pos="0" algn="l"/>
+                          <a:tab pos="914400" algn="l"/>
+                          <a:tab pos="1828800" algn="l"/>
+                          <a:tab pos="2743200" algn="l"/>
+                          <a:tab pos="3657600" algn="l"/>
+                          <a:tab pos="4572000" algn="l"/>
+                          <a:tab pos="5486400" algn="l"/>
+                          <a:tab pos="6400800" algn="l"/>
+                          <a:tab pos="7315200" algn="l"/>
+                          <a:tab pos="8229600" algn="l"/>
+                          <a:tab pos="9144000" algn="l"/>
+                          <a:tab pos="10058400" algn="l"/>
+                        </a:tabLst>
+                      </a:pPr>
+                      <a:r>
+                        <a:rPr kumimoji="0" lang="pt-BR" altLang="pt-BR" sz="1400" b="1" i="0" u="none" strike="noStrike" cap="none" normalizeH="0" baseline="0" dirty="0">
+                          <a:ln>
+                            <a:noFill/>
+                          </a:ln>
+                          <a:solidFill>
+                            <a:srgbClr val="000000"/>
+                          </a:solidFill>
+                          <a:effectLst/>
+                          <a:latin typeface="Tahoma" pitchFamily="34" charset="0"/>
+                          <a:ea typeface="DejaVu Sans" charset="0"/>
+                          <a:cs typeface="DejaVu Sans" charset="0"/>
+                        </a:rPr>
+                        <a:t>3. Criar um novo lançamento preenchendo o campo subcategoria (“mercado”).</a:t>
+                      </a:r>
+                    </a:p>
+                  </a:txBody>
+                  <a:tcPr marL="90000" marR="90000" marT="49249" marB="45721" horzOverflow="overflow">
+                    <a:lnL w="2880" cap="flat" cmpd="sng" algn="ctr">
+                      <a:solidFill>
+                        <a:srgbClr val="FFFFFF"/>
+                      </a:solidFill>
+                      <a:prstDash val="solid"/>
+                      <a:round/>
+                      <a:headEnd type="none" w="med" len="med"/>
+                      <a:tailEnd type="none" w="med" len="med"/>
+                    </a:lnL>
+                    <a:lnR w="2880" cap="flat" cmpd="sng" algn="ctr">
+                      <a:solidFill>
+                        <a:srgbClr val="FFFFFF"/>
+                      </a:solidFill>
+                      <a:prstDash val="solid"/>
+                      <a:round/>
+                      <a:headEnd type="none" w="med" len="med"/>
+                      <a:tailEnd type="none" w="med" len="med"/>
+                    </a:lnR>
+                    <a:lnT w="2880" cap="flat" cmpd="sng" algn="ctr">
+                      <a:solidFill>
+                        <a:srgbClr val="FFFFFF"/>
+                      </a:solidFill>
+                      <a:prstDash val="solid"/>
+                      <a:round/>
+                      <a:headEnd type="none" w="med" len="med"/>
+                      <a:tailEnd type="none" w="med" len="med"/>
+                    </a:lnT>
+                    <a:lnB w="2880" cap="flat" cmpd="sng" algn="ctr">
+                      <a:solidFill>
+                        <a:srgbClr val="FFFFFF"/>
+                      </a:solidFill>
+                      <a:prstDash val="solid"/>
+                      <a:round/>
+                      <a:headEnd type="none" w="med" len="med"/>
+                      <a:tailEnd type="none" w="med" len="med"/>
+                    </a:lnB>
+                    <a:lnTlToBr>
+                      <a:noFill/>
+                    </a:lnTlToBr>
+                    <a:lnBlToTr>
+                      <a:noFill/>
+                    </a:lnBlToTr>
+                    <a:solidFill>
+                      <a:srgbClr val="CCD1E1"/>
+                    </a:solidFill>
+                  </a:tcPr>
+                </a:tc>
+                <a:tc>
+                  <a:txBody>
+                    <a:bodyPr/>
+                    <a:lstStyle>
+                      <a:lvl1pPr eaLnBrk="0" hangingPunct="0">
+                        <a:spcBef>
+                          <a:spcPts val="800"/>
+                        </a:spcBef>
+                        <a:tabLst>
+                          <a:tab pos="0" algn="l"/>
+                          <a:tab pos="914400" algn="l"/>
+                          <a:tab pos="1828800" algn="l"/>
+                          <a:tab pos="2743200" algn="l"/>
+                          <a:tab pos="3657600" algn="l"/>
+                          <a:tab pos="4572000" algn="l"/>
+                          <a:tab pos="5486400" algn="l"/>
+                          <a:tab pos="6400800" algn="l"/>
+                          <a:tab pos="7315200" algn="l"/>
+                          <a:tab pos="8229600" algn="l"/>
+                          <a:tab pos="9144000" algn="l"/>
+                          <a:tab pos="10058400" algn="l"/>
+                        </a:tabLst>
+                        <a:defRPr>
+                          <a:solidFill>
+                            <a:srgbClr val="000000"/>
+                          </a:solidFill>
+                          <a:latin typeface="Tahoma" pitchFamily="34" charset="0"/>
+                          <a:ea typeface="DejaVu Sans" charset="0"/>
+                          <a:cs typeface="DejaVu Sans" charset="0"/>
+                        </a:defRPr>
+                      </a:lvl1pPr>
+                      <a:lvl2pPr eaLnBrk="0" hangingPunct="0">
+                        <a:spcBef>
+                          <a:spcPts val="700"/>
+                        </a:spcBef>
+                        <a:tabLst>
+                          <a:tab pos="0" algn="l"/>
+                          <a:tab pos="914400" algn="l"/>
+                          <a:tab pos="1828800" algn="l"/>
+                          <a:tab pos="2743200" algn="l"/>
+                          <a:tab pos="3657600" algn="l"/>
+                          <a:tab pos="4572000" algn="l"/>
+                          <a:tab pos="5486400" algn="l"/>
+                          <a:tab pos="6400800" algn="l"/>
+                          <a:tab pos="7315200" algn="l"/>
+                          <a:tab pos="8229600" algn="l"/>
+                          <a:tab pos="9144000" algn="l"/>
+                          <a:tab pos="10058400" algn="l"/>
+                        </a:tabLst>
+                        <a:defRPr sz="2400">
+                          <a:solidFill>
+                            <a:srgbClr val="000000"/>
+                          </a:solidFill>
+                          <a:latin typeface="Tahoma" pitchFamily="34" charset="0"/>
+                          <a:ea typeface="DejaVu Sans" charset="0"/>
+                          <a:cs typeface="DejaVu Sans" charset="0"/>
+                        </a:defRPr>
+                      </a:lvl2pPr>
+                      <a:lvl3pPr eaLnBrk="0" hangingPunct="0">
+                        <a:spcBef>
+                          <a:spcPts val="600"/>
+                        </a:spcBef>
+                        <a:tabLst>
+                          <a:tab pos="0" algn="l"/>
+                          <a:tab pos="914400" algn="l"/>
+                          <a:tab pos="1828800" algn="l"/>
+                          <a:tab pos="2743200" algn="l"/>
+                          <a:tab pos="3657600" algn="l"/>
+                          <a:tab pos="4572000" algn="l"/>
+                          <a:tab pos="5486400" algn="l"/>
+                          <a:tab pos="6400800" algn="l"/>
+                          <a:tab pos="7315200" algn="l"/>
+                          <a:tab pos="8229600" algn="l"/>
+                          <a:tab pos="9144000" algn="l"/>
+                          <a:tab pos="10058400" algn="l"/>
+                        </a:tabLst>
+                        <a:defRPr sz="2000">
+                          <a:solidFill>
+                            <a:srgbClr val="000000"/>
+                          </a:solidFill>
+                          <a:latin typeface="Tahoma" pitchFamily="34" charset="0"/>
+                          <a:ea typeface="DejaVu Sans" charset="0"/>
+                          <a:cs typeface="DejaVu Sans" charset="0"/>
+                        </a:defRPr>
+                      </a:lvl3pPr>
+                      <a:lvl4pPr eaLnBrk="0" hangingPunct="0">
+                        <a:spcBef>
+                          <a:spcPts val="500"/>
+                        </a:spcBef>
+                        <a:tabLst>
+                          <a:tab pos="0" algn="l"/>
+                          <a:tab pos="914400" algn="l"/>
+                          <a:tab pos="1828800" algn="l"/>
+                          <a:tab pos="2743200" algn="l"/>
+                          <a:tab pos="3657600" algn="l"/>
+                          <a:tab pos="4572000" algn="l"/>
+                          <a:tab pos="5486400" algn="l"/>
+                          <a:tab pos="6400800" algn="l"/>
+                          <a:tab pos="7315200" algn="l"/>
+                          <a:tab pos="8229600" algn="l"/>
+                          <a:tab pos="9144000" algn="l"/>
+                          <a:tab pos="10058400" algn="l"/>
+                        </a:tabLst>
+                        <a:defRPr>
+                          <a:solidFill>
+                            <a:srgbClr val="000000"/>
+                          </a:solidFill>
+                          <a:latin typeface="Tahoma" pitchFamily="34" charset="0"/>
+                          <a:ea typeface="DejaVu Sans" charset="0"/>
+                          <a:cs typeface="DejaVu Sans" charset="0"/>
+                        </a:defRPr>
+                      </a:lvl4pPr>
+                      <a:lvl5pPr eaLnBrk="0" hangingPunct="0">
+                        <a:spcBef>
+                          <a:spcPts val="500"/>
+                        </a:spcBef>
+                        <a:tabLst>
+                          <a:tab pos="0" algn="l"/>
+                          <a:tab pos="914400" algn="l"/>
+                          <a:tab pos="1828800" algn="l"/>
+                          <a:tab pos="2743200" algn="l"/>
+                          <a:tab pos="3657600" algn="l"/>
+                          <a:tab pos="4572000" algn="l"/>
+                          <a:tab pos="5486400" algn="l"/>
+                          <a:tab pos="6400800" algn="l"/>
+                          <a:tab pos="7315200" algn="l"/>
+                          <a:tab pos="8229600" algn="l"/>
+                          <a:tab pos="9144000" algn="l"/>
+                          <a:tab pos="10058400" algn="l"/>
+                        </a:tabLst>
+                        <a:defRPr>
+                          <a:solidFill>
+                            <a:srgbClr val="000000"/>
+                          </a:solidFill>
+                          <a:latin typeface="Tahoma" pitchFamily="34" charset="0"/>
+                          <a:ea typeface="DejaVu Sans" charset="0"/>
+                          <a:cs typeface="DejaVu Sans" charset="0"/>
+                        </a:defRPr>
+                      </a:lvl5pPr>
+                      <a:lvl6pPr marL="2514600" indent="-228600" defTabSz="449263" eaLnBrk="0" fontAlgn="base" hangingPunct="0">
+                        <a:spcBef>
+                          <a:spcPts val="500"/>
+                        </a:spcBef>
+                        <a:spcAft>
+                          <a:spcPct val="0"/>
+                        </a:spcAft>
+                        <a:buClr>
+                          <a:srgbClr val="000000"/>
+                        </a:buClr>
+                        <a:buSzPct val="100000"/>
+                        <a:buFont typeface="Times New Roman" pitchFamily="18" charset="0"/>
+                        <a:tabLst>
+                          <a:tab pos="0" algn="l"/>
+                          <a:tab pos="914400" algn="l"/>
+                          <a:tab pos="1828800" algn="l"/>
+                          <a:tab pos="2743200" algn="l"/>
+                          <a:tab pos="3657600" algn="l"/>
+                          <a:tab pos="4572000" algn="l"/>
+                          <a:tab pos="5486400" algn="l"/>
+                          <a:tab pos="6400800" algn="l"/>
+                          <a:tab pos="7315200" algn="l"/>
+                          <a:tab pos="8229600" algn="l"/>
+                          <a:tab pos="9144000" algn="l"/>
+                          <a:tab pos="10058400" algn="l"/>
+                        </a:tabLst>
+                        <a:defRPr>
+                          <a:solidFill>
+                            <a:srgbClr val="000000"/>
+                          </a:solidFill>
+                          <a:latin typeface="Tahoma" pitchFamily="34" charset="0"/>
+                          <a:ea typeface="DejaVu Sans" charset="0"/>
+                          <a:cs typeface="DejaVu Sans" charset="0"/>
+                        </a:defRPr>
+                      </a:lvl6pPr>
+                      <a:lvl7pPr marL="2971800" indent="-228600" defTabSz="449263" eaLnBrk="0" fontAlgn="base" hangingPunct="0">
+                        <a:spcBef>
+                          <a:spcPts val="500"/>
+                        </a:spcBef>
+                        <a:spcAft>
+                          <a:spcPct val="0"/>
+                        </a:spcAft>
+                        <a:buClr>
+                          <a:srgbClr val="000000"/>
+                        </a:buClr>
+                        <a:buSzPct val="100000"/>
+                        <a:buFont typeface="Times New Roman" pitchFamily="18" charset="0"/>
+                        <a:tabLst>
+                          <a:tab pos="0" algn="l"/>
+                          <a:tab pos="914400" algn="l"/>
+                          <a:tab pos="1828800" algn="l"/>
+                          <a:tab pos="2743200" algn="l"/>
+                          <a:tab pos="3657600" algn="l"/>
+                          <a:tab pos="4572000" algn="l"/>
+                          <a:tab pos="5486400" algn="l"/>
+                          <a:tab pos="6400800" algn="l"/>
+                          <a:tab pos="7315200" algn="l"/>
+                          <a:tab pos="8229600" algn="l"/>
+                          <a:tab pos="9144000" algn="l"/>
+                          <a:tab pos="10058400" algn="l"/>
+                        </a:tabLst>
+                        <a:defRPr>
+                          <a:solidFill>
+                            <a:srgbClr val="000000"/>
+                          </a:solidFill>
+                          <a:latin typeface="Tahoma" pitchFamily="34" charset="0"/>
+                          <a:ea typeface="DejaVu Sans" charset="0"/>
+                          <a:cs typeface="DejaVu Sans" charset="0"/>
+                        </a:defRPr>
+                      </a:lvl7pPr>
+                      <a:lvl8pPr marL="3429000" indent="-228600" defTabSz="449263" eaLnBrk="0" fontAlgn="base" hangingPunct="0">
+                        <a:spcBef>
+                          <a:spcPts val="500"/>
+                        </a:spcBef>
+                        <a:spcAft>
+                          <a:spcPct val="0"/>
+                        </a:spcAft>
+                        <a:buClr>
+                          <a:srgbClr val="000000"/>
+                        </a:buClr>
+                        <a:buSzPct val="100000"/>
+                        <a:buFont typeface="Times New Roman" pitchFamily="18" charset="0"/>
+                        <a:tabLst>
+                          <a:tab pos="0" algn="l"/>
+                          <a:tab pos="914400" algn="l"/>
+                          <a:tab pos="1828800" algn="l"/>
+                          <a:tab pos="2743200" algn="l"/>
+                          <a:tab pos="3657600" algn="l"/>
+                          <a:tab pos="4572000" algn="l"/>
+                          <a:tab pos="5486400" algn="l"/>
+                          <a:tab pos="6400800" algn="l"/>
+                          <a:tab pos="7315200" algn="l"/>
+                          <a:tab pos="8229600" algn="l"/>
+                          <a:tab pos="9144000" algn="l"/>
+                          <a:tab pos="10058400" algn="l"/>
+                        </a:tabLst>
+                        <a:defRPr>
+                          <a:solidFill>
+                            <a:srgbClr val="000000"/>
+                          </a:solidFill>
+                          <a:latin typeface="Tahoma" pitchFamily="34" charset="0"/>
+                          <a:ea typeface="DejaVu Sans" charset="0"/>
+                          <a:cs typeface="DejaVu Sans" charset="0"/>
+                        </a:defRPr>
+                      </a:lvl8pPr>
+                      <a:lvl9pPr marL="3886200" indent="-228600" defTabSz="449263" eaLnBrk="0" fontAlgn="base" hangingPunct="0">
+                        <a:spcBef>
+                          <a:spcPts val="500"/>
+                        </a:spcBef>
+                        <a:spcAft>
+                          <a:spcPct val="0"/>
+                        </a:spcAft>
+                        <a:buClr>
+                          <a:srgbClr val="000000"/>
+                        </a:buClr>
+                        <a:buSzPct val="100000"/>
+                        <a:buFont typeface="Times New Roman" pitchFamily="18" charset="0"/>
+                        <a:tabLst>
+                          <a:tab pos="0" algn="l"/>
+                          <a:tab pos="914400" algn="l"/>
+                          <a:tab pos="1828800" algn="l"/>
+                          <a:tab pos="2743200" algn="l"/>
+                          <a:tab pos="3657600" algn="l"/>
+                          <a:tab pos="4572000" algn="l"/>
+                          <a:tab pos="5486400" algn="l"/>
+                          <a:tab pos="6400800" algn="l"/>
+                          <a:tab pos="7315200" algn="l"/>
+                          <a:tab pos="8229600" algn="l"/>
+                          <a:tab pos="9144000" algn="l"/>
+                          <a:tab pos="10058400" algn="l"/>
+                        </a:tabLst>
+                        <a:defRPr>
+                          <a:solidFill>
+                            <a:srgbClr val="000000"/>
+                          </a:solidFill>
+                          <a:latin typeface="Tahoma" pitchFamily="34" charset="0"/>
+                          <a:ea typeface="DejaVu Sans" charset="0"/>
+                          <a:cs typeface="DejaVu Sans" charset="0"/>
+                        </a:defRPr>
+                      </a:lvl9pPr>
+                    </a:lstStyle>
+                    <a:p>
+                      <a:pPr marL="0" marR="0" lvl="0" indent="0" algn="l" defTabSz="449263" rtl="0" eaLnBrk="1" fontAlgn="base" latinLnBrk="0" hangingPunct="1">
+                        <a:lnSpc>
+                          <a:spcPct val="98000"/>
+                        </a:lnSpc>
+                        <a:spcBef>
+                          <a:spcPct val="0"/>
+                        </a:spcBef>
+                        <a:spcAft>
+                          <a:spcPct val="0"/>
+                        </a:spcAft>
+                        <a:buClrTx/>
+                        <a:buSzPct val="100000"/>
+                        <a:buFontTx/>
+                        <a:buNone/>
+                        <a:tabLst>
+                          <a:tab pos="0" algn="l"/>
+                          <a:tab pos="914400" algn="l"/>
+                          <a:tab pos="1828800" algn="l"/>
+                          <a:tab pos="2743200" algn="l"/>
+                          <a:tab pos="3657600" algn="l"/>
+                          <a:tab pos="4572000" algn="l"/>
+                          <a:tab pos="5486400" algn="l"/>
+                          <a:tab pos="6400800" algn="l"/>
+                          <a:tab pos="7315200" algn="l"/>
+                          <a:tab pos="8229600" algn="l"/>
+                          <a:tab pos="9144000" algn="l"/>
+                          <a:tab pos="10058400" algn="l"/>
+                        </a:tabLst>
+                      </a:pPr>
+                      <a:r>
+                        <a:rPr kumimoji="0" lang="pt-BR" altLang="pt-BR" sz="1400" b="1" i="0" u="none" strike="noStrike" cap="none" normalizeH="0" baseline="0" dirty="0">
+                          <a:ln>
+                            <a:noFill/>
+                          </a:ln>
+                          <a:solidFill>
+                            <a:srgbClr val="000000"/>
+                          </a:solidFill>
+                          <a:effectLst/>
+                          <a:latin typeface="Tahoma" pitchFamily="34" charset="0"/>
+                          <a:ea typeface="DejaVu Sans" charset="0"/>
+                          <a:cs typeface="DejaVu Sans" charset="0"/>
+                        </a:rPr>
+                        <a:t>O sistema emite a seguinte</a:t>
+                      </a:r>
+                    </a:p>
+                    <a:p>
+                      <a:pPr marL="0" marR="0" lvl="0" indent="0" algn="l" defTabSz="449263" rtl="0" eaLnBrk="1" fontAlgn="base" latinLnBrk="0" hangingPunct="1">
+                        <a:lnSpc>
+                          <a:spcPct val="98000"/>
+                        </a:lnSpc>
+                        <a:spcBef>
+                          <a:spcPct val="0"/>
+                        </a:spcBef>
+                        <a:spcAft>
+                          <a:spcPct val="0"/>
+                        </a:spcAft>
+                        <a:buClrTx/>
+                        <a:buSzPct val="100000"/>
+                        <a:buFontTx/>
+                        <a:buNone/>
+                        <a:tabLst>
+                          <a:tab pos="0" algn="l"/>
+                          <a:tab pos="914400" algn="l"/>
+                          <a:tab pos="1828800" algn="l"/>
+                          <a:tab pos="2743200" algn="l"/>
+                          <a:tab pos="3657600" algn="l"/>
+                          <a:tab pos="4572000" algn="l"/>
+                          <a:tab pos="5486400" algn="l"/>
+                          <a:tab pos="6400800" algn="l"/>
+                          <a:tab pos="7315200" algn="l"/>
+                          <a:tab pos="8229600" algn="l"/>
+                          <a:tab pos="9144000" algn="l"/>
+                          <a:tab pos="10058400" algn="l"/>
+                        </a:tabLst>
+                      </a:pPr>
+                      <a:r>
+                        <a:rPr kumimoji="0" lang="pt-BR" altLang="pt-BR" sz="1400" b="1" i="0" u="none" strike="noStrike" cap="none" normalizeH="0" baseline="0" dirty="0">
+                          <a:ln>
+                            <a:noFill/>
+                          </a:ln>
+                          <a:solidFill>
+                            <a:srgbClr val="000000"/>
+                          </a:solidFill>
+                          <a:effectLst/>
+                          <a:latin typeface="Tahoma" pitchFamily="34" charset="0"/>
+                          <a:ea typeface="DejaVu Sans" charset="0"/>
+                          <a:cs typeface="DejaVu Sans" charset="0"/>
+                        </a:rPr>
+                        <a:t>mensagem: “Salvo com sucesso”.</a:t>
+                      </a:r>
+                    </a:p>
+                  </a:txBody>
+                  <a:tcPr marL="90000" marR="90000" marT="49249" marB="45721" horzOverflow="overflow">
+                    <a:lnL w="2880" cap="flat" cmpd="sng" algn="ctr">
+                      <a:solidFill>
+                        <a:srgbClr val="FFFFFF"/>
+                      </a:solidFill>
+                      <a:prstDash val="solid"/>
+                      <a:round/>
+                      <a:headEnd type="none" w="med" len="med"/>
+                      <a:tailEnd type="none" w="med" len="med"/>
+                    </a:lnL>
+                    <a:lnR w="2880" cap="flat" cmpd="sng" algn="ctr">
+                      <a:solidFill>
+                        <a:srgbClr val="FFFFFF"/>
+                      </a:solidFill>
+                      <a:prstDash val="solid"/>
+                      <a:round/>
+                      <a:headEnd type="none" w="med" len="med"/>
+                      <a:tailEnd type="none" w="med" len="med"/>
+                    </a:lnR>
+                    <a:lnT w="2880" cap="flat" cmpd="sng" algn="ctr">
+                      <a:solidFill>
+                        <a:srgbClr val="FFFFFF"/>
+                      </a:solidFill>
+                      <a:prstDash val="solid"/>
+                      <a:round/>
+                      <a:headEnd type="none" w="med" len="med"/>
+                      <a:tailEnd type="none" w="med" len="med"/>
+                    </a:lnT>
+                    <a:lnB w="2880" cap="flat" cmpd="sng" algn="ctr">
+                      <a:solidFill>
+                        <a:srgbClr val="FFFFFF"/>
+                      </a:solidFill>
+                      <a:prstDash val="solid"/>
+                      <a:round/>
+                      <a:headEnd type="none" w="med" len="med"/>
+                      <a:tailEnd type="none" w="med" len="med"/>
+                    </a:lnB>
+                    <a:lnTlToBr>
+                      <a:noFill/>
+                    </a:lnTlToBr>
+                    <a:lnBlToTr>
+                      <a:noFill/>
+                    </a:lnBlToTr>
+                    <a:solidFill>
+                      <a:srgbClr val="CCD1E1"/>
+                    </a:solidFill>
+                  </a:tcPr>
+                </a:tc>
+                <a:extLst>
+                  <a:ext uri="{0D108BD9-81ED-4DB2-BD59-A6C34878D82A}">
+                    <a16:rowId xmlns:a16="http://schemas.microsoft.com/office/drawing/2014/main" val="3198361465"/>
+                  </a:ext>
+                </a:extLst>
+              </a:tr>
+            </a:tbl>
+          </a:graphicData>
+        </a:graphic>
+      </p:graphicFrame>
     </p:spTree>
     <p:extLst>
       <p:ext uri="{BB962C8B-B14F-4D97-AF65-F5344CB8AC3E}">
@@ -7563,21 +10020,6 @@
                         <a:defRPr/>
                       </a:pPr>
                       <a:r>
-                        <a:rPr kumimoji="0" lang="pt-BR" altLang="pt-BR" sz="1800" b="0" i="0" u="none" strike="noStrike" kern="1200" cap="none" normalizeH="0" baseline="0" dirty="0" smtClean="0">
-                          <a:ln>
-                            <a:noFill/>
-                          </a:ln>
-                          <a:solidFill>
-                            <a:srgbClr val="FFFFFF"/>
-                          </a:solidFill>
-                          <a:effectLst/>
-                          <a:latin typeface="Tahoma" pitchFamily="34" charset="0"/>
-                          <a:ea typeface="DejaVu Sans" charset="0"/>
-                          <a:cs typeface="DejaVu Sans" charset="0"/>
-                        </a:rPr>
-                        <a:t>CT03.2 </a:t>
-                      </a:r>
-                      <a:r>
                         <a:rPr kumimoji="0" lang="pt-BR" altLang="pt-BR" sz="1800" b="0" i="0" u="none" strike="noStrike" kern="1200" cap="none" normalizeH="0" baseline="0" dirty="0">
                           <a:ln>
                             <a:noFill/>
@@ -7590,35 +10032,8 @@
                           <a:ea typeface="DejaVu Sans" charset="0"/>
                           <a:cs typeface="DejaVu Sans" charset="0"/>
                         </a:rPr>
-                        <a:t>– </a:t>
+                        <a:t>CT03.2 – um lançamento de transferência sem destino e origem.</a:t>
                       </a:r>
-                      <a:r>
-                        <a:rPr kumimoji="0" lang="pt-BR" altLang="pt-BR" sz="1800" b="0" i="0" u="none" strike="noStrike" kern="1200" cap="none" normalizeH="0" baseline="0" dirty="0" smtClean="0">
-                          <a:ln>
-                            <a:noFill/>
-                          </a:ln>
-                          <a:solidFill>
-                            <a:srgbClr val="FFFFFF"/>
-                          </a:solidFill>
-                          <a:effectLst/>
-                          <a:latin typeface="Tahoma" pitchFamily="34" charset="0"/>
-                          <a:ea typeface="DejaVu Sans" charset="0"/>
-                          <a:cs typeface="DejaVu Sans" charset="0"/>
-                        </a:rPr>
-                        <a:t>um lançamento de transferência sem destino e origem.</a:t>
-                      </a:r>
-                      <a:endParaRPr kumimoji="0" lang="pt-BR" altLang="pt-BR" sz="1800" b="0" i="0" u="none" strike="noStrike" kern="1200" cap="none" normalizeH="0" baseline="0" dirty="0">
-                        <a:ln>
-                          <a:noFill/>
-                        </a:ln>
-                        <a:solidFill>
-                          <a:srgbClr val="FFFFFF"/>
-                        </a:solidFill>
-                        <a:effectLst/>
-                        <a:latin typeface="Tahoma" pitchFamily="34" charset="0"/>
-                        <a:ea typeface="DejaVu Sans" charset="0"/>
-                        <a:cs typeface="DejaVu Sans" charset="0"/>
-                      </a:endParaRPr>
                     </a:p>
                   </a:txBody>
                   <a:tcPr marL="90000" marR="90000" marT="50257" marB="45721" horzOverflow="overflow">
@@ -11075,6 +13490,2463 @@
                 <a:extLst>
                   <a:ext uri="{0D108BD9-81ED-4DB2-BD59-A6C34878D82A}">
                     <a16:rowId xmlns:a16="http://schemas.microsoft.com/office/drawing/2014/main" val="10005"/>
+                  </a:ext>
+                </a:extLst>
+              </a:tr>
+            </a:tbl>
+          </a:graphicData>
+        </a:graphic>
+      </p:graphicFrame>
+      <p:graphicFrame>
+        <p:nvGraphicFramePr>
+          <p:cNvPr id="3" name="Tabela 2">
+            <a:extLst>
+              <a:ext uri="{FF2B5EF4-FFF2-40B4-BE49-F238E27FC236}">
+                <a16:creationId xmlns:a16="http://schemas.microsoft.com/office/drawing/2014/main" id="{728ED2B1-911C-493B-85F0-E9A2DC9D838A}"/>
+              </a:ext>
+            </a:extLst>
+          </p:cNvPr>
+          <p:cNvGraphicFramePr>
+            <a:graphicFrameLocks noGrp="1"/>
+          </p:cNvGraphicFramePr>
+          <p:nvPr>
+            <p:extLst>
+              <p:ext uri="{D42A27DB-BD31-4B8C-83A1-F6EECF244321}">
+                <p14:modId xmlns:p14="http://schemas.microsoft.com/office/powerpoint/2010/main" val="3149790904"/>
+              </p:ext>
+            </p:extLst>
+          </p:nvPr>
+        </p:nvGraphicFramePr>
+        <p:xfrm>
+          <a:off x="3047206" y="2917344"/>
+          <a:ext cx="6097588" cy="3029678"/>
+        </p:xfrm>
+        <a:graphic>
+          <a:graphicData uri="http://schemas.openxmlformats.org/drawingml/2006/table">
+            <a:tbl>
+              <a:tblPr/>
+              <a:tblGrid>
+                <a:gridCol w="3049588">
+                  <a:extLst>
+                    <a:ext uri="{9D8B030D-6E8A-4147-A177-3AD203B41FA5}">
+                      <a16:colId xmlns:a16="http://schemas.microsoft.com/office/drawing/2014/main" val="4031298626"/>
+                    </a:ext>
+                  </a:extLst>
+                </a:gridCol>
+                <a:gridCol w="3048000">
+                  <a:extLst>
+                    <a:ext uri="{9D8B030D-6E8A-4147-A177-3AD203B41FA5}">
+                      <a16:colId xmlns:a16="http://schemas.microsoft.com/office/drawing/2014/main" val="4251249233"/>
+                    </a:ext>
+                  </a:extLst>
+                </a:gridCol>
+              </a:tblGrid>
+              <a:tr h="731859">
+                <a:tc>
+                  <a:txBody>
+                    <a:bodyPr/>
+                    <a:lstStyle>
+                      <a:lvl1pPr eaLnBrk="0" hangingPunct="0">
+                        <a:spcBef>
+                          <a:spcPts val="800"/>
+                        </a:spcBef>
+                        <a:tabLst>
+                          <a:tab pos="0" algn="l"/>
+                          <a:tab pos="914400" algn="l"/>
+                          <a:tab pos="1828800" algn="l"/>
+                          <a:tab pos="2743200" algn="l"/>
+                          <a:tab pos="3657600" algn="l"/>
+                          <a:tab pos="4572000" algn="l"/>
+                          <a:tab pos="5486400" algn="l"/>
+                          <a:tab pos="6400800" algn="l"/>
+                          <a:tab pos="7315200" algn="l"/>
+                          <a:tab pos="8229600" algn="l"/>
+                          <a:tab pos="9144000" algn="l"/>
+                          <a:tab pos="10058400" algn="l"/>
+                        </a:tabLst>
+                        <a:defRPr>
+                          <a:solidFill>
+                            <a:srgbClr val="000000"/>
+                          </a:solidFill>
+                          <a:latin typeface="Tahoma" pitchFamily="34" charset="0"/>
+                          <a:ea typeface="DejaVu Sans" charset="0"/>
+                          <a:cs typeface="DejaVu Sans" charset="0"/>
+                        </a:defRPr>
+                      </a:lvl1pPr>
+                      <a:lvl2pPr eaLnBrk="0" hangingPunct="0">
+                        <a:spcBef>
+                          <a:spcPts val="700"/>
+                        </a:spcBef>
+                        <a:tabLst>
+                          <a:tab pos="0" algn="l"/>
+                          <a:tab pos="914400" algn="l"/>
+                          <a:tab pos="1828800" algn="l"/>
+                          <a:tab pos="2743200" algn="l"/>
+                          <a:tab pos="3657600" algn="l"/>
+                          <a:tab pos="4572000" algn="l"/>
+                          <a:tab pos="5486400" algn="l"/>
+                          <a:tab pos="6400800" algn="l"/>
+                          <a:tab pos="7315200" algn="l"/>
+                          <a:tab pos="8229600" algn="l"/>
+                          <a:tab pos="9144000" algn="l"/>
+                          <a:tab pos="10058400" algn="l"/>
+                        </a:tabLst>
+                        <a:defRPr sz="2400">
+                          <a:solidFill>
+                            <a:srgbClr val="000000"/>
+                          </a:solidFill>
+                          <a:latin typeface="Tahoma" pitchFamily="34" charset="0"/>
+                          <a:ea typeface="DejaVu Sans" charset="0"/>
+                          <a:cs typeface="DejaVu Sans" charset="0"/>
+                        </a:defRPr>
+                      </a:lvl2pPr>
+                      <a:lvl3pPr eaLnBrk="0" hangingPunct="0">
+                        <a:spcBef>
+                          <a:spcPts val="600"/>
+                        </a:spcBef>
+                        <a:tabLst>
+                          <a:tab pos="0" algn="l"/>
+                          <a:tab pos="914400" algn="l"/>
+                          <a:tab pos="1828800" algn="l"/>
+                          <a:tab pos="2743200" algn="l"/>
+                          <a:tab pos="3657600" algn="l"/>
+                          <a:tab pos="4572000" algn="l"/>
+                          <a:tab pos="5486400" algn="l"/>
+                          <a:tab pos="6400800" algn="l"/>
+                          <a:tab pos="7315200" algn="l"/>
+                          <a:tab pos="8229600" algn="l"/>
+                          <a:tab pos="9144000" algn="l"/>
+                          <a:tab pos="10058400" algn="l"/>
+                        </a:tabLst>
+                        <a:defRPr sz="2000">
+                          <a:solidFill>
+                            <a:srgbClr val="000000"/>
+                          </a:solidFill>
+                          <a:latin typeface="Tahoma" pitchFamily="34" charset="0"/>
+                          <a:ea typeface="DejaVu Sans" charset="0"/>
+                          <a:cs typeface="DejaVu Sans" charset="0"/>
+                        </a:defRPr>
+                      </a:lvl3pPr>
+                      <a:lvl4pPr eaLnBrk="0" hangingPunct="0">
+                        <a:spcBef>
+                          <a:spcPts val="500"/>
+                        </a:spcBef>
+                        <a:tabLst>
+                          <a:tab pos="0" algn="l"/>
+                          <a:tab pos="914400" algn="l"/>
+                          <a:tab pos="1828800" algn="l"/>
+                          <a:tab pos="2743200" algn="l"/>
+                          <a:tab pos="3657600" algn="l"/>
+                          <a:tab pos="4572000" algn="l"/>
+                          <a:tab pos="5486400" algn="l"/>
+                          <a:tab pos="6400800" algn="l"/>
+                          <a:tab pos="7315200" algn="l"/>
+                          <a:tab pos="8229600" algn="l"/>
+                          <a:tab pos="9144000" algn="l"/>
+                          <a:tab pos="10058400" algn="l"/>
+                        </a:tabLst>
+                        <a:defRPr>
+                          <a:solidFill>
+                            <a:srgbClr val="000000"/>
+                          </a:solidFill>
+                          <a:latin typeface="Tahoma" pitchFamily="34" charset="0"/>
+                          <a:ea typeface="DejaVu Sans" charset="0"/>
+                          <a:cs typeface="DejaVu Sans" charset="0"/>
+                        </a:defRPr>
+                      </a:lvl4pPr>
+                      <a:lvl5pPr eaLnBrk="0" hangingPunct="0">
+                        <a:spcBef>
+                          <a:spcPts val="500"/>
+                        </a:spcBef>
+                        <a:tabLst>
+                          <a:tab pos="0" algn="l"/>
+                          <a:tab pos="914400" algn="l"/>
+                          <a:tab pos="1828800" algn="l"/>
+                          <a:tab pos="2743200" algn="l"/>
+                          <a:tab pos="3657600" algn="l"/>
+                          <a:tab pos="4572000" algn="l"/>
+                          <a:tab pos="5486400" algn="l"/>
+                          <a:tab pos="6400800" algn="l"/>
+                          <a:tab pos="7315200" algn="l"/>
+                          <a:tab pos="8229600" algn="l"/>
+                          <a:tab pos="9144000" algn="l"/>
+                          <a:tab pos="10058400" algn="l"/>
+                        </a:tabLst>
+                        <a:defRPr>
+                          <a:solidFill>
+                            <a:srgbClr val="000000"/>
+                          </a:solidFill>
+                          <a:latin typeface="Tahoma" pitchFamily="34" charset="0"/>
+                          <a:ea typeface="DejaVu Sans" charset="0"/>
+                          <a:cs typeface="DejaVu Sans" charset="0"/>
+                        </a:defRPr>
+                      </a:lvl5pPr>
+                      <a:lvl6pPr marL="2514600" indent="-228600" defTabSz="449263" eaLnBrk="0" fontAlgn="base" hangingPunct="0">
+                        <a:spcBef>
+                          <a:spcPts val="500"/>
+                        </a:spcBef>
+                        <a:spcAft>
+                          <a:spcPct val="0"/>
+                        </a:spcAft>
+                        <a:buClr>
+                          <a:srgbClr val="000000"/>
+                        </a:buClr>
+                        <a:buSzPct val="100000"/>
+                        <a:buFont typeface="Times New Roman" pitchFamily="18" charset="0"/>
+                        <a:tabLst>
+                          <a:tab pos="0" algn="l"/>
+                          <a:tab pos="914400" algn="l"/>
+                          <a:tab pos="1828800" algn="l"/>
+                          <a:tab pos="2743200" algn="l"/>
+                          <a:tab pos="3657600" algn="l"/>
+                          <a:tab pos="4572000" algn="l"/>
+                          <a:tab pos="5486400" algn="l"/>
+                          <a:tab pos="6400800" algn="l"/>
+                          <a:tab pos="7315200" algn="l"/>
+                          <a:tab pos="8229600" algn="l"/>
+                          <a:tab pos="9144000" algn="l"/>
+                          <a:tab pos="10058400" algn="l"/>
+                        </a:tabLst>
+                        <a:defRPr>
+                          <a:solidFill>
+                            <a:srgbClr val="000000"/>
+                          </a:solidFill>
+                          <a:latin typeface="Tahoma" pitchFamily="34" charset="0"/>
+                          <a:ea typeface="DejaVu Sans" charset="0"/>
+                          <a:cs typeface="DejaVu Sans" charset="0"/>
+                        </a:defRPr>
+                      </a:lvl6pPr>
+                      <a:lvl7pPr marL="2971800" indent="-228600" defTabSz="449263" eaLnBrk="0" fontAlgn="base" hangingPunct="0">
+                        <a:spcBef>
+                          <a:spcPts val="500"/>
+                        </a:spcBef>
+                        <a:spcAft>
+                          <a:spcPct val="0"/>
+                        </a:spcAft>
+                        <a:buClr>
+                          <a:srgbClr val="000000"/>
+                        </a:buClr>
+                        <a:buSzPct val="100000"/>
+                        <a:buFont typeface="Times New Roman" pitchFamily="18" charset="0"/>
+                        <a:tabLst>
+                          <a:tab pos="0" algn="l"/>
+                          <a:tab pos="914400" algn="l"/>
+                          <a:tab pos="1828800" algn="l"/>
+                          <a:tab pos="2743200" algn="l"/>
+                          <a:tab pos="3657600" algn="l"/>
+                          <a:tab pos="4572000" algn="l"/>
+                          <a:tab pos="5486400" algn="l"/>
+                          <a:tab pos="6400800" algn="l"/>
+                          <a:tab pos="7315200" algn="l"/>
+                          <a:tab pos="8229600" algn="l"/>
+                          <a:tab pos="9144000" algn="l"/>
+                          <a:tab pos="10058400" algn="l"/>
+                        </a:tabLst>
+                        <a:defRPr>
+                          <a:solidFill>
+                            <a:srgbClr val="000000"/>
+                          </a:solidFill>
+                          <a:latin typeface="Tahoma" pitchFamily="34" charset="0"/>
+                          <a:ea typeface="DejaVu Sans" charset="0"/>
+                          <a:cs typeface="DejaVu Sans" charset="0"/>
+                        </a:defRPr>
+                      </a:lvl7pPr>
+                      <a:lvl8pPr marL="3429000" indent="-228600" defTabSz="449263" eaLnBrk="0" fontAlgn="base" hangingPunct="0">
+                        <a:spcBef>
+                          <a:spcPts val="500"/>
+                        </a:spcBef>
+                        <a:spcAft>
+                          <a:spcPct val="0"/>
+                        </a:spcAft>
+                        <a:buClr>
+                          <a:srgbClr val="000000"/>
+                        </a:buClr>
+                        <a:buSzPct val="100000"/>
+                        <a:buFont typeface="Times New Roman" pitchFamily="18" charset="0"/>
+                        <a:tabLst>
+                          <a:tab pos="0" algn="l"/>
+                          <a:tab pos="914400" algn="l"/>
+                          <a:tab pos="1828800" algn="l"/>
+                          <a:tab pos="2743200" algn="l"/>
+                          <a:tab pos="3657600" algn="l"/>
+                          <a:tab pos="4572000" algn="l"/>
+                          <a:tab pos="5486400" algn="l"/>
+                          <a:tab pos="6400800" algn="l"/>
+                          <a:tab pos="7315200" algn="l"/>
+                          <a:tab pos="8229600" algn="l"/>
+                          <a:tab pos="9144000" algn="l"/>
+                          <a:tab pos="10058400" algn="l"/>
+                        </a:tabLst>
+                        <a:defRPr>
+                          <a:solidFill>
+                            <a:srgbClr val="000000"/>
+                          </a:solidFill>
+                          <a:latin typeface="Tahoma" pitchFamily="34" charset="0"/>
+                          <a:ea typeface="DejaVu Sans" charset="0"/>
+                          <a:cs typeface="DejaVu Sans" charset="0"/>
+                        </a:defRPr>
+                      </a:lvl8pPr>
+                      <a:lvl9pPr marL="3886200" indent="-228600" defTabSz="449263" eaLnBrk="0" fontAlgn="base" hangingPunct="0">
+                        <a:spcBef>
+                          <a:spcPts val="500"/>
+                        </a:spcBef>
+                        <a:spcAft>
+                          <a:spcPct val="0"/>
+                        </a:spcAft>
+                        <a:buClr>
+                          <a:srgbClr val="000000"/>
+                        </a:buClr>
+                        <a:buSzPct val="100000"/>
+                        <a:buFont typeface="Times New Roman" pitchFamily="18" charset="0"/>
+                        <a:tabLst>
+                          <a:tab pos="0" algn="l"/>
+                          <a:tab pos="914400" algn="l"/>
+                          <a:tab pos="1828800" algn="l"/>
+                          <a:tab pos="2743200" algn="l"/>
+                          <a:tab pos="3657600" algn="l"/>
+                          <a:tab pos="4572000" algn="l"/>
+                          <a:tab pos="5486400" algn="l"/>
+                          <a:tab pos="6400800" algn="l"/>
+                          <a:tab pos="7315200" algn="l"/>
+                          <a:tab pos="8229600" algn="l"/>
+                          <a:tab pos="9144000" algn="l"/>
+                          <a:tab pos="10058400" algn="l"/>
+                        </a:tabLst>
+                        <a:defRPr>
+                          <a:solidFill>
+                            <a:srgbClr val="000000"/>
+                          </a:solidFill>
+                          <a:latin typeface="Tahoma" pitchFamily="34" charset="0"/>
+                          <a:ea typeface="DejaVu Sans" charset="0"/>
+                          <a:cs typeface="DejaVu Sans" charset="0"/>
+                        </a:defRPr>
+                      </a:lvl9pPr>
+                    </a:lstStyle>
+                    <a:p>
+                      <a:pPr marL="0" marR="0" lvl="0" indent="0" algn="l" defTabSz="449263" rtl="0" eaLnBrk="1" fontAlgn="base" latinLnBrk="0" hangingPunct="1">
+                        <a:lnSpc>
+                          <a:spcPct val="98000"/>
+                        </a:lnSpc>
+                        <a:spcBef>
+                          <a:spcPct val="0"/>
+                        </a:spcBef>
+                        <a:spcAft>
+                          <a:spcPct val="0"/>
+                        </a:spcAft>
+                        <a:buClrTx/>
+                        <a:buSzPct val="100000"/>
+                        <a:buFontTx/>
+                        <a:buNone/>
+                        <a:tabLst>
+                          <a:tab pos="0" algn="l"/>
+                          <a:tab pos="914400" algn="l"/>
+                          <a:tab pos="1828800" algn="l"/>
+                          <a:tab pos="2743200" algn="l"/>
+                          <a:tab pos="3657600" algn="l"/>
+                          <a:tab pos="4572000" algn="l"/>
+                          <a:tab pos="5486400" algn="l"/>
+                          <a:tab pos="6400800" algn="l"/>
+                          <a:tab pos="7315200" algn="l"/>
+                          <a:tab pos="8229600" algn="l"/>
+                          <a:tab pos="9144000" algn="l"/>
+                          <a:tab pos="10058400" algn="l"/>
+                        </a:tabLst>
+                      </a:pPr>
+                      <a:r>
+                        <a:rPr kumimoji="0" lang="pt-BR" altLang="pt-BR" sz="1400" b="1" i="0" u="none" strike="noStrike" cap="none" normalizeH="0" baseline="0" dirty="0">
+                          <a:ln>
+                            <a:noFill/>
+                          </a:ln>
+                          <a:solidFill>
+                            <a:srgbClr val="000000"/>
+                          </a:solidFill>
+                          <a:effectLst/>
+                          <a:latin typeface="Tahoma" pitchFamily="34" charset="0"/>
+                          <a:ea typeface="DejaVu Sans" charset="0"/>
+                          <a:cs typeface="DejaVu Sans" charset="0"/>
+                        </a:rPr>
+                        <a:t>1. Escolher a opção “Criar lançamento”</a:t>
+                      </a:r>
+                    </a:p>
+                  </a:txBody>
+                  <a:tcPr marL="90000" marR="90000" marT="49249" marB="45721" horzOverflow="overflow">
+                    <a:lnL w="2880" cap="flat" cmpd="sng" algn="ctr">
+                      <a:solidFill>
+                        <a:srgbClr val="FFFFFF"/>
+                      </a:solidFill>
+                      <a:prstDash val="solid"/>
+                      <a:round/>
+                      <a:headEnd type="none" w="med" len="med"/>
+                      <a:tailEnd type="none" w="med" len="med"/>
+                    </a:lnL>
+                    <a:lnR w="2880" cap="flat" cmpd="sng" algn="ctr">
+                      <a:solidFill>
+                        <a:srgbClr val="FFFFFF"/>
+                      </a:solidFill>
+                      <a:prstDash val="solid"/>
+                      <a:round/>
+                      <a:headEnd type="none" w="med" len="med"/>
+                      <a:tailEnd type="none" w="med" len="med"/>
+                    </a:lnR>
+                    <a:lnT w="2880" cap="flat" cmpd="sng" algn="ctr">
+                      <a:solidFill>
+                        <a:srgbClr val="FFFFFF"/>
+                      </a:solidFill>
+                      <a:prstDash val="solid"/>
+                      <a:round/>
+                      <a:headEnd type="none" w="med" len="med"/>
+                      <a:tailEnd type="none" w="med" len="med"/>
+                    </a:lnT>
+                    <a:lnB w="2880" cap="flat" cmpd="sng" algn="ctr">
+                      <a:solidFill>
+                        <a:srgbClr val="FFFFFF"/>
+                      </a:solidFill>
+                      <a:prstDash val="solid"/>
+                      <a:round/>
+                      <a:headEnd type="none" w="med" len="med"/>
+                      <a:tailEnd type="none" w="med" len="med"/>
+                    </a:lnB>
+                    <a:lnTlToBr>
+                      <a:noFill/>
+                    </a:lnTlToBr>
+                    <a:lnBlToTr>
+                      <a:noFill/>
+                    </a:lnBlToTr>
+                    <a:solidFill>
+                      <a:srgbClr val="CCD1E1"/>
+                    </a:solidFill>
+                  </a:tcPr>
+                </a:tc>
+                <a:tc>
+                  <a:txBody>
+                    <a:bodyPr/>
+                    <a:lstStyle>
+                      <a:lvl1pPr eaLnBrk="0" hangingPunct="0">
+                        <a:spcBef>
+                          <a:spcPts val="800"/>
+                        </a:spcBef>
+                        <a:tabLst>
+                          <a:tab pos="0" algn="l"/>
+                          <a:tab pos="914400" algn="l"/>
+                          <a:tab pos="1828800" algn="l"/>
+                          <a:tab pos="2743200" algn="l"/>
+                          <a:tab pos="3657600" algn="l"/>
+                          <a:tab pos="4572000" algn="l"/>
+                          <a:tab pos="5486400" algn="l"/>
+                          <a:tab pos="6400800" algn="l"/>
+                          <a:tab pos="7315200" algn="l"/>
+                          <a:tab pos="8229600" algn="l"/>
+                          <a:tab pos="9144000" algn="l"/>
+                          <a:tab pos="10058400" algn="l"/>
+                        </a:tabLst>
+                        <a:defRPr>
+                          <a:solidFill>
+                            <a:srgbClr val="000000"/>
+                          </a:solidFill>
+                          <a:latin typeface="Tahoma" pitchFamily="34" charset="0"/>
+                          <a:ea typeface="DejaVu Sans" charset="0"/>
+                          <a:cs typeface="DejaVu Sans" charset="0"/>
+                        </a:defRPr>
+                      </a:lvl1pPr>
+                      <a:lvl2pPr eaLnBrk="0" hangingPunct="0">
+                        <a:spcBef>
+                          <a:spcPts val="700"/>
+                        </a:spcBef>
+                        <a:tabLst>
+                          <a:tab pos="0" algn="l"/>
+                          <a:tab pos="914400" algn="l"/>
+                          <a:tab pos="1828800" algn="l"/>
+                          <a:tab pos="2743200" algn="l"/>
+                          <a:tab pos="3657600" algn="l"/>
+                          <a:tab pos="4572000" algn="l"/>
+                          <a:tab pos="5486400" algn="l"/>
+                          <a:tab pos="6400800" algn="l"/>
+                          <a:tab pos="7315200" algn="l"/>
+                          <a:tab pos="8229600" algn="l"/>
+                          <a:tab pos="9144000" algn="l"/>
+                          <a:tab pos="10058400" algn="l"/>
+                        </a:tabLst>
+                        <a:defRPr sz="2400">
+                          <a:solidFill>
+                            <a:srgbClr val="000000"/>
+                          </a:solidFill>
+                          <a:latin typeface="Tahoma" pitchFamily="34" charset="0"/>
+                          <a:ea typeface="DejaVu Sans" charset="0"/>
+                          <a:cs typeface="DejaVu Sans" charset="0"/>
+                        </a:defRPr>
+                      </a:lvl2pPr>
+                      <a:lvl3pPr eaLnBrk="0" hangingPunct="0">
+                        <a:spcBef>
+                          <a:spcPts val="600"/>
+                        </a:spcBef>
+                        <a:tabLst>
+                          <a:tab pos="0" algn="l"/>
+                          <a:tab pos="914400" algn="l"/>
+                          <a:tab pos="1828800" algn="l"/>
+                          <a:tab pos="2743200" algn="l"/>
+                          <a:tab pos="3657600" algn="l"/>
+                          <a:tab pos="4572000" algn="l"/>
+                          <a:tab pos="5486400" algn="l"/>
+                          <a:tab pos="6400800" algn="l"/>
+                          <a:tab pos="7315200" algn="l"/>
+                          <a:tab pos="8229600" algn="l"/>
+                          <a:tab pos="9144000" algn="l"/>
+                          <a:tab pos="10058400" algn="l"/>
+                        </a:tabLst>
+                        <a:defRPr sz="2000">
+                          <a:solidFill>
+                            <a:srgbClr val="000000"/>
+                          </a:solidFill>
+                          <a:latin typeface="Tahoma" pitchFamily="34" charset="0"/>
+                          <a:ea typeface="DejaVu Sans" charset="0"/>
+                          <a:cs typeface="DejaVu Sans" charset="0"/>
+                        </a:defRPr>
+                      </a:lvl3pPr>
+                      <a:lvl4pPr eaLnBrk="0" hangingPunct="0">
+                        <a:spcBef>
+                          <a:spcPts val="500"/>
+                        </a:spcBef>
+                        <a:tabLst>
+                          <a:tab pos="0" algn="l"/>
+                          <a:tab pos="914400" algn="l"/>
+                          <a:tab pos="1828800" algn="l"/>
+                          <a:tab pos="2743200" algn="l"/>
+                          <a:tab pos="3657600" algn="l"/>
+                          <a:tab pos="4572000" algn="l"/>
+                          <a:tab pos="5486400" algn="l"/>
+                          <a:tab pos="6400800" algn="l"/>
+                          <a:tab pos="7315200" algn="l"/>
+                          <a:tab pos="8229600" algn="l"/>
+                          <a:tab pos="9144000" algn="l"/>
+                          <a:tab pos="10058400" algn="l"/>
+                        </a:tabLst>
+                        <a:defRPr>
+                          <a:solidFill>
+                            <a:srgbClr val="000000"/>
+                          </a:solidFill>
+                          <a:latin typeface="Tahoma" pitchFamily="34" charset="0"/>
+                          <a:ea typeface="DejaVu Sans" charset="0"/>
+                          <a:cs typeface="DejaVu Sans" charset="0"/>
+                        </a:defRPr>
+                      </a:lvl4pPr>
+                      <a:lvl5pPr eaLnBrk="0" hangingPunct="0">
+                        <a:spcBef>
+                          <a:spcPts val="500"/>
+                        </a:spcBef>
+                        <a:tabLst>
+                          <a:tab pos="0" algn="l"/>
+                          <a:tab pos="914400" algn="l"/>
+                          <a:tab pos="1828800" algn="l"/>
+                          <a:tab pos="2743200" algn="l"/>
+                          <a:tab pos="3657600" algn="l"/>
+                          <a:tab pos="4572000" algn="l"/>
+                          <a:tab pos="5486400" algn="l"/>
+                          <a:tab pos="6400800" algn="l"/>
+                          <a:tab pos="7315200" algn="l"/>
+                          <a:tab pos="8229600" algn="l"/>
+                          <a:tab pos="9144000" algn="l"/>
+                          <a:tab pos="10058400" algn="l"/>
+                        </a:tabLst>
+                        <a:defRPr>
+                          <a:solidFill>
+                            <a:srgbClr val="000000"/>
+                          </a:solidFill>
+                          <a:latin typeface="Tahoma" pitchFamily="34" charset="0"/>
+                          <a:ea typeface="DejaVu Sans" charset="0"/>
+                          <a:cs typeface="DejaVu Sans" charset="0"/>
+                        </a:defRPr>
+                      </a:lvl5pPr>
+                      <a:lvl6pPr marL="2514600" indent="-228600" defTabSz="449263" eaLnBrk="0" fontAlgn="base" hangingPunct="0">
+                        <a:spcBef>
+                          <a:spcPts val="500"/>
+                        </a:spcBef>
+                        <a:spcAft>
+                          <a:spcPct val="0"/>
+                        </a:spcAft>
+                        <a:buClr>
+                          <a:srgbClr val="000000"/>
+                        </a:buClr>
+                        <a:buSzPct val="100000"/>
+                        <a:buFont typeface="Times New Roman" pitchFamily="18" charset="0"/>
+                        <a:tabLst>
+                          <a:tab pos="0" algn="l"/>
+                          <a:tab pos="914400" algn="l"/>
+                          <a:tab pos="1828800" algn="l"/>
+                          <a:tab pos="2743200" algn="l"/>
+                          <a:tab pos="3657600" algn="l"/>
+                          <a:tab pos="4572000" algn="l"/>
+                          <a:tab pos="5486400" algn="l"/>
+                          <a:tab pos="6400800" algn="l"/>
+                          <a:tab pos="7315200" algn="l"/>
+                          <a:tab pos="8229600" algn="l"/>
+                          <a:tab pos="9144000" algn="l"/>
+                          <a:tab pos="10058400" algn="l"/>
+                        </a:tabLst>
+                        <a:defRPr>
+                          <a:solidFill>
+                            <a:srgbClr val="000000"/>
+                          </a:solidFill>
+                          <a:latin typeface="Tahoma" pitchFamily="34" charset="0"/>
+                          <a:ea typeface="DejaVu Sans" charset="0"/>
+                          <a:cs typeface="DejaVu Sans" charset="0"/>
+                        </a:defRPr>
+                      </a:lvl6pPr>
+                      <a:lvl7pPr marL="2971800" indent="-228600" defTabSz="449263" eaLnBrk="0" fontAlgn="base" hangingPunct="0">
+                        <a:spcBef>
+                          <a:spcPts val="500"/>
+                        </a:spcBef>
+                        <a:spcAft>
+                          <a:spcPct val="0"/>
+                        </a:spcAft>
+                        <a:buClr>
+                          <a:srgbClr val="000000"/>
+                        </a:buClr>
+                        <a:buSzPct val="100000"/>
+                        <a:buFont typeface="Times New Roman" pitchFamily="18" charset="0"/>
+                        <a:tabLst>
+                          <a:tab pos="0" algn="l"/>
+                          <a:tab pos="914400" algn="l"/>
+                          <a:tab pos="1828800" algn="l"/>
+                          <a:tab pos="2743200" algn="l"/>
+                          <a:tab pos="3657600" algn="l"/>
+                          <a:tab pos="4572000" algn="l"/>
+                          <a:tab pos="5486400" algn="l"/>
+                          <a:tab pos="6400800" algn="l"/>
+                          <a:tab pos="7315200" algn="l"/>
+                          <a:tab pos="8229600" algn="l"/>
+                          <a:tab pos="9144000" algn="l"/>
+                          <a:tab pos="10058400" algn="l"/>
+                        </a:tabLst>
+                        <a:defRPr>
+                          <a:solidFill>
+                            <a:srgbClr val="000000"/>
+                          </a:solidFill>
+                          <a:latin typeface="Tahoma" pitchFamily="34" charset="0"/>
+                          <a:ea typeface="DejaVu Sans" charset="0"/>
+                          <a:cs typeface="DejaVu Sans" charset="0"/>
+                        </a:defRPr>
+                      </a:lvl7pPr>
+                      <a:lvl8pPr marL="3429000" indent="-228600" defTabSz="449263" eaLnBrk="0" fontAlgn="base" hangingPunct="0">
+                        <a:spcBef>
+                          <a:spcPts val="500"/>
+                        </a:spcBef>
+                        <a:spcAft>
+                          <a:spcPct val="0"/>
+                        </a:spcAft>
+                        <a:buClr>
+                          <a:srgbClr val="000000"/>
+                        </a:buClr>
+                        <a:buSzPct val="100000"/>
+                        <a:buFont typeface="Times New Roman" pitchFamily="18" charset="0"/>
+                        <a:tabLst>
+                          <a:tab pos="0" algn="l"/>
+                          <a:tab pos="914400" algn="l"/>
+                          <a:tab pos="1828800" algn="l"/>
+                          <a:tab pos="2743200" algn="l"/>
+                          <a:tab pos="3657600" algn="l"/>
+                          <a:tab pos="4572000" algn="l"/>
+                          <a:tab pos="5486400" algn="l"/>
+                          <a:tab pos="6400800" algn="l"/>
+                          <a:tab pos="7315200" algn="l"/>
+                          <a:tab pos="8229600" algn="l"/>
+                          <a:tab pos="9144000" algn="l"/>
+                          <a:tab pos="10058400" algn="l"/>
+                        </a:tabLst>
+                        <a:defRPr>
+                          <a:solidFill>
+                            <a:srgbClr val="000000"/>
+                          </a:solidFill>
+                          <a:latin typeface="Tahoma" pitchFamily="34" charset="0"/>
+                          <a:ea typeface="DejaVu Sans" charset="0"/>
+                          <a:cs typeface="DejaVu Sans" charset="0"/>
+                        </a:defRPr>
+                      </a:lvl8pPr>
+                      <a:lvl9pPr marL="3886200" indent="-228600" defTabSz="449263" eaLnBrk="0" fontAlgn="base" hangingPunct="0">
+                        <a:spcBef>
+                          <a:spcPts val="500"/>
+                        </a:spcBef>
+                        <a:spcAft>
+                          <a:spcPct val="0"/>
+                        </a:spcAft>
+                        <a:buClr>
+                          <a:srgbClr val="000000"/>
+                        </a:buClr>
+                        <a:buSzPct val="100000"/>
+                        <a:buFont typeface="Times New Roman" pitchFamily="18" charset="0"/>
+                        <a:tabLst>
+                          <a:tab pos="0" algn="l"/>
+                          <a:tab pos="914400" algn="l"/>
+                          <a:tab pos="1828800" algn="l"/>
+                          <a:tab pos="2743200" algn="l"/>
+                          <a:tab pos="3657600" algn="l"/>
+                          <a:tab pos="4572000" algn="l"/>
+                          <a:tab pos="5486400" algn="l"/>
+                          <a:tab pos="6400800" algn="l"/>
+                          <a:tab pos="7315200" algn="l"/>
+                          <a:tab pos="8229600" algn="l"/>
+                          <a:tab pos="9144000" algn="l"/>
+                          <a:tab pos="10058400" algn="l"/>
+                        </a:tabLst>
+                        <a:defRPr>
+                          <a:solidFill>
+                            <a:srgbClr val="000000"/>
+                          </a:solidFill>
+                          <a:latin typeface="Tahoma" pitchFamily="34" charset="0"/>
+                          <a:ea typeface="DejaVu Sans" charset="0"/>
+                          <a:cs typeface="DejaVu Sans" charset="0"/>
+                        </a:defRPr>
+                      </a:lvl9pPr>
+                    </a:lstStyle>
+                    <a:p>
+                      <a:pPr marL="0" marR="0" lvl="0" indent="0" algn="l" defTabSz="449263" rtl="0" eaLnBrk="1" fontAlgn="base" latinLnBrk="0" hangingPunct="1">
+                        <a:lnSpc>
+                          <a:spcPct val="98000"/>
+                        </a:lnSpc>
+                        <a:spcBef>
+                          <a:spcPct val="0"/>
+                        </a:spcBef>
+                        <a:spcAft>
+                          <a:spcPct val="0"/>
+                        </a:spcAft>
+                        <a:buClrTx/>
+                        <a:buSzPct val="100000"/>
+                        <a:buFontTx/>
+                        <a:buNone/>
+                        <a:tabLst>
+                          <a:tab pos="0" algn="l"/>
+                          <a:tab pos="914400" algn="l"/>
+                          <a:tab pos="1828800" algn="l"/>
+                          <a:tab pos="2743200" algn="l"/>
+                          <a:tab pos="3657600" algn="l"/>
+                          <a:tab pos="4572000" algn="l"/>
+                          <a:tab pos="5486400" algn="l"/>
+                          <a:tab pos="6400800" algn="l"/>
+                          <a:tab pos="7315200" algn="l"/>
+                          <a:tab pos="8229600" algn="l"/>
+                          <a:tab pos="9144000" algn="l"/>
+                          <a:tab pos="10058400" algn="l"/>
+                        </a:tabLst>
+                      </a:pPr>
+                      <a:r>
+                        <a:rPr kumimoji="0" lang="pt-BR" altLang="pt-BR" sz="1400" b="1" i="0" u="none" strike="noStrike" cap="none" normalizeH="0" baseline="0" dirty="0">
+                          <a:ln>
+                            <a:noFill/>
+                          </a:ln>
+                          <a:solidFill>
+                            <a:srgbClr val="000000"/>
+                          </a:solidFill>
+                          <a:effectLst/>
+                          <a:latin typeface="Tahoma" pitchFamily="34" charset="0"/>
+                          <a:ea typeface="DejaVu Sans" charset="0"/>
+                          <a:cs typeface="DejaVu Sans" charset="0"/>
+                        </a:rPr>
+                        <a:t>Deve aparecer uma tela</a:t>
+                      </a:r>
+                    </a:p>
+                    <a:p>
+                      <a:pPr marL="0" marR="0" lvl="0" indent="0" algn="l" defTabSz="449263" rtl="0" eaLnBrk="1" fontAlgn="base" latinLnBrk="0" hangingPunct="1">
+                        <a:lnSpc>
+                          <a:spcPct val="98000"/>
+                        </a:lnSpc>
+                        <a:spcBef>
+                          <a:spcPct val="0"/>
+                        </a:spcBef>
+                        <a:spcAft>
+                          <a:spcPct val="0"/>
+                        </a:spcAft>
+                        <a:buClrTx/>
+                        <a:buSzPct val="100000"/>
+                        <a:buFontTx/>
+                        <a:buNone/>
+                        <a:tabLst>
+                          <a:tab pos="0" algn="l"/>
+                          <a:tab pos="914400" algn="l"/>
+                          <a:tab pos="1828800" algn="l"/>
+                          <a:tab pos="2743200" algn="l"/>
+                          <a:tab pos="3657600" algn="l"/>
+                          <a:tab pos="4572000" algn="l"/>
+                          <a:tab pos="5486400" algn="l"/>
+                          <a:tab pos="6400800" algn="l"/>
+                          <a:tab pos="7315200" algn="l"/>
+                          <a:tab pos="8229600" algn="l"/>
+                          <a:tab pos="9144000" algn="l"/>
+                          <a:tab pos="10058400" algn="l"/>
+                        </a:tabLst>
+                      </a:pPr>
+                      <a:r>
+                        <a:rPr kumimoji="0" lang="pt-BR" altLang="pt-BR" sz="1400" b="1" i="0" u="none" strike="noStrike" cap="none" normalizeH="0" baseline="0" dirty="0">
+                          <a:ln>
+                            <a:noFill/>
+                          </a:ln>
+                          <a:solidFill>
+                            <a:srgbClr val="000000"/>
+                          </a:solidFill>
+                          <a:effectLst/>
+                          <a:latin typeface="Tahoma" pitchFamily="34" charset="0"/>
+                          <a:ea typeface="DejaVu Sans" charset="0"/>
+                          <a:cs typeface="DejaVu Sans" charset="0"/>
+                        </a:rPr>
+                        <a:t>solicitando as informações do lançamento.</a:t>
+                      </a:r>
+                    </a:p>
+                  </a:txBody>
+                  <a:tcPr marL="90000" marR="90000" marT="49249" marB="45721" horzOverflow="overflow">
+                    <a:lnL w="2880" cap="flat" cmpd="sng" algn="ctr">
+                      <a:solidFill>
+                        <a:srgbClr val="FFFFFF"/>
+                      </a:solidFill>
+                      <a:prstDash val="solid"/>
+                      <a:round/>
+                      <a:headEnd type="none" w="med" len="med"/>
+                      <a:tailEnd type="none" w="med" len="med"/>
+                    </a:lnL>
+                    <a:lnR w="2880" cap="flat" cmpd="sng" algn="ctr">
+                      <a:solidFill>
+                        <a:srgbClr val="FFFFFF"/>
+                      </a:solidFill>
+                      <a:prstDash val="solid"/>
+                      <a:round/>
+                      <a:headEnd type="none" w="med" len="med"/>
+                      <a:tailEnd type="none" w="med" len="med"/>
+                    </a:lnR>
+                    <a:lnT w="2880" cap="flat" cmpd="sng" algn="ctr">
+                      <a:solidFill>
+                        <a:srgbClr val="FFFFFF"/>
+                      </a:solidFill>
+                      <a:prstDash val="solid"/>
+                      <a:round/>
+                      <a:headEnd type="none" w="med" len="med"/>
+                      <a:tailEnd type="none" w="med" len="med"/>
+                    </a:lnT>
+                    <a:lnB w="2880" cap="flat" cmpd="sng" algn="ctr">
+                      <a:solidFill>
+                        <a:srgbClr val="FFFFFF"/>
+                      </a:solidFill>
+                      <a:prstDash val="solid"/>
+                      <a:round/>
+                      <a:headEnd type="none" w="med" len="med"/>
+                      <a:tailEnd type="none" w="med" len="med"/>
+                    </a:lnB>
+                    <a:lnTlToBr>
+                      <a:noFill/>
+                    </a:lnTlToBr>
+                    <a:lnBlToTr>
+                      <a:noFill/>
+                    </a:lnBlToTr>
+                    <a:solidFill>
+                      <a:srgbClr val="CCD1E1"/>
+                    </a:solidFill>
+                  </a:tcPr>
+                </a:tc>
+                <a:extLst>
+                  <a:ext uri="{0D108BD9-81ED-4DB2-BD59-A6C34878D82A}">
+                    <a16:rowId xmlns:a16="http://schemas.microsoft.com/office/drawing/2014/main" val="3705353742"/>
+                  </a:ext>
+                </a:extLst>
+              </a:tr>
+              <a:tr h="1157321">
+                <a:tc>
+                  <a:txBody>
+                    <a:bodyPr/>
+                    <a:lstStyle>
+                      <a:lvl1pPr eaLnBrk="0" hangingPunct="0">
+                        <a:spcBef>
+                          <a:spcPts val="800"/>
+                        </a:spcBef>
+                        <a:tabLst>
+                          <a:tab pos="0" algn="l"/>
+                          <a:tab pos="914400" algn="l"/>
+                          <a:tab pos="1828800" algn="l"/>
+                          <a:tab pos="2743200" algn="l"/>
+                          <a:tab pos="3657600" algn="l"/>
+                          <a:tab pos="4572000" algn="l"/>
+                          <a:tab pos="5486400" algn="l"/>
+                          <a:tab pos="6400800" algn="l"/>
+                          <a:tab pos="7315200" algn="l"/>
+                          <a:tab pos="8229600" algn="l"/>
+                          <a:tab pos="9144000" algn="l"/>
+                          <a:tab pos="10058400" algn="l"/>
+                        </a:tabLst>
+                        <a:defRPr>
+                          <a:solidFill>
+                            <a:srgbClr val="000000"/>
+                          </a:solidFill>
+                          <a:latin typeface="Tahoma" pitchFamily="34" charset="0"/>
+                          <a:ea typeface="DejaVu Sans" charset="0"/>
+                          <a:cs typeface="DejaVu Sans" charset="0"/>
+                        </a:defRPr>
+                      </a:lvl1pPr>
+                      <a:lvl2pPr eaLnBrk="0" hangingPunct="0">
+                        <a:spcBef>
+                          <a:spcPts val="700"/>
+                        </a:spcBef>
+                        <a:tabLst>
+                          <a:tab pos="0" algn="l"/>
+                          <a:tab pos="914400" algn="l"/>
+                          <a:tab pos="1828800" algn="l"/>
+                          <a:tab pos="2743200" algn="l"/>
+                          <a:tab pos="3657600" algn="l"/>
+                          <a:tab pos="4572000" algn="l"/>
+                          <a:tab pos="5486400" algn="l"/>
+                          <a:tab pos="6400800" algn="l"/>
+                          <a:tab pos="7315200" algn="l"/>
+                          <a:tab pos="8229600" algn="l"/>
+                          <a:tab pos="9144000" algn="l"/>
+                          <a:tab pos="10058400" algn="l"/>
+                        </a:tabLst>
+                        <a:defRPr sz="2400">
+                          <a:solidFill>
+                            <a:srgbClr val="000000"/>
+                          </a:solidFill>
+                          <a:latin typeface="Tahoma" pitchFamily="34" charset="0"/>
+                          <a:ea typeface="DejaVu Sans" charset="0"/>
+                          <a:cs typeface="DejaVu Sans" charset="0"/>
+                        </a:defRPr>
+                      </a:lvl2pPr>
+                      <a:lvl3pPr eaLnBrk="0" hangingPunct="0">
+                        <a:spcBef>
+                          <a:spcPts val="600"/>
+                        </a:spcBef>
+                        <a:tabLst>
+                          <a:tab pos="0" algn="l"/>
+                          <a:tab pos="914400" algn="l"/>
+                          <a:tab pos="1828800" algn="l"/>
+                          <a:tab pos="2743200" algn="l"/>
+                          <a:tab pos="3657600" algn="l"/>
+                          <a:tab pos="4572000" algn="l"/>
+                          <a:tab pos="5486400" algn="l"/>
+                          <a:tab pos="6400800" algn="l"/>
+                          <a:tab pos="7315200" algn="l"/>
+                          <a:tab pos="8229600" algn="l"/>
+                          <a:tab pos="9144000" algn="l"/>
+                          <a:tab pos="10058400" algn="l"/>
+                        </a:tabLst>
+                        <a:defRPr sz="2000">
+                          <a:solidFill>
+                            <a:srgbClr val="000000"/>
+                          </a:solidFill>
+                          <a:latin typeface="Tahoma" pitchFamily="34" charset="0"/>
+                          <a:ea typeface="DejaVu Sans" charset="0"/>
+                          <a:cs typeface="DejaVu Sans" charset="0"/>
+                        </a:defRPr>
+                      </a:lvl3pPr>
+                      <a:lvl4pPr eaLnBrk="0" hangingPunct="0">
+                        <a:spcBef>
+                          <a:spcPts val="500"/>
+                        </a:spcBef>
+                        <a:tabLst>
+                          <a:tab pos="0" algn="l"/>
+                          <a:tab pos="914400" algn="l"/>
+                          <a:tab pos="1828800" algn="l"/>
+                          <a:tab pos="2743200" algn="l"/>
+                          <a:tab pos="3657600" algn="l"/>
+                          <a:tab pos="4572000" algn="l"/>
+                          <a:tab pos="5486400" algn="l"/>
+                          <a:tab pos="6400800" algn="l"/>
+                          <a:tab pos="7315200" algn="l"/>
+                          <a:tab pos="8229600" algn="l"/>
+                          <a:tab pos="9144000" algn="l"/>
+                          <a:tab pos="10058400" algn="l"/>
+                        </a:tabLst>
+                        <a:defRPr>
+                          <a:solidFill>
+                            <a:srgbClr val="000000"/>
+                          </a:solidFill>
+                          <a:latin typeface="Tahoma" pitchFamily="34" charset="0"/>
+                          <a:ea typeface="DejaVu Sans" charset="0"/>
+                          <a:cs typeface="DejaVu Sans" charset="0"/>
+                        </a:defRPr>
+                      </a:lvl4pPr>
+                      <a:lvl5pPr eaLnBrk="0" hangingPunct="0">
+                        <a:spcBef>
+                          <a:spcPts val="500"/>
+                        </a:spcBef>
+                        <a:tabLst>
+                          <a:tab pos="0" algn="l"/>
+                          <a:tab pos="914400" algn="l"/>
+                          <a:tab pos="1828800" algn="l"/>
+                          <a:tab pos="2743200" algn="l"/>
+                          <a:tab pos="3657600" algn="l"/>
+                          <a:tab pos="4572000" algn="l"/>
+                          <a:tab pos="5486400" algn="l"/>
+                          <a:tab pos="6400800" algn="l"/>
+                          <a:tab pos="7315200" algn="l"/>
+                          <a:tab pos="8229600" algn="l"/>
+                          <a:tab pos="9144000" algn="l"/>
+                          <a:tab pos="10058400" algn="l"/>
+                        </a:tabLst>
+                        <a:defRPr>
+                          <a:solidFill>
+                            <a:srgbClr val="000000"/>
+                          </a:solidFill>
+                          <a:latin typeface="Tahoma" pitchFamily="34" charset="0"/>
+                          <a:ea typeface="DejaVu Sans" charset="0"/>
+                          <a:cs typeface="DejaVu Sans" charset="0"/>
+                        </a:defRPr>
+                      </a:lvl5pPr>
+                      <a:lvl6pPr marL="2514600" indent="-228600" defTabSz="449263" eaLnBrk="0" fontAlgn="base" hangingPunct="0">
+                        <a:spcBef>
+                          <a:spcPts val="500"/>
+                        </a:spcBef>
+                        <a:spcAft>
+                          <a:spcPct val="0"/>
+                        </a:spcAft>
+                        <a:buClr>
+                          <a:srgbClr val="000000"/>
+                        </a:buClr>
+                        <a:buSzPct val="100000"/>
+                        <a:buFont typeface="Times New Roman" pitchFamily="18" charset="0"/>
+                        <a:tabLst>
+                          <a:tab pos="0" algn="l"/>
+                          <a:tab pos="914400" algn="l"/>
+                          <a:tab pos="1828800" algn="l"/>
+                          <a:tab pos="2743200" algn="l"/>
+                          <a:tab pos="3657600" algn="l"/>
+                          <a:tab pos="4572000" algn="l"/>
+                          <a:tab pos="5486400" algn="l"/>
+                          <a:tab pos="6400800" algn="l"/>
+                          <a:tab pos="7315200" algn="l"/>
+                          <a:tab pos="8229600" algn="l"/>
+                          <a:tab pos="9144000" algn="l"/>
+                          <a:tab pos="10058400" algn="l"/>
+                        </a:tabLst>
+                        <a:defRPr>
+                          <a:solidFill>
+                            <a:srgbClr val="000000"/>
+                          </a:solidFill>
+                          <a:latin typeface="Tahoma" pitchFamily="34" charset="0"/>
+                          <a:ea typeface="DejaVu Sans" charset="0"/>
+                          <a:cs typeface="DejaVu Sans" charset="0"/>
+                        </a:defRPr>
+                      </a:lvl6pPr>
+                      <a:lvl7pPr marL="2971800" indent="-228600" defTabSz="449263" eaLnBrk="0" fontAlgn="base" hangingPunct="0">
+                        <a:spcBef>
+                          <a:spcPts val="500"/>
+                        </a:spcBef>
+                        <a:spcAft>
+                          <a:spcPct val="0"/>
+                        </a:spcAft>
+                        <a:buClr>
+                          <a:srgbClr val="000000"/>
+                        </a:buClr>
+                        <a:buSzPct val="100000"/>
+                        <a:buFont typeface="Times New Roman" pitchFamily="18" charset="0"/>
+                        <a:tabLst>
+                          <a:tab pos="0" algn="l"/>
+                          <a:tab pos="914400" algn="l"/>
+                          <a:tab pos="1828800" algn="l"/>
+                          <a:tab pos="2743200" algn="l"/>
+                          <a:tab pos="3657600" algn="l"/>
+                          <a:tab pos="4572000" algn="l"/>
+                          <a:tab pos="5486400" algn="l"/>
+                          <a:tab pos="6400800" algn="l"/>
+                          <a:tab pos="7315200" algn="l"/>
+                          <a:tab pos="8229600" algn="l"/>
+                          <a:tab pos="9144000" algn="l"/>
+                          <a:tab pos="10058400" algn="l"/>
+                        </a:tabLst>
+                        <a:defRPr>
+                          <a:solidFill>
+                            <a:srgbClr val="000000"/>
+                          </a:solidFill>
+                          <a:latin typeface="Tahoma" pitchFamily="34" charset="0"/>
+                          <a:ea typeface="DejaVu Sans" charset="0"/>
+                          <a:cs typeface="DejaVu Sans" charset="0"/>
+                        </a:defRPr>
+                      </a:lvl7pPr>
+                      <a:lvl8pPr marL="3429000" indent="-228600" defTabSz="449263" eaLnBrk="0" fontAlgn="base" hangingPunct="0">
+                        <a:spcBef>
+                          <a:spcPts val="500"/>
+                        </a:spcBef>
+                        <a:spcAft>
+                          <a:spcPct val="0"/>
+                        </a:spcAft>
+                        <a:buClr>
+                          <a:srgbClr val="000000"/>
+                        </a:buClr>
+                        <a:buSzPct val="100000"/>
+                        <a:buFont typeface="Times New Roman" pitchFamily="18" charset="0"/>
+                        <a:tabLst>
+                          <a:tab pos="0" algn="l"/>
+                          <a:tab pos="914400" algn="l"/>
+                          <a:tab pos="1828800" algn="l"/>
+                          <a:tab pos="2743200" algn="l"/>
+                          <a:tab pos="3657600" algn="l"/>
+                          <a:tab pos="4572000" algn="l"/>
+                          <a:tab pos="5486400" algn="l"/>
+                          <a:tab pos="6400800" algn="l"/>
+                          <a:tab pos="7315200" algn="l"/>
+                          <a:tab pos="8229600" algn="l"/>
+                          <a:tab pos="9144000" algn="l"/>
+                          <a:tab pos="10058400" algn="l"/>
+                        </a:tabLst>
+                        <a:defRPr>
+                          <a:solidFill>
+                            <a:srgbClr val="000000"/>
+                          </a:solidFill>
+                          <a:latin typeface="Tahoma" pitchFamily="34" charset="0"/>
+                          <a:ea typeface="DejaVu Sans" charset="0"/>
+                          <a:cs typeface="DejaVu Sans" charset="0"/>
+                        </a:defRPr>
+                      </a:lvl8pPr>
+                      <a:lvl9pPr marL="3886200" indent="-228600" defTabSz="449263" eaLnBrk="0" fontAlgn="base" hangingPunct="0">
+                        <a:spcBef>
+                          <a:spcPts val="500"/>
+                        </a:spcBef>
+                        <a:spcAft>
+                          <a:spcPct val="0"/>
+                        </a:spcAft>
+                        <a:buClr>
+                          <a:srgbClr val="000000"/>
+                        </a:buClr>
+                        <a:buSzPct val="100000"/>
+                        <a:buFont typeface="Times New Roman" pitchFamily="18" charset="0"/>
+                        <a:tabLst>
+                          <a:tab pos="0" algn="l"/>
+                          <a:tab pos="914400" algn="l"/>
+                          <a:tab pos="1828800" algn="l"/>
+                          <a:tab pos="2743200" algn="l"/>
+                          <a:tab pos="3657600" algn="l"/>
+                          <a:tab pos="4572000" algn="l"/>
+                          <a:tab pos="5486400" algn="l"/>
+                          <a:tab pos="6400800" algn="l"/>
+                          <a:tab pos="7315200" algn="l"/>
+                          <a:tab pos="8229600" algn="l"/>
+                          <a:tab pos="9144000" algn="l"/>
+                          <a:tab pos="10058400" algn="l"/>
+                        </a:tabLst>
+                        <a:defRPr>
+                          <a:solidFill>
+                            <a:srgbClr val="000000"/>
+                          </a:solidFill>
+                          <a:latin typeface="Tahoma" pitchFamily="34" charset="0"/>
+                          <a:ea typeface="DejaVu Sans" charset="0"/>
+                          <a:cs typeface="DejaVu Sans" charset="0"/>
+                        </a:defRPr>
+                      </a:lvl9pPr>
+                    </a:lstStyle>
+                    <a:p>
+                      <a:pPr marL="0" marR="0" lvl="0" indent="0" algn="l" defTabSz="449263" rtl="0" eaLnBrk="1" fontAlgn="base" latinLnBrk="0" hangingPunct="1">
+                        <a:lnSpc>
+                          <a:spcPct val="98000"/>
+                        </a:lnSpc>
+                        <a:spcBef>
+                          <a:spcPct val="0"/>
+                        </a:spcBef>
+                        <a:spcAft>
+                          <a:spcPct val="0"/>
+                        </a:spcAft>
+                        <a:buClrTx/>
+                        <a:buSzPct val="100000"/>
+                        <a:buFontTx/>
+                        <a:buNone/>
+                        <a:tabLst>
+                          <a:tab pos="0" algn="l"/>
+                          <a:tab pos="914400" algn="l"/>
+                          <a:tab pos="1828800" algn="l"/>
+                          <a:tab pos="2743200" algn="l"/>
+                          <a:tab pos="3657600" algn="l"/>
+                          <a:tab pos="4572000" algn="l"/>
+                          <a:tab pos="5486400" algn="l"/>
+                          <a:tab pos="6400800" algn="l"/>
+                          <a:tab pos="7315200" algn="l"/>
+                          <a:tab pos="8229600" algn="l"/>
+                          <a:tab pos="9144000" algn="l"/>
+                          <a:tab pos="10058400" algn="l"/>
+                        </a:tabLst>
+                      </a:pPr>
+                      <a:r>
+                        <a:rPr kumimoji="0" lang="pt-BR" altLang="pt-BR" sz="1400" b="1" i="0" u="none" strike="noStrike" cap="none" normalizeH="0" baseline="0" dirty="0">
+                          <a:ln>
+                            <a:noFill/>
+                          </a:ln>
+                          <a:solidFill>
+                            <a:srgbClr val="000000"/>
+                          </a:solidFill>
+                          <a:effectLst/>
+                          <a:latin typeface="Tahoma" pitchFamily="34" charset="0"/>
+                          <a:ea typeface="DejaVu Sans" charset="0"/>
+                          <a:cs typeface="DejaVu Sans" charset="0"/>
+                        </a:rPr>
+                        <a:t>2. Informar a informações do lançamento bem como o tipo (“lançamento”). Não inserindo os campos “conta” e “conta destino”.</a:t>
+                      </a:r>
+                    </a:p>
+                  </a:txBody>
+                  <a:tcPr marL="90000" marR="90000" marT="49249" marB="45721" horzOverflow="overflow">
+                    <a:lnL w="2880" cap="flat" cmpd="sng" algn="ctr">
+                      <a:solidFill>
+                        <a:srgbClr val="FFFFFF"/>
+                      </a:solidFill>
+                      <a:prstDash val="solid"/>
+                      <a:round/>
+                      <a:headEnd type="none" w="med" len="med"/>
+                      <a:tailEnd type="none" w="med" len="med"/>
+                    </a:lnL>
+                    <a:lnR w="2880" cap="flat" cmpd="sng" algn="ctr">
+                      <a:solidFill>
+                        <a:srgbClr val="FFFFFF"/>
+                      </a:solidFill>
+                      <a:prstDash val="solid"/>
+                      <a:round/>
+                      <a:headEnd type="none" w="med" len="med"/>
+                      <a:tailEnd type="none" w="med" len="med"/>
+                    </a:lnR>
+                    <a:lnT w="2880" cap="flat" cmpd="sng" algn="ctr">
+                      <a:solidFill>
+                        <a:srgbClr val="FFFFFF"/>
+                      </a:solidFill>
+                      <a:prstDash val="solid"/>
+                      <a:round/>
+                      <a:headEnd type="none" w="med" len="med"/>
+                      <a:tailEnd type="none" w="med" len="med"/>
+                    </a:lnT>
+                    <a:lnB w="2880" cap="flat" cmpd="sng" algn="ctr">
+                      <a:solidFill>
+                        <a:srgbClr val="FFFFFF"/>
+                      </a:solidFill>
+                      <a:prstDash val="solid"/>
+                      <a:round/>
+                      <a:headEnd type="none" w="med" len="med"/>
+                      <a:tailEnd type="none" w="med" len="med"/>
+                    </a:lnB>
+                    <a:lnTlToBr>
+                      <a:noFill/>
+                    </a:lnTlToBr>
+                    <a:lnBlToTr>
+                      <a:noFill/>
+                    </a:lnBlToTr>
+                    <a:solidFill>
+                      <a:srgbClr val="E8E9F1"/>
+                    </a:solidFill>
+                  </a:tcPr>
+                </a:tc>
+                <a:tc>
+                  <a:txBody>
+                    <a:bodyPr/>
+                    <a:lstStyle>
+                      <a:lvl1pPr eaLnBrk="0" hangingPunct="0">
+                        <a:spcBef>
+                          <a:spcPts val="800"/>
+                        </a:spcBef>
+                        <a:tabLst>
+                          <a:tab pos="0" algn="l"/>
+                          <a:tab pos="914400" algn="l"/>
+                          <a:tab pos="1828800" algn="l"/>
+                          <a:tab pos="2743200" algn="l"/>
+                          <a:tab pos="3657600" algn="l"/>
+                          <a:tab pos="4572000" algn="l"/>
+                          <a:tab pos="5486400" algn="l"/>
+                          <a:tab pos="6400800" algn="l"/>
+                          <a:tab pos="7315200" algn="l"/>
+                          <a:tab pos="8229600" algn="l"/>
+                          <a:tab pos="9144000" algn="l"/>
+                          <a:tab pos="10058400" algn="l"/>
+                        </a:tabLst>
+                        <a:defRPr>
+                          <a:solidFill>
+                            <a:srgbClr val="000000"/>
+                          </a:solidFill>
+                          <a:latin typeface="Tahoma" pitchFamily="34" charset="0"/>
+                          <a:ea typeface="DejaVu Sans" charset="0"/>
+                          <a:cs typeface="DejaVu Sans" charset="0"/>
+                        </a:defRPr>
+                      </a:lvl1pPr>
+                      <a:lvl2pPr eaLnBrk="0" hangingPunct="0">
+                        <a:spcBef>
+                          <a:spcPts val="700"/>
+                        </a:spcBef>
+                        <a:tabLst>
+                          <a:tab pos="0" algn="l"/>
+                          <a:tab pos="914400" algn="l"/>
+                          <a:tab pos="1828800" algn="l"/>
+                          <a:tab pos="2743200" algn="l"/>
+                          <a:tab pos="3657600" algn="l"/>
+                          <a:tab pos="4572000" algn="l"/>
+                          <a:tab pos="5486400" algn="l"/>
+                          <a:tab pos="6400800" algn="l"/>
+                          <a:tab pos="7315200" algn="l"/>
+                          <a:tab pos="8229600" algn="l"/>
+                          <a:tab pos="9144000" algn="l"/>
+                          <a:tab pos="10058400" algn="l"/>
+                        </a:tabLst>
+                        <a:defRPr sz="2400">
+                          <a:solidFill>
+                            <a:srgbClr val="000000"/>
+                          </a:solidFill>
+                          <a:latin typeface="Tahoma" pitchFamily="34" charset="0"/>
+                          <a:ea typeface="DejaVu Sans" charset="0"/>
+                          <a:cs typeface="DejaVu Sans" charset="0"/>
+                        </a:defRPr>
+                      </a:lvl2pPr>
+                      <a:lvl3pPr eaLnBrk="0" hangingPunct="0">
+                        <a:spcBef>
+                          <a:spcPts val="600"/>
+                        </a:spcBef>
+                        <a:tabLst>
+                          <a:tab pos="0" algn="l"/>
+                          <a:tab pos="914400" algn="l"/>
+                          <a:tab pos="1828800" algn="l"/>
+                          <a:tab pos="2743200" algn="l"/>
+                          <a:tab pos="3657600" algn="l"/>
+                          <a:tab pos="4572000" algn="l"/>
+                          <a:tab pos="5486400" algn="l"/>
+                          <a:tab pos="6400800" algn="l"/>
+                          <a:tab pos="7315200" algn="l"/>
+                          <a:tab pos="8229600" algn="l"/>
+                          <a:tab pos="9144000" algn="l"/>
+                          <a:tab pos="10058400" algn="l"/>
+                        </a:tabLst>
+                        <a:defRPr sz="2000">
+                          <a:solidFill>
+                            <a:srgbClr val="000000"/>
+                          </a:solidFill>
+                          <a:latin typeface="Tahoma" pitchFamily="34" charset="0"/>
+                          <a:ea typeface="DejaVu Sans" charset="0"/>
+                          <a:cs typeface="DejaVu Sans" charset="0"/>
+                        </a:defRPr>
+                      </a:lvl3pPr>
+                      <a:lvl4pPr eaLnBrk="0" hangingPunct="0">
+                        <a:spcBef>
+                          <a:spcPts val="500"/>
+                        </a:spcBef>
+                        <a:tabLst>
+                          <a:tab pos="0" algn="l"/>
+                          <a:tab pos="914400" algn="l"/>
+                          <a:tab pos="1828800" algn="l"/>
+                          <a:tab pos="2743200" algn="l"/>
+                          <a:tab pos="3657600" algn="l"/>
+                          <a:tab pos="4572000" algn="l"/>
+                          <a:tab pos="5486400" algn="l"/>
+                          <a:tab pos="6400800" algn="l"/>
+                          <a:tab pos="7315200" algn="l"/>
+                          <a:tab pos="8229600" algn="l"/>
+                          <a:tab pos="9144000" algn="l"/>
+                          <a:tab pos="10058400" algn="l"/>
+                        </a:tabLst>
+                        <a:defRPr>
+                          <a:solidFill>
+                            <a:srgbClr val="000000"/>
+                          </a:solidFill>
+                          <a:latin typeface="Tahoma" pitchFamily="34" charset="0"/>
+                          <a:ea typeface="DejaVu Sans" charset="0"/>
+                          <a:cs typeface="DejaVu Sans" charset="0"/>
+                        </a:defRPr>
+                      </a:lvl4pPr>
+                      <a:lvl5pPr eaLnBrk="0" hangingPunct="0">
+                        <a:spcBef>
+                          <a:spcPts val="500"/>
+                        </a:spcBef>
+                        <a:tabLst>
+                          <a:tab pos="0" algn="l"/>
+                          <a:tab pos="914400" algn="l"/>
+                          <a:tab pos="1828800" algn="l"/>
+                          <a:tab pos="2743200" algn="l"/>
+                          <a:tab pos="3657600" algn="l"/>
+                          <a:tab pos="4572000" algn="l"/>
+                          <a:tab pos="5486400" algn="l"/>
+                          <a:tab pos="6400800" algn="l"/>
+                          <a:tab pos="7315200" algn="l"/>
+                          <a:tab pos="8229600" algn="l"/>
+                          <a:tab pos="9144000" algn="l"/>
+                          <a:tab pos="10058400" algn="l"/>
+                        </a:tabLst>
+                        <a:defRPr>
+                          <a:solidFill>
+                            <a:srgbClr val="000000"/>
+                          </a:solidFill>
+                          <a:latin typeface="Tahoma" pitchFamily="34" charset="0"/>
+                          <a:ea typeface="DejaVu Sans" charset="0"/>
+                          <a:cs typeface="DejaVu Sans" charset="0"/>
+                        </a:defRPr>
+                      </a:lvl5pPr>
+                      <a:lvl6pPr marL="2514600" indent="-228600" defTabSz="449263" eaLnBrk="0" fontAlgn="base" hangingPunct="0">
+                        <a:spcBef>
+                          <a:spcPts val="500"/>
+                        </a:spcBef>
+                        <a:spcAft>
+                          <a:spcPct val="0"/>
+                        </a:spcAft>
+                        <a:buClr>
+                          <a:srgbClr val="000000"/>
+                        </a:buClr>
+                        <a:buSzPct val="100000"/>
+                        <a:buFont typeface="Times New Roman" pitchFamily="18" charset="0"/>
+                        <a:tabLst>
+                          <a:tab pos="0" algn="l"/>
+                          <a:tab pos="914400" algn="l"/>
+                          <a:tab pos="1828800" algn="l"/>
+                          <a:tab pos="2743200" algn="l"/>
+                          <a:tab pos="3657600" algn="l"/>
+                          <a:tab pos="4572000" algn="l"/>
+                          <a:tab pos="5486400" algn="l"/>
+                          <a:tab pos="6400800" algn="l"/>
+                          <a:tab pos="7315200" algn="l"/>
+                          <a:tab pos="8229600" algn="l"/>
+                          <a:tab pos="9144000" algn="l"/>
+                          <a:tab pos="10058400" algn="l"/>
+                        </a:tabLst>
+                        <a:defRPr>
+                          <a:solidFill>
+                            <a:srgbClr val="000000"/>
+                          </a:solidFill>
+                          <a:latin typeface="Tahoma" pitchFamily="34" charset="0"/>
+                          <a:ea typeface="DejaVu Sans" charset="0"/>
+                          <a:cs typeface="DejaVu Sans" charset="0"/>
+                        </a:defRPr>
+                      </a:lvl6pPr>
+                      <a:lvl7pPr marL="2971800" indent="-228600" defTabSz="449263" eaLnBrk="0" fontAlgn="base" hangingPunct="0">
+                        <a:spcBef>
+                          <a:spcPts val="500"/>
+                        </a:spcBef>
+                        <a:spcAft>
+                          <a:spcPct val="0"/>
+                        </a:spcAft>
+                        <a:buClr>
+                          <a:srgbClr val="000000"/>
+                        </a:buClr>
+                        <a:buSzPct val="100000"/>
+                        <a:buFont typeface="Times New Roman" pitchFamily="18" charset="0"/>
+                        <a:tabLst>
+                          <a:tab pos="0" algn="l"/>
+                          <a:tab pos="914400" algn="l"/>
+                          <a:tab pos="1828800" algn="l"/>
+                          <a:tab pos="2743200" algn="l"/>
+                          <a:tab pos="3657600" algn="l"/>
+                          <a:tab pos="4572000" algn="l"/>
+                          <a:tab pos="5486400" algn="l"/>
+                          <a:tab pos="6400800" algn="l"/>
+                          <a:tab pos="7315200" algn="l"/>
+                          <a:tab pos="8229600" algn="l"/>
+                          <a:tab pos="9144000" algn="l"/>
+                          <a:tab pos="10058400" algn="l"/>
+                        </a:tabLst>
+                        <a:defRPr>
+                          <a:solidFill>
+                            <a:srgbClr val="000000"/>
+                          </a:solidFill>
+                          <a:latin typeface="Tahoma" pitchFamily="34" charset="0"/>
+                          <a:ea typeface="DejaVu Sans" charset="0"/>
+                          <a:cs typeface="DejaVu Sans" charset="0"/>
+                        </a:defRPr>
+                      </a:lvl7pPr>
+                      <a:lvl8pPr marL="3429000" indent="-228600" defTabSz="449263" eaLnBrk="0" fontAlgn="base" hangingPunct="0">
+                        <a:spcBef>
+                          <a:spcPts val="500"/>
+                        </a:spcBef>
+                        <a:spcAft>
+                          <a:spcPct val="0"/>
+                        </a:spcAft>
+                        <a:buClr>
+                          <a:srgbClr val="000000"/>
+                        </a:buClr>
+                        <a:buSzPct val="100000"/>
+                        <a:buFont typeface="Times New Roman" pitchFamily="18" charset="0"/>
+                        <a:tabLst>
+                          <a:tab pos="0" algn="l"/>
+                          <a:tab pos="914400" algn="l"/>
+                          <a:tab pos="1828800" algn="l"/>
+                          <a:tab pos="2743200" algn="l"/>
+                          <a:tab pos="3657600" algn="l"/>
+                          <a:tab pos="4572000" algn="l"/>
+                          <a:tab pos="5486400" algn="l"/>
+                          <a:tab pos="6400800" algn="l"/>
+                          <a:tab pos="7315200" algn="l"/>
+                          <a:tab pos="8229600" algn="l"/>
+                          <a:tab pos="9144000" algn="l"/>
+                          <a:tab pos="10058400" algn="l"/>
+                        </a:tabLst>
+                        <a:defRPr>
+                          <a:solidFill>
+                            <a:srgbClr val="000000"/>
+                          </a:solidFill>
+                          <a:latin typeface="Tahoma" pitchFamily="34" charset="0"/>
+                          <a:ea typeface="DejaVu Sans" charset="0"/>
+                          <a:cs typeface="DejaVu Sans" charset="0"/>
+                        </a:defRPr>
+                      </a:lvl8pPr>
+                      <a:lvl9pPr marL="3886200" indent="-228600" defTabSz="449263" eaLnBrk="0" fontAlgn="base" hangingPunct="0">
+                        <a:spcBef>
+                          <a:spcPts val="500"/>
+                        </a:spcBef>
+                        <a:spcAft>
+                          <a:spcPct val="0"/>
+                        </a:spcAft>
+                        <a:buClr>
+                          <a:srgbClr val="000000"/>
+                        </a:buClr>
+                        <a:buSzPct val="100000"/>
+                        <a:buFont typeface="Times New Roman" pitchFamily="18" charset="0"/>
+                        <a:tabLst>
+                          <a:tab pos="0" algn="l"/>
+                          <a:tab pos="914400" algn="l"/>
+                          <a:tab pos="1828800" algn="l"/>
+                          <a:tab pos="2743200" algn="l"/>
+                          <a:tab pos="3657600" algn="l"/>
+                          <a:tab pos="4572000" algn="l"/>
+                          <a:tab pos="5486400" algn="l"/>
+                          <a:tab pos="6400800" algn="l"/>
+                          <a:tab pos="7315200" algn="l"/>
+                          <a:tab pos="8229600" algn="l"/>
+                          <a:tab pos="9144000" algn="l"/>
+                          <a:tab pos="10058400" algn="l"/>
+                        </a:tabLst>
+                        <a:defRPr>
+                          <a:solidFill>
+                            <a:srgbClr val="000000"/>
+                          </a:solidFill>
+                          <a:latin typeface="Tahoma" pitchFamily="34" charset="0"/>
+                          <a:ea typeface="DejaVu Sans" charset="0"/>
+                          <a:cs typeface="DejaVu Sans" charset="0"/>
+                        </a:defRPr>
+                      </a:lvl9pPr>
+                    </a:lstStyle>
+                    <a:p>
+                      <a:pPr marL="0" marR="0" lvl="0" indent="0" algn="l" defTabSz="449263" rtl="0" eaLnBrk="1" fontAlgn="base" latinLnBrk="0" hangingPunct="1">
+                        <a:lnSpc>
+                          <a:spcPct val="98000"/>
+                        </a:lnSpc>
+                        <a:spcBef>
+                          <a:spcPct val="0"/>
+                        </a:spcBef>
+                        <a:spcAft>
+                          <a:spcPct val="0"/>
+                        </a:spcAft>
+                        <a:buClrTx/>
+                        <a:buSzPct val="100000"/>
+                        <a:buFontTx/>
+                        <a:buNone/>
+                        <a:tabLst>
+                          <a:tab pos="0" algn="l"/>
+                          <a:tab pos="914400" algn="l"/>
+                          <a:tab pos="1828800" algn="l"/>
+                          <a:tab pos="2743200" algn="l"/>
+                          <a:tab pos="3657600" algn="l"/>
+                          <a:tab pos="4572000" algn="l"/>
+                          <a:tab pos="5486400" algn="l"/>
+                          <a:tab pos="6400800" algn="l"/>
+                          <a:tab pos="7315200" algn="l"/>
+                          <a:tab pos="8229600" algn="l"/>
+                          <a:tab pos="9144000" algn="l"/>
+                          <a:tab pos="10058400" algn="l"/>
+                        </a:tabLst>
+                      </a:pPr>
+                      <a:r>
+                        <a:rPr kumimoji="0" lang="pt-BR" altLang="pt-BR" sz="1400" b="1" i="0" u="none" strike="noStrike" cap="none" normalizeH="0" baseline="0" dirty="0">
+                          <a:ln>
+                            <a:noFill/>
+                          </a:ln>
+                          <a:solidFill>
+                            <a:srgbClr val="000000"/>
+                          </a:solidFill>
+                          <a:effectLst/>
+                          <a:latin typeface="Tahoma" pitchFamily="34" charset="0"/>
+                          <a:ea typeface="DejaVu Sans" charset="0"/>
+                          <a:cs typeface="DejaVu Sans" charset="0"/>
+                        </a:rPr>
+                        <a:t>Aparece uma tela com a</a:t>
+                      </a:r>
+                    </a:p>
+                    <a:p>
+                      <a:pPr marL="0" marR="0" lvl="0" indent="0" algn="l" defTabSz="449263" rtl="0" eaLnBrk="1" fontAlgn="base" latinLnBrk="0" hangingPunct="1">
+                        <a:lnSpc>
+                          <a:spcPct val="98000"/>
+                        </a:lnSpc>
+                        <a:spcBef>
+                          <a:spcPct val="0"/>
+                        </a:spcBef>
+                        <a:spcAft>
+                          <a:spcPct val="0"/>
+                        </a:spcAft>
+                        <a:buClrTx/>
+                        <a:buSzPct val="100000"/>
+                        <a:buFontTx/>
+                        <a:buNone/>
+                        <a:tabLst>
+                          <a:tab pos="0" algn="l"/>
+                          <a:tab pos="914400" algn="l"/>
+                          <a:tab pos="1828800" algn="l"/>
+                          <a:tab pos="2743200" algn="l"/>
+                          <a:tab pos="3657600" algn="l"/>
+                          <a:tab pos="4572000" algn="l"/>
+                          <a:tab pos="5486400" algn="l"/>
+                          <a:tab pos="6400800" algn="l"/>
+                          <a:tab pos="7315200" algn="l"/>
+                          <a:tab pos="8229600" algn="l"/>
+                          <a:tab pos="9144000" algn="l"/>
+                          <a:tab pos="10058400" algn="l"/>
+                        </a:tabLst>
+                      </a:pPr>
+                      <a:r>
+                        <a:rPr kumimoji="0" lang="pt-BR" altLang="pt-BR" sz="1400" b="1" i="0" u="none" strike="noStrike" cap="none" normalizeH="0" baseline="0" dirty="0">
+                          <a:ln>
+                            <a:noFill/>
+                          </a:ln>
+                          <a:solidFill>
+                            <a:srgbClr val="000000"/>
+                          </a:solidFill>
+                          <a:effectLst/>
+                          <a:latin typeface="Tahoma" pitchFamily="34" charset="0"/>
+                          <a:ea typeface="DejaVu Sans" charset="0"/>
+                          <a:cs typeface="DejaVu Sans" charset="0"/>
+                        </a:rPr>
+                        <a:t>seguinte mensagem: “informe a conta”.</a:t>
+                      </a:r>
+                    </a:p>
+                  </a:txBody>
+                  <a:tcPr marL="90000" marR="90000" marT="49249" marB="45721" horzOverflow="overflow">
+                    <a:lnL w="2880" cap="flat" cmpd="sng" algn="ctr">
+                      <a:solidFill>
+                        <a:srgbClr val="FFFFFF"/>
+                      </a:solidFill>
+                      <a:prstDash val="solid"/>
+                      <a:round/>
+                      <a:headEnd type="none" w="med" len="med"/>
+                      <a:tailEnd type="none" w="med" len="med"/>
+                    </a:lnL>
+                    <a:lnR w="2880" cap="flat" cmpd="sng" algn="ctr">
+                      <a:solidFill>
+                        <a:srgbClr val="FFFFFF"/>
+                      </a:solidFill>
+                      <a:prstDash val="solid"/>
+                      <a:round/>
+                      <a:headEnd type="none" w="med" len="med"/>
+                      <a:tailEnd type="none" w="med" len="med"/>
+                    </a:lnR>
+                    <a:lnT w="2880" cap="flat" cmpd="sng" algn="ctr">
+                      <a:solidFill>
+                        <a:srgbClr val="FFFFFF"/>
+                      </a:solidFill>
+                      <a:prstDash val="solid"/>
+                      <a:round/>
+                      <a:headEnd type="none" w="med" len="med"/>
+                      <a:tailEnd type="none" w="med" len="med"/>
+                    </a:lnT>
+                    <a:lnB w="2880" cap="flat" cmpd="sng" algn="ctr">
+                      <a:solidFill>
+                        <a:srgbClr val="FFFFFF"/>
+                      </a:solidFill>
+                      <a:prstDash val="solid"/>
+                      <a:round/>
+                      <a:headEnd type="none" w="med" len="med"/>
+                      <a:tailEnd type="none" w="med" len="med"/>
+                    </a:lnB>
+                    <a:lnTlToBr>
+                      <a:noFill/>
+                    </a:lnTlToBr>
+                    <a:lnBlToTr>
+                      <a:noFill/>
+                    </a:lnBlToTr>
+                    <a:solidFill>
+                      <a:srgbClr val="E8E9F1"/>
+                    </a:solidFill>
+                  </a:tcPr>
+                </a:tc>
+                <a:extLst>
+                  <a:ext uri="{0D108BD9-81ED-4DB2-BD59-A6C34878D82A}">
+                    <a16:rowId xmlns:a16="http://schemas.microsoft.com/office/drawing/2014/main" val="1372001953"/>
+                  </a:ext>
+                </a:extLst>
+              </a:tr>
+              <a:tr h="1023551">
+                <a:tc>
+                  <a:txBody>
+                    <a:bodyPr/>
+                    <a:lstStyle>
+                      <a:lvl1pPr eaLnBrk="0" hangingPunct="0">
+                        <a:spcBef>
+                          <a:spcPts val="800"/>
+                        </a:spcBef>
+                        <a:tabLst>
+                          <a:tab pos="0" algn="l"/>
+                          <a:tab pos="914400" algn="l"/>
+                          <a:tab pos="1828800" algn="l"/>
+                          <a:tab pos="2743200" algn="l"/>
+                          <a:tab pos="3657600" algn="l"/>
+                          <a:tab pos="4572000" algn="l"/>
+                          <a:tab pos="5486400" algn="l"/>
+                          <a:tab pos="6400800" algn="l"/>
+                          <a:tab pos="7315200" algn="l"/>
+                          <a:tab pos="8229600" algn="l"/>
+                          <a:tab pos="9144000" algn="l"/>
+                          <a:tab pos="10058400" algn="l"/>
+                        </a:tabLst>
+                        <a:defRPr>
+                          <a:solidFill>
+                            <a:srgbClr val="000000"/>
+                          </a:solidFill>
+                          <a:latin typeface="Tahoma" pitchFamily="34" charset="0"/>
+                          <a:ea typeface="DejaVu Sans" charset="0"/>
+                          <a:cs typeface="DejaVu Sans" charset="0"/>
+                        </a:defRPr>
+                      </a:lvl1pPr>
+                      <a:lvl2pPr eaLnBrk="0" hangingPunct="0">
+                        <a:spcBef>
+                          <a:spcPts val="700"/>
+                        </a:spcBef>
+                        <a:tabLst>
+                          <a:tab pos="0" algn="l"/>
+                          <a:tab pos="914400" algn="l"/>
+                          <a:tab pos="1828800" algn="l"/>
+                          <a:tab pos="2743200" algn="l"/>
+                          <a:tab pos="3657600" algn="l"/>
+                          <a:tab pos="4572000" algn="l"/>
+                          <a:tab pos="5486400" algn="l"/>
+                          <a:tab pos="6400800" algn="l"/>
+                          <a:tab pos="7315200" algn="l"/>
+                          <a:tab pos="8229600" algn="l"/>
+                          <a:tab pos="9144000" algn="l"/>
+                          <a:tab pos="10058400" algn="l"/>
+                        </a:tabLst>
+                        <a:defRPr sz="2400">
+                          <a:solidFill>
+                            <a:srgbClr val="000000"/>
+                          </a:solidFill>
+                          <a:latin typeface="Tahoma" pitchFamily="34" charset="0"/>
+                          <a:ea typeface="DejaVu Sans" charset="0"/>
+                          <a:cs typeface="DejaVu Sans" charset="0"/>
+                        </a:defRPr>
+                      </a:lvl2pPr>
+                      <a:lvl3pPr eaLnBrk="0" hangingPunct="0">
+                        <a:spcBef>
+                          <a:spcPts val="600"/>
+                        </a:spcBef>
+                        <a:tabLst>
+                          <a:tab pos="0" algn="l"/>
+                          <a:tab pos="914400" algn="l"/>
+                          <a:tab pos="1828800" algn="l"/>
+                          <a:tab pos="2743200" algn="l"/>
+                          <a:tab pos="3657600" algn="l"/>
+                          <a:tab pos="4572000" algn="l"/>
+                          <a:tab pos="5486400" algn="l"/>
+                          <a:tab pos="6400800" algn="l"/>
+                          <a:tab pos="7315200" algn="l"/>
+                          <a:tab pos="8229600" algn="l"/>
+                          <a:tab pos="9144000" algn="l"/>
+                          <a:tab pos="10058400" algn="l"/>
+                        </a:tabLst>
+                        <a:defRPr sz="2000">
+                          <a:solidFill>
+                            <a:srgbClr val="000000"/>
+                          </a:solidFill>
+                          <a:latin typeface="Tahoma" pitchFamily="34" charset="0"/>
+                          <a:ea typeface="DejaVu Sans" charset="0"/>
+                          <a:cs typeface="DejaVu Sans" charset="0"/>
+                        </a:defRPr>
+                      </a:lvl3pPr>
+                      <a:lvl4pPr eaLnBrk="0" hangingPunct="0">
+                        <a:spcBef>
+                          <a:spcPts val="500"/>
+                        </a:spcBef>
+                        <a:tabLst>
+                          <a:tab pos="0" algn="l"/>
+                          <a:tab pos="914400" algn="l"/>
+                          <a:tab pos="1828800" algn="l"/>
+                          <a:tab pos="2743200" algn="l"/>
+                          <a:tab pos="3657600" algn="l"/>
+                          <a:tab pos="4572000" algn="l"/>
+                          <a:tab pos="5486400" algn="l"/>
+                          <a:tab pos="6400800" algn="l"/>
+                          <a:tab pos="7315200" algn="l"/>
+                          <a:tab pos="8229600" algn="l"/>
+                          <a:tab pos="9144000" algn="l"/>
+                          <a:tab pos="10058400" algn="l"/>
+                        </a:tabLst>
+                        <a:defRPr>
+                          <a:solidFill>
+                            <a:srgbClr val="000000"/>
+                          </a:solidFill>
+                          <a:latin typeface="Tahoma" pitchFamily="34" charset="0"/>
+                          <a:ea typeface="DejaVu Sans" charset="0"/>
+                          <a:cs typeface="DejaVu Sans" charset="0"/>
+                        </a:defRPr>
+                      </a:lvl4pPr>
+                      <a:lvl5pPr eaLnBrk="0" hangingPunct="0">
+                        <a:spcBef>
+                          <a:spcPts val="500"/>
+                        </a:spcBef>
+                        <a:tabLst>
+                          <a:tab pos="0" algn="l"/>
+                          <a:tab pos="914400" algn="l"/>
+                          <a:tab pos="1828800" algn="l"/>
+                          <a:tab pos="2743200" algn="l"/>
+                          <a:tab pos="3657600" algn="l"/>
+                          <a:tab pos="4572000" algn="l"/>
+                          <a:tab pos="5486400" algn="l"/>
+                          <a:tab pos="6400800" algn="l"/>
+                          <a:tab pos="7315200" algn="l"/>
+                          <a:tab pos="8229600" algn="l"/>
+                          <a:tab pos="9144000" algn="l"/>
+                          <a:tab pos="10058400" algn="l"/>
+                        </a:tabLst>
+                        <a:defRPr>
+                          <a:solidFill>
+                            <a:srgbClr val="000000"/>
+                          </a:solidFill>
+                          <a:latin typeface="Tahoma" pitchFamily="34" charset="0"/>
+                          <a:ea typeface="DejaVu Sans" charset="0"/>
+                          <a:cs typeface="DejaVu Sans" charset="0"/>
+                        </a:defRPr>
+                      </a:lvl5pPr>
+                      <a:lvl6pPr marL="2514600" indent="-228600" defTabSz="449263" eaLnBrk="0" fontAlgn="base" hangingPunct="0">
+                        <a:spcBef>
+                          <a:spcPts val="500"/>
+                        </a:spcBef>
+                        <a:spcAft>
+                          <a:spcPct val="0"/>
+                        </a:spcAft>
+                        <a:buClr>
+                          <a:srgbClr val="000000"/>
+                        </a:buClr>
+                        <a:buSzPct val="100000"/>
+                        <a:buFont typeface="Times New Roman" pitchFamily="18" charset="0"/>
+                        <a:tabLst>
+                          <a:tab pos="0" algn="l"/>
+                          <a:tab pos="914400" algn="l"/>
+                          <a:tab pos="1828800" algn="l"/>
+                          <a:tab pos="2743200" algn="l"/>
+                          <a:tab pos="3657600" algn="l"/>
+                          <a:tab pos="4572000" algn="l"/>
+                          <a:tab pos="5486400" algn="l"/>
+                          <a:tab pos="6400800" algn="l"/>
+                          <a:tab pos="7315200" algn="l"/>
+                          <a:tab pos="8229600" algn="l"/>
+                          <a:tab pos="9144000" algn="l"/>
+                          <a:tab pos="10058400" algn="l"/>
+                        </a:tabLst>
+                        <a:defRPr>
+                          <a:solidFill>
+                            <a:srgbClr val="000000"/>
+                          </a:solidFill>
+                          <a:latin typeface="Tahoma" pitchFamily="34" charset="0"/>
+                          <a:ea typeface="DejaVu Sans" charset="0"/>
+                          <a:cs typeface="DejaVu Sans" charset="0"/>
+                        </a:defRPr>
+                      </a:lvl6pPr>
+                      <a:lvl7pPr marL="2971800" indent="-228600" defTabSz="449263" eaLnBrk="0" fontAlgn="base" hangingPunct="0">
+                        <a:spcBef>
+                          <a:spcPts val="500"/>
+                        </a:spcBef>
+                        <a:spcAft>
+                          <a:spcPct val="0"/>
+                        </a:spcAft>
+                        <a:buClr>
+                          <a:srgbClr val="000000"/>
+                        </a:buClr>
+                        <a:buSzPct val="100000"/>
+                        <a:buFont typeface="Times New Roman" pitchFamily="18" charset="0"/>
+                        <a:tabLst>
+                          <a:tab pos="0" algn="l"/>
+                          <a:tab pos="914400" algn="l"/>
+                          <a:tab pos="1828800" algn="l"/>
+                          <a:tab pos="2743200" algn="l"/>
+                          <a:tab pos="3657600" algn="l"/>
+                          <a:tab pos="4572000" algn="l"/>
+                          <a:tab pos="5486400" algn="l"/>
+                          <a:tab pos="6400800" algn="l"/>
+                          <a:tab pos="7315200" algn="l"/>
+                          <a:tab pos="8229600" algn="l"/>
+                          <a:tab pos="9144000" algn="l"/>
+                          <a:tab pos="10058400" algn="l"/>
+                        </a:tabLst>
+                        <a:defRPr>
+                          <a:solidFill>
+                            <a:srgbClr val="000000"/>
+                          </a:solidFill>
+                          <a:latin typeface="Tahoma" pitchFamily="34" charset="0"/>
+                          <a:ea typeface="DejaVu Sans" charset="0"/>
+                          <a:cs typeface="DejaVu Sans" charset="0"/>
+                        </a:defRPr>
+                      </a:lvl7pPr>
+                      <a:lvl8pPr marL="3429000" indent="-228600" defTabSz="449263" eaLnBrk="0" fontAlgn="base" hangingPunct="0">
+                        <a:spcBef>
+                          <a:spcPts val="500"/>
+                        </a:spcBef>
+                        <a:spcAft>
+                          <a:spcPct val="0"/>
+                        </a:spcAft>
+                        <a:buClr>
+                          <a:srgbClr val="000000"/>
+                        </a:buClr>
+                        <a:buSzPct val="100000"/>
+                        <a:buFont typeface="Times New Roman" pitchFamily="18" charset="0"/>
+                        <a:tabLst>
+                          <a:tab pos="0" algn="l"/>
+                          <a:tab pos="914400" algn="l"/>
+                          <a:tab pos="1828800" algn="l"/>
+                          <a:tab pos="2743200" algn="l"/>
+                          <a:tab pos="3657600" algn="l"/>
+                          <a:tab pos="4572000" algn="l"/>
+                          <a:tab pos="5486400" algn="l"/>
+                          <a:tab pos="6400800" algn="l"/>
+                          <a:tab pos="7315200" algn="l"/>
+                          <a:tab pos="8229600" algn="l"/>
+                          <a:tab pos="9144000" algn="l"/>
+                          <a:tab pos="10058400" algn="l"/>
+                        </a:tabLst>
+                        <a:defRPr>
+                          <a:solidFill>
+                            <a:srgbClr val="000000"/>
+                          </a:solidFill>
+                          <a:latin typeface="Tahoma" pitchFamily="34" charset="0"/>
+                          <a:ea typeface="DejaVu Sans" charset="0"/>
+                          <a:cs typeface="DejaVu Sans" charset="0"/>
+                        </a:defRPr>
+                      </a:lvl8pPr>
+                      <a:lvl9pPr marL="3886200" indent="-228600" defTabSz="449263" eaLnBrk="0" fontAlgn="base" hangingPunct="0">
+                        <a:spcBef>
+                          <a:spcPts val="500"/>
+                        </a:spcBef>
+                        <a:spcAft>
+                          <a:spcPct val="0"/>
+                        </a:spcAft>
+                        <a:buClr>
+                          <a:srgbClr val="000000"/>
+                        </a:buClr>
+                        <a:buSzPct val="100000"/>
+                        <a:buFont typeface="Times New Roman" pitchFamily="18" charset="0"/>
+                        <a:tabLst>
+                          <a:tab pos="0" algn="l"/>
+                          <a:tab pos="914400" algn="l"/>
+                          <a:tab pos="1828800" algn="l"/>
+                          <a:tab pos="2743200" algn="l"/>
+                          <a:tab pos="3657600" algn="l"/>
+                          <a:tab pos="4572000" algn="l"/>
+                          <a:tab pos="5486400" algn="l"/>
+                          <a:tab pos="6400800" algn="l"/>
+                          <a:tab pos="7315200" algn="l"/>
+                          <a:tab pos="8229600" algn="l"/>
+                          <a:tab pos="9144000" algn="l"/>
+                          <a:tab pos="10058400" algn="l"/>
+                        </a:tabLst>
+                        <a:defRPr>
+                          <a:solidFill>
+                            <a:srgbClr val="000000"/>
+                          </a:solidFill>
+                          <a:latin typeface="Tahoma" pitchFamily="34" charset="0"/>
+                          <a:ea typeface="DejaVu Sans" charset="0"/>
+                          <a:cs typeface="DejaVu Sans" charset="0"/>
+                        </a:defRPr>
+                      </a:lvl9pPr>
+                    </a:lstStyle>
+                    <a:p>
+                      <a:pPr marL="0" marR="0" lvl="0" indent="0" algn="l" defTabSz="449263" rtl="0" eaLnBrk="1" fontAlgn="base" latinLnBrk="0" hangingPunct="1">
+                        <a:lnSpc>
+                          <a:spcPct val="98000"/>
+                        </a:lnSpc>
+                        <a:spcBef>
+                          <a:spcPct val="0"/>
+                        </a:spcBef>
+                        <a:spcAft>
+                          <a:spcPct val="0"/>
+                        </a:spcAft>
+                        <a:buClrTx/>
+                        <a:buSzPct val="100000"/>
+                        <a:buFontTx/>
+                        <a:buNone/>
+                        <a:tabLst>
+                          <a:tab pos="0" algn="l"/>
+                          <a:tab pos="914400" algn="l"/>
+                          <a:tab pos="1828800" algn="l"/>
+                          <a:tab pos="2743200" algn="l"/>
+                          <a:tab pos="3657600" algn="l"/>
+                          <a:tab pos="4572000" algn="l"/>
+                          <a:tab pos="5486400" algn="l"/>
+                          <a:tab pos="6400800" algn="l"/>
+                          <a:tab pos="7315200" algn="l"/>
+                          <a:tab pos="8229600" algn="l"/>
+                          <a:tab pos="9144000" algn="l"/>
+                          <a:tab pos="10058400" algn="l"/>
+                        </a:tabLst>
+                      </a:pPr>
+                      <a:r>
+                        <a:rPr kumimoji="0" lang="pt-BR" altLang="pt-BR" sz="1400" b="1" i="0" u="none" strike="noStrike" cap="none" normalizeH="0" baseline="0" dirty="0">
+                          <a:ln>
+                            <a:noFill/>
+                          </a:ln>
+                          <a:solidFill>
+                            <a:srgbClr val="000000"/>
+                          </a:solidFill>
+                          <a:effectLst/>
+                          <a:latin typeface="Tahoma" pitchFamily="34" charset="0"/>
+                          <a:ea typeface="DejaVu Sans" charset="0"/>
+                          <a:cs typeface="DejaVu Sans" charset="0"/>
+                        </a:rPr>
+                        <a:t>3. Informar a informações do lançamento bem como o tipo (“lançamento”). inserindo os campos “conta” e “conta destino”.</a:t>
+                      </a:r>
+                    </a:p>
+                  </a:txBody>
+                  <a:tcPr marL="90000" marR="90000" marT="49249" marB="45721" horzOverflow="overflow">
+                    <a:lnL w="2880" cap="flat" cmpd="sng" algn="ctr">
+                      <a:solidFill>
+                        <a:srgbClr val="FFFFFF"/>
+                      </a:solidFill>
+                      <a:prstDash val="solid"/>
+                      <a:round/>
+                      <a:headEnd type="none" w="med" len="med"/>
+                      <a:tailEnd type="none" w="med" len="med"/>
+                    </a:lnL>
+                    <a:lnR w="2880" cap="flat" cmpd="sng" algn="ctr">
+                      <a:solidFill>
+                        <a:srgbClr val="FFFFFF"/>
+                      </a:solidFill>
+                      <a:prstDash val="solid"/>
+                      <a:round/>
+                      <a:headEnd type="none" w="med" len="med"/>
+                      <a:tailEnd type="none" w="med" len="med"/>
+                    </a:lnR>
+                    <a:lnT w="2880" cap="flat" cmpd="sng" algn="ctr">
+                      <a:solidFill>
+                        <a:srgbClr val="FFFFFF"/>
+                      </a:solidFill>
+                      <a:prstDash val="solid"/>
+                      <a:round/>
+                      <a:headEnd type="none" w="med" len="med"/>
+                      <a:tailEnd type="none" w="med" len="med"/>
+                    </a:lnT>
+                    <a:lnB w="2880" cap="flat" cmpd="sng" algn="ctr">
+                      <a:solidFill>
+                        <a:srgbClr val="FFFFFF"/>
+                      </a:solidFill>
+                      <a:prstDash val="solid"/>
+                      <a:round/>
+                      <a:headEnd type="none" w="med" len="med"/>
+                      <a:tailEnd type="none" w="med" len="med"/>
+                    </a:lnB>
+                    <a:lnTlToBr>
+                      <a:noFill/>
+                    </a:lnTlToBr>
+                    <a:lnBlToTr>
+                      <a:noFill/>
+                    </a:lnBlToTr>
+                    <a:solidFill>
+                      <a:srgbClr val="CCD1E1"/>
+                    </a:solidFill>
+                  </a:tcPr>
+                </a:tc>
+                <a:tc>
+                  <a:txBody>
+                    <a:bodyPr/>
+                    <a:lstStyle>
+                      <a:lvl1pPr eaLnBrk="0" hangingPunct="0">
+                        <a:spcBef>
+                          <a:spcPts val="800"/>
+                        </a:spcBef>
+                        <a:tabLst>
+                          <a:tab pos="0" algn="l"/>
+                          <a:tab pos="914400" algn="l"/>
+                          <a:tab pos="1828800" algn="l"/>
+                          <a:tab pos="2743200" algn="l"/>
+                          <a:tab pos="3657600" algn="l"/>
+                          <a:tab pos="4572000" algn="l"/>
+                          <a:tab pos="5486400" algn="l"/>
+                          <a:tab pos="6400800" algn="l"/>
+                          <a:tab pos="7315200" algn="l"/>
+                          <a:tab pos="8229600" algn="l"/>
+                          <a:tab pos="9144000" algn="l"/>
+                          <a:tab pos="10058400" algn="l"/>
+                        </a:tabLst>
+                        <a:defRPr>
+                          <a:solidFill>
+                            <a:srgbClr val="000000"/>
+                          </a:solidFill>
+                          <a:latin typeface="Tahoma" pitchFamily="34" charset="0"/>
+                          <a:ea typeface="DejaVu Sans" charset="0"/>
+                          <a:cs typeface="DejaVu Sans" charset="0"/>
+                        </a:defRPr>
+                      </a:lvl1pPr>
+                      <a:lvl2pPr eaLnBrk="0" hangingPunct="0">
+                        <a:spcBef>
+                          <a:spcPts val="700"/>
+                        </a:spcBef>
+                        <a:tabLst>
+                          <a:tab pos="0" algn="l"/>
+                          <a:tab pos="914400" algn="l"/>
+                          <a:tab pos="1828800" algn="l"/>
+                          <a:tab pos="2743200" algn="l"/>
+                          <a:tab pos="3657600" algn="l"/>
+                          <a:tab pos="4572000" algn="l"/>
+                          <a:tab pos="5486400" algn="l"/>
+                          <a:tab pos="6400800" algn="l"/>
+                          <a:tab pos="7315200" algn="l"/>
+                          <a:tab pos="8229600" algn="l"/>
+                          <a:tab pos="9144000" algn="l"/>
+                          <a:tab pos="10058400" algn="l"/>
+                        </a:tabLst>
+                        <a:defRPr sz="2400">
+                          <a:solidFill>
+                            <a:srgbClr val="000000"/>
+                          </a:solidFill>
+                          <a:latin typeface="Tahoma" pitchFamily="34" charset="0"/>
+                          <a:ea typeface="DejaVu Sans" charset="0"/>
+                          <a:cs typeface="DejaVu Sans" charset="0"/>
+                        </a:defRPr>
+                      </a:lvl2pPr>
+                      <a:lvl3pPr eaLnBrk="0" hangingPunct="0">
+                        <a:spcBef>
+                          <a:spcPts val="600"/>
+                        </a:spcBef>
+                        <a:tabLst>
+                          <a:tab pos="0" algn="l"/>
+                          <a:tab pos="914400" algn="l"/>
+                          <a:tab pos="1828800" algn="l"/>
+                          <a:tab pos="2743200" algn="l"/>
+                          <a:tab pos="3657600" algn="l"/>
+                          <a:tab pos="4572000" algn="l"/>
+                          <a:tab pos="5486400" algn="l"/>
+                          <a:tab pos="6400800" algn="l"/>
+                          <a:tab pos="7315200" algn="l"/>
+                          <a:tab pos="8229600" algn="l"/>
+                          <a:tab pos="9144000" algn="l"/>
+                          <a:tab pos="10058400" algn="l"/>
+                        </a:tabLst>
+                        <a:defRPr sz="2000">
+                          <a:solidFill>
+                            <a:srgbClr val="000000"/>
+                          </a:solidFill>
+                          <a:latin typeface="Tahoma" pitchFamily="34" charset="0"/>
+                          <a:ea typeface="DejaVu Sans" charset="0"/>
+                          <a:cs typeface="DejaVu Sans" charset="0"/>
+                        </a:defRPr>
+                      </a:lvl3pPr>
+                      <a:lvl4pPr eaLnBrk="0" hangingPunct="0">
+                        <a:spcBef>
+                          <a:spcPts val="500"/>
+                        </a:spcBef>
+                        <a:tabLst>
+                          <a:tab pos="0" algn="l"/>
+                          <a:tab pos="914400" algn="l"/>
+                          <a:tab pos="1828800" algn="l"/>
+                          <a:tab pos="2743200" algn="l"/>
+                          <a:tab pos="3657600" algn="l"/>
+                          <a:tab pos="4572000" algn="l"/>
+                          <a:tab pos="5486400" algn="l"/>
+                          <a:tab pos="6400800" algn="l"/>
+                          <a:tab pos="7315200" algn="l"/>
+                          <a:tab pos="8229600" algn="l"/>
+                          <a:tab pos="9144000" algn="l"/>
+                          <a:tab pos="10058400" algn="l"/>
+                        </a:tabLst>
+                        <a:defRPr>
+                          <a:solidFill>
+                            <a:srgbClr val="000000"/>
+                          </a:solidFill>
+                          <a:latin typeface="Tahoma" pitchFamily="34" charset="0"/>
+                          <a:ea typeface="DejaVu Sans" charset="0"/>
+                          <a:cs typeface="DejaVu Sans" charset="0"/>
+                        </a:defRPr>
+                      </a:lvl4pPr>
+                      <a:lvl5pPr eaLnBrk="0" hangingPunct="0">
+                        <a:spcBef>
+                          <a:spcPts val="500"/>
+                        </a:spcBef>
+                        <a:tabLst>
+                          <a:tab pos="0" algn="l"/>
+                          <a:tab pos="914400" algn="l"/>
+                          <a:tab pos="1828800" algn="l"/>
+                          <a:tab pos="2743200" algn="l"/>
+                          <a:tab pos="3657600" algn="l"/>
+                          <a:tab pos="4572000" algn="l"/>
+                          <a:tab pos="5486400" algn="l"/>
+                          <a:tab pos="6400800" algn="l"/>
+                          <a:tab pos="7315200" algn="l"/>
+                          <a:tab pos="8229600" algn="l"/>
+                          <a:tab pos="9144000" algn="l"/>
+                          <a:tab pos="10058400" algn="l"/>
+                        </a:tabLst>
+                        <a:defRPr>
+                          <a:solidFill>
+                            <a:srgbClr val="000000"/>
+                          </a:solidFill>
+                          <a:latin typeface="Tahoma" pitchFamily="34" charset="0"/>
+                          <a:ea typeface="DejaVu Sans" charset="0"/>
+                          <a:cs typeface="DejaVu Sans" charset="0"/>
+                        </a:defRPr>
+                      </a:lvl5pPr>
+                      <a:lvl6pPr marL="2514600" indent="-228600" defTabSz="449263" eaLnBrk="0" fontAlgn="base" hangingPunct="0">
+                        <a:spcBef>
+                          <a:spcPts val="500"/>
+                        </a:spcBef>
+                        <a:spcAft>
+                          <a:spcPct val="0"/>
+                        </a:spcAft>
+                        <a:buClr>
+                          <a:srgbClr val="000000"/>
+                        </a:buClr>
+                        <a:buSzPct val="100000"/>
+                        <a:buFont typeface="Times New Roman" pitchFamily="18" charset="0"/>
+                        <a:tabLst>
+                          <a:tab pos="0" algn="l"/>
+                          <a:tab pos="914400" algn="l"/>
+                          <a:tab pos="1828800" algn="l"/>
+                          <a:tab pos="2743200" algn="l"/>
+                          <a:tab pos="3657600" algn="l"/>
+                          <a:tab pos="4572000" algn="l"/>
+                          <a:tab pos="5486400" algn="l"/>
+                          <a:tab pos="6400800" algn="l"/>
+                          <a:tab pos="7315200" algn="l"/>
+                          <a:tab pos="8229600" algn="l"/>
+                          <a:tab pos="9144000" algn="l"/>
+                          <a:tab pos="10058400" algn="l"/>
+                        </a:tabLst>
+                        <a:defRPr>
+                          <a:solidFill>
+                            <a:srgbClr val="000000"/>
+                          </a:solidFill>
+                          <a:latin typeface="Tahoma" pitchFamily="34" charset="0"/>
+                          <a:ea typeface="DejaVu Sans" charset="0"/>
+                          <a:cs typeface="DejaVu Sans" charset="0"/>
+                        </a:defRPr>
+                      </a:lvl6pPr>
+                      <a:lvl7pPr marL="2971800" indent="-228600" defTabSz="449263" eaLnBrk="0" fontAlgn="base" hangingPunct="0">
+                        <a:spcBef>
+                          <a:spcPts val="500"/>
+                        </a:spcBef>
+                        <a:spcAft>
+                          <a:spcPct val="0"/>
+                        </a:spcAft>
+                        <a:buClr>
+                          <a:srgbClr val="000000"/>
+                        </a:buClr>
+                        <a:buSzPct val="100000"/>
+                        <a:buFont typeface="Times New Roman" pitchFamily="18" charset="0"/>
+                        <a:tabLst>
+                          <a:tab pos="0" algn="l"/>
+                          <a:tab pos="914400" algn="l"/>
+                          <a:tab pos="1828800" algn="l"/>
+                          <a:tab pos="2743200" algn="l"/>
+                          <a:tab pos="3657600" algn="l"/>
+                          <a:tab pos="4572000" algn="l"/>
+                          <a:tab pos="5486400" algn="l"/>
+                          <a:tab pos="6400800" algn="l"/>
+                          <a:tab pos="7315200" algn="l"/>
+                          <a:tab pos="8229600" algn="l"/>
+                          <a:tab pos="9144000" algn="l"/>
+                          <a:tab pos="10058400" algn="l"/>
+                        </a:tabLst>
+                        <a:defRPr>
+                          <a:solidFill>
+                            <a:srgbClr val="000000"/>
+                          </a:solidFill>
+                          <a:latin typeface="Tahoma" pitchFamily="34" charset="0"/>
+                          <a:ea typeface="DejaVu Sans" charset="0"/>
+                          <a:cs typeface="DejaVu Sans" charset="0"/>
+                        </a:defRPr>
+                      </a:lvl7pPr>
+                      <a:lvl8pPr marL="3429000" indent="-228600" defTabSz="449263" eaLnBrk="0" fontAlgn="base" hangingPunct="0">
+                        <a:spcBef>
+                          <a:spcPts val="500"/>
+                        </a:spcBef>
+                        <a:spcAft>
+                          <a:spcPct val="0"/>
+                        </a:spcAft>
+                        <a:buClr>
+                          <a:srgbClr val="000000"/>
+                        </a:buClr>
+                        <a:buSzPct val="100000"/>
+                        <a:buFont typeface="Times New Roman" pitchFamily="18" charset="0"/>
+                        <a:tabLst>
+                          <a:tab pos="0" algn="l"/>
+                          <a:tab pos="914400" algn="l"/>
+                          <a:tab pos="1828800" algn="l"/>
+                          <a:tab pos="2743200" algn="l"/>
+                          <a:tab pos="3657600" algn="l"/>
+                          <a:tab pos="4572000" algn="l"/>
+                          <a:tab pos="5486400" algn="l"/>
+                          <a:tab pos="6400800" algn="l"/>
+                          <a:tab pos="7315200" algn="l"/>
+                          <a:tab pos="8229600" algn="l"/>
+                          <a:tab pos="9144000" algn="l"/>
+                          <a:tab pos="10058400" algn="l"/>
+                        </a:tabLst>
+                        <a:defRPr>
+                          <a:solidFill>
+                            <a:srgbClr val="000000"/>
+                          </a:solidFill>
+                          <a:latin typeface="Tahoma" pitchFamily="34" charset="0"/>
+                          <a:ea typeface="DejaVu Sans" charset="0"/>
+                          <a:cs typeface="DejaVu Sans" charset="0"/>
+                        </a:defRPr>
+                      </a:lvl8pPr>
+                      <a:lvl9pPr marL="3886200" indent="-228600" defTabSz="449263" eaLnBrk="0" fontAlgn="base" hangingPunct="0">
+                        <a:spcBef>
+                          <a:spcPts val="500"/>
+                        </a:spcBef>
+                        <a:spcAft>
+                          <a:spcPct val="0"/>
+                        </a:spcAft>
+                        <a:buClr>
+                          <a:srgbClr val="000000"/>
+                        </a:buClr>
+                        <a:buSzPct val="100000"/>
+                        <a:buFont typeface="Times New Roman" pitchFamily="18" charset="0"/>
+                        <a:tabLst>
+                          <a:tab pos="0" algn="l"/>
+                          <a:tab pos="914400" algn="l"/>
+                          <a:tab pos="1828800" algn="l"/>
+                          <a:tab pos="2743200" algn="l"/>
+                          <a:tab pos="3657600" algn="l"/>
+                          <a:tab pos="4572000" algn="l"/>
+                          <a:tab pos="5486400" algn="l"/>
+                          <a:tab pos="6400800" algn="l"/>
+                          <a:tab pos="7315200" algn="l"/>
+                          <a:tab pos="8229600" algn="l"/>
+                          <a:tab pos="9144000" algn="l"/>
+                          <a:tab pos="10058400" algn="l"/>
+                        </a:tabLst>
+                        <a:defRPr>
+                          <a:solidFill>
+                            <a:srgbClr val="000000"/>
+                          </a:solidFill>
+                          <a:latin typeface="Tahoma" pitchFamily="34" charset="0"/>
+                          <a:ea typeface="DejaVu Sans" charset="0"/>
+                          <a:cs typeface="DejaVu Sans" charset="0"/>
+                        </a:defRPr>
+                      </a:lvl9pPr>
+                    </a:lstStyle>
+                    <a:p>
+                      <a:pPr marL="0" marR="0" lvl="0" indent="0" algn="l" defTabSz="449263" rtl="0" eaLnBrk="1" fontAlgn="base" latinLnBrk="0" hangingPunct="1">
+                        <a:lnSpc>
+                          <a:spcPct val="98000"/>
+                        </a:lnSpc>
+                        <a:spcBef>
+                          <a:spcPct val="0"/>
+                        </a:spcBef>
+                        <a:spcAft>
+                          <a:spcPct val="0"/>
+                        </a:spcAft>
+                        <a:buClrTx/>
+                        <a:buSzPct val="100000"/>
+                        <a:buFontTx/>
+                        <a:buNone/>
+                        <a:tabLst>
+                          <a:tab pos="0" algn="l"/>
+                          <a:tab pos="914400" algn="l"/>
+                          <a:tab pos="1828800" algn="l"/>
+                          <a:tab pos="2743200" algn="l"/>
+                          <a:tab pos="3657600" algn="l"/>
+                          <a:tab pos="4572000" algn="l"/>
+                          <a:tab pos="5486400" algn="l"/>
+                          <a:tab pos="6400800" algn="l"/>
+                          <a:tab pos="7315200" algn="l"/>
+                          <a:tab pos="8229600" algn="l"/>
+                          <a:tab pos="9144000" algn="l"/>
+                          <a:tab pos="10058400" algn="l"/>
+                        </a:tabLst>
+                      </a:pPr>
+                      <a:r>
+                        <a:rPr kumimoji="0" lang="pt-BR" altLang="pt-BR" sz="1400" b="1" i="0" u="none" strike="noStrike" cap="none" normalizeH="0" baseline="0" dirty="0">
+                          <a:ln>
+                            <a:noFill/>
+                          </a:ln>
+                          <a:solidFill>
+                            <a:srgbClr val="000000"/>
+                          </a:solidFill>
+                          <a:effectLst/>
+                          <a:latin typeface="Tahoma" pitchFamily="34" charset="0"/>
+                          <a:ea typeface="DejaVu Sans" charset="0"/>
+                          <a:cs typeface="DejaVu Sans" charset="0"/>
+                        </a:rPr>
+                        <a:t>O sistema emite a seguinte</a:t>
+                      </a:r>
+                    </a:p>
+                    <a:p>
+                      <a:pPr marL="0" marR="0" lvl="0" indent="0" algn="l" defTabSz="449263" rtl="0" eaLnBrk="1" fontAlgn="base" latinLnBrk="0" hangingPunct="1">
+                        <a:lnSpc>
+                          <a:spcPct val="98000"/>
+                        </a:lnSpc>
+                        <a:spcBef>
+                          <a:spcPct val="0"/>
+                        </a:spcBef>
+                        <a:spcAft>
+                          <a:spcPct val="0"/>
+                        </a:spcAft>
+                        <a:buClrTx/>
+                        <a:buSzPct val="100000"/>
+                        <a:buFontTx/>
+                        <a:buNone/>
+                        <a:tabLst>
+                          <a:tab pos="0" algn="l"/>
+                          <a:tab pos="914400" algn="l"/>
+                          <a:tab pos="1828800" algn="l"/>
+                          <a:tab pos="2743200" algn="l"/>
+                          <a:tab pos="3657600" algn="l"/>
+                          <a:tab pos="4572000" algn="l"/>
+                          <a:tab pos="5486400" algn="l"/>
+                          <a:tab pos="6400800" algn="l"/>
+                          <a:tab pos="7315200" algn="l"/>
+                          <a:tab pos="8229600" algn="l"/>
+                          <a:tab pos="9144000" algn="l"/>
+                          <a:tab pos="10058400" algn="l"/>
+                        </a:tabLst>
+                      </a:pPr>
+                      <a:r>
+                        <a:rPr kumimoji="0" lang="pt-BR" altLang="pt-BR" sz="1400" b="1" i="0" u="none" strike="noStrike" cap="none" normalizeH="0" baseline="0" dirty="0">
+                          <a:ln>
+                            <a:noFill/>
+                          </a:ln>
+                          <a:solidFill>
+                            <a:srgbClr val="000000"/>
+                          </a:solidFill>
+                          <a:effectLst/>
+                          <a:latin typeface="Tahoma" pitchFamily="34" charset="0"/>
+                          <a:ea typeface="DejaVu Sans" charset="0"/>
+                          <a:cs typeface="DejaVu Sans" charset="0"/>
+                        </a:rPr>
+                        <a:t>mensagem: “Salvo com sucesso”.</a:t>
+                      </a:r>
+                    </a:p>
+                  </a:txBody>
+                  <a:tcPr marL="90000" marR="90000" marT="49249" marB="45721" horzOverflow="overflow">
+                    <a:lnL w="2880" cap="flat" cmpd="sng" algn="ctr">
+                      <a:solidFill>
+                        <a:srgbClr val="FFFFFF"/>
+                      </a:solidFill>
+                      <a:prstDash val="solid"/>
+                      <a:round/>
+                      <a:headEnd type="none" w="med" len="med"/>
+                      <a:tailEnd type="none" w="med" len="med"/>
+                    </a:lnL>
+                    <a:lnR w="2880" cap="flat" cmpd="sng" algn="ctr">
+                      <a:solidFill>
+                        <a:srgbClr val="FFFFFF"/>
+                      </a:solidFill>
+                      <a:prstDash val="solid"/>
+                      <a:round/>
+                      <a:headEnd type="none" w="med" len="med"/>
+                      <a:tailEnd type="none" w="med" len="med"/>
+                    </a:lnR>
+                    <a:lnT w="2880" cap="flat" cmpd="sng" algn="ctr">
+                      <a:solidFill>
+                        <a:srgbClr val="FFFFFF"/>
+                      </a:solidFill>
+                      <a:prstDash val="solid"/>
+                      <a:round/>
+                      <a:headEnd type="none" w="med" len="med"/>
+                      <a:tailEnd type="none" w="med" len="med"/>
+                    </a:lnT>
+                    <a:lnB w="2880" cap="flat" cmpd="sng" algn="ctr">
+                      <a:solidFill>
+                        <a:srgbClr val="FFFFFF"/>
+                      </a:solidFill>
+                      <a:prstDash val="solid"/>
+                      <a:round/>
+                      <a:headEnd type="none" w="med" len="med"/>
+                      <a:tailEnd type="none" w="med" len="med"/>
+                    </a:lnB>
+                    <a:lnTlToBr>
+                      <a:noFill/>
+                    </a:lnTlToBr>
+                    <a:lnBlToTr>
+                      <a:noFill/>
+                    </a:lnBlToTr>
+                    <a:solidFill>
+                      <a:srgbClr val="CCD1E1"/>
+                    </a:solidFill>
+                  </a:tcPr>
+                </a:tc>
+                <a:extLst>
+                  <a:ext uri="{0D108BD9-81ED-4DB2-BD59-A6C34878D82A}">
+                    <a16:rowId xmlns:a16="http://schemas.microsoft.com/office/drawing/2014/main" val="1244897409"/>
                   </a:ext>
                 </a:extLst>
               </a:tr>
@@ -11469,21 +16341,6 @@
                         <a:defRPr/>
                       </a:pPr>
                       <a:r>
-                        <a:rPr kumimoji="0" lang="pt-BR" altLang="pt-BR" sz="1800" b="0" i="0" u="none" strike="noStrike" kern="1200" cap="none" normalizeH="0" baseline="0" dirty="0" smtClean="0">
-                          <a:ln>
-                            <a:noFill/>
-                          </a:ln>
-                          <a:solidFill>
-                            <a:srgbClr val="FFFFFF"/>
-                          </a:solidFill>
-                          <a:effectLst/>
-                          <a:latin typeface="Tahoma" pitchFamily="34" charset="0"/>
-                          <a:ea typeface="DejaVu Sans" charset="0"/>
-                          <a:cs typeface="DejaVu Sans" charset="0"/>
-                        </a:rPr>
-                        <a:t>CT03.3 </a:t>
-                      </a:r>
-                      <a:r>
                         <a:rPr kumimoji="0" lang="pt-BR" altLang="pt-BR" sz="1800" b="0" i="0" u="none" strike="noStrike" kern="1200" cap="none" normalizeH="0" baseline="0" dirty="0">
                           <a:ln>
                             <a:noFill/>
@@ -11496,7 +16353,7 @@
                           <a:ea typeface="DejaVu Sans" charset="0"/>
                           <a:cs typeface="DejaVu Sans" charset="0"/>
                         </a:rPr>
-                        <a:t>– </a:t>
+                        <a:t>CT03.3 – </a:t>
                       </a:r>
                       <a:r>
                         <a:rPr kumimoji="0" lang="pt-BR" altLang="pt-BR" sz="1800" b="0" i="0" u="none" strike="noStrike" kern="1200" cap="none" normalizeH="0" baseline="0" dirty="0">
@@ -14968,6 +19825,1660 @@
                 <a:extLst>
                   <a:ext uri="{0D108BD9-81ED-4DB2-BD59-A6C34878D82A}">
                     <a16:rowId xmlns:a16="http://schemas.microsoft.com/office/drawing/2014/main" val="10005"/>
+                  </a:ext>
+                </a:extLst>
+              </a:tr>
+            </a:tbl>
+          </a:graphicData>
+        </a:graphic>
+      </p:graphicFrame>
+      <p:graphicFrame>
+        <p:nvGraphicFramePr>
+          <p:cNvPr id="2" name="Tabela 1">
+            <a:extLst>
+              <a:ext uri="{FF2B5EF4-FFF2-40B4-BE49-F238E27FC236}">
+                <a16:creationId xmlns:a16="http://schemas.microsoft.com/office/drawing/2014/main" id="{51B40BFB-B789-4D80-8104-3F4775EADF3A}"/>
+              </a:ext>
+            </a:extLst>
+          </p:cNvPr>
+          <p:cNvGraphicFramePr>
+            <a:graphicFrameLocks noGrp="1"/>
+          </p:cNvGraphicFramePr>
+          <p:nvPr>
+            <p:extLst>
+              <p:ext uri="{D42A27DB-BD31-4B8C-83A1-F6EECF244321}">
+                <p14:modId xmlns:p14="http://schemas.microsoft.com/office/powerpoint/2010/main" val="2394482259"/>
+              </p:ext>
+            </p:extLst>
+          </p:nvPr>
+        </p:nvGraphicFramePr>
+        <p:xfrm>
+          <a:off x="3047206" y="2715337"/>
+          <a:ext cx="6097588" cy="1889180"/>
+        </p:xfrm>
+        <a:graphic>
+          <a:graphicData uri="http://schemas.openxmlformats.org/drawingml/2006/table">
+            <a:tbl>
+              <a:tblPr/>
+              <a:tblGrid>
+                <a:gridCol w="3049588">
+                  <a:extLst>
+                    <a:ext uri="{9D8B030D-6E8A-4147-A177-3AD203B41FA5}">
+                      <a16:colId xmlns:a16="http://schemas.microsoft.com/office/drawing/2014/main" val="1673211099"/>
+                    </a:ext>
+                  </a:extLst>
+                </a:gridCol>
+                <a:gridCol w="3048000">
+                  <a:extLst>
+                    <a:ext uri="{9D8B030D-6E8A-4147-A177-3AD203B41FA5}">
+                      <a16:colId xmlns:a16="http://schemas.microsoft.com/office/drawing/2014/main" val="3315908778"/>
+                    </a:ext>
+                  </a:extLst>
+                </a:gridCol>
+              </a:tblGrid>
+              <a:tr h="731859">
+                <a:tc>
+                  <a:txBody>
+                    <a:bodyPr/>
+                    <a:lstStyle>
+                      <a:lvl1pPr eaLnBrk="0" hangingPunct="0">
+                        <a:spcBef>
+                          <a:spcPts val="800"/>
+                        </a:spcBef>
+                        <a:tabLst>
+                          <a:tab pos="0" algn="l"/>
+                          <a:tab pos="914400" algn="l"/>
+                          <a:tab pos="1828800" algn="l"/>
+                          <a:tab pos="2743200" algn="l"/>
+                          <a:tab pos="3657600" algn="l"/>
+                          <a:tab pos="4572000" algn="l"/>
+                          <a:tab pos="5486400" algn="l"/>
+                          <a:tab pos="6400800" algn="l"/>
+                          <a:tab pos="7315200" algn="l"/>
+                          <a:tab pos="8229600" algn="l"/>
+                          <a:tab pos="9144000" algn="l"/>
+                          <a:tab pos="10058400" algn="l"/>
+                        </a:tabLst>
+                        <a:defRPr>
+                          <a:solidFill>
+                            <a:srgbClr val="000000"/>
+                          </a:solidFill>
+                          <a:latin typeface="Tahoma" pitchFamily="34" charset="0"/>
+                          <a:ea typeface="DejaVu Sans" charset="0"/>
+                          <a:cs typeface="DejaVu Sans" charset="0"/>
+                        </a:defRPr>
+                      </a:lvl1pPr>
+                      <a:lvl2pPr eaLnBrk="0" hangingPunct="0">
+                        <a:spcBef>
+                          <a:spcPts val="700"/>
+                        </a:spcBef>
+                        <a:tabLst>
+                          <a:tab pos="0" algn="l"/>
+                          <a:tab pos="914400" algn="l"/>
+                          <a:tab pos="1828800" algn="l"/>
+                          <a:tab pos="2743200" algn="l"/>
+                          <a:tab pos="3657600" algn="l"/>
+                          <a:tab pos="4572000" algn="l"/>
+                          <a:tab pos="5486400" algn="l"/>
+                          <a:tab pos="6400800" algn="l"/>
+                          <a:tab pos="7315200" algn="l"/>
+                          <a:tab pos="8229600" algn="l"/>
+                          <a:tab pos="9144000" algn="l"/>
+                          <a:tab pos="10058400" algn="l"/>
+                        </a:tabLst>
+                        <a:defRPr sz="2400">
+                          <a:solidFill>
+                            <a:srgbClr val="000000"/>
+                          </a:solidFill>
+                          <a:latin typeface="Tahoma" pitchFamily="34" charset="0"/>
+                          <a:ea typeface="DejaVu Sans" charset="0"/>
+                          <a:cs typeface="DejaVu Sans" charset="0"/>
+                        </a:defRPr>
+                      </a:lvl2pPr>
+                      <a:lvl3pPr eaLnBrk="0" hangingPunct="0">
+                        <a:spcBef>
+                          <a:spcPts val="600"/>
+                        </a:spcBef>
+                        <a:tabLst>
+                          <a:tab pos="0" algn="l"/>
+                          <a:tab pos="914400" algn="l"/>
+                          <a:tab pos="1828800" algn="l"/>
+                          <a:tab pos="2743200" algn="l"/>
+                          <a:tab pos="3657600" algn="l"/>
+                          <a:tab pos="4572000" algn="l"/>
+                          <a:tab pos="5486400" algn="l"/>
+                          <a:tab pos="6400800" algn="l"/>
+                          <a:tab pos="7315200" algn="l"/>
+                          <a:tab pos="8229600" algn="l"/>
+                          <a:tab pos="9144000" algn="l"/>
+                          <a:tab pos="10058400" algn="l"/>
+                        </a:tabLst>
+                        <a:defRPr sz="2000">
+                          <a:solidFill>
+                            <a:srgbClr val="000000"/>
+                          </a:solidFill>
+                          <a:latin typeface="Tahoma" pitchFamily="34" charset="0"/>
+                          <a:ea typeface="DejaVu Sans" charset="0"/>
+                          <a:cs typeface="DejaVu Sans" charset="0"/>
+                        </a:defRPr>
+                      </a:lvl3pPr>
+                      <a:lvl4pPr eaLnBrk="0" hangingPunct="0">
+                        <a:spcBef>
+                          <a:spcPts val="500"/>
+                        </a:spcBef>
+                        <a:tabLst>
+                          <a:tab pos="0" algn="l"/>
+                          <a:tab pos="914400" algn="l"/>
+                          <a:tab pos="1828800" algn="l"/>
+                          <a:tab pos="2743200" algn="l"/>
+                          <a:tab pos="3657600" algn="l"/>
+                          <a:tab pos="4572000" algn="l"/>
+                          <a:tab pos="5486400" algn="l"/>
+                          <a:tab pos="6400800" algn="l"/>
+                          <a:tab pos="7315200" algn="l"/>
+                          <a:tab pos="8229600" algn="l"/>
+                          <a:tab pos="9144000" algn="l"/>
+                          <a:tab pos="10058400" algn="l"/>
+                        </a:tabLst>
+                        <a:defRPr>
+                          <a:solidFill>
+                            <a:srgbClr val="000000"/>
+                          </a:solidFill>
+                          <a:latin typeface="Tahoma" pitchFamily="34" charset="0"/>
+                          <a:ea typeface="DejaVu Sans" charset="0"/>
+                          <a:cs typeface="DejaVu Sans" charset="0"/>
+                        </a:defRPr>
+                      </a:lvl4pPr>
+                      <a:lvl5pPr eaLnBrk="0" hangingPunct="0">
+                        <a:spcBef>
+                          <a:spcPts val="500"/>
+                        </a:spcBef>
+                        <a:tabLst>
+                          <a:tab pos="0" algn="l"/>
+                          <a:tab pos="914400" algn="l"/>
+                          <a:tab pos="1828800" algn="l"/>
+                          <a:tab pos="2743200" algn="l"/>
+                          <a:tab pos="3657600" algn="l"/>
+                          <a:tab pos="4572000" algn="l"/>
+                          <a:tab pos="5486400" algn="l"/>
+                          <a:tab pos="6400800" algn="l"/>
+                          <a:tab pos="7315200" algn="l"/>
+                          <a:tab pos="8229600" algn="l"/>
+                          <a:tab pos="9144000" algn="l"/>
+                          <a:tab pos="10058400" algn="l"/>
+                        </a:tabLst>
+                        <a:defRPr>
+                          <a:solidFill>
+                            <a:srgbClr val="000000"/>
+                          </a:solidFill>
+                          <a:latin typeface="Tahoma" pitchFamily="34" charset="0"/>
+                          <a:ea typeface="DejaVu Sans" charset="0"/>
+                          <a:cs typeface="DejaVu Sans" charset="0"/>
+                        </a:defRPr>
+                      </a:lvl5pPr>
+                      <a:lvl6pPr marL="2514600" indent="-228600" defTabSz="449263" eaLnBrk="0" fontAlgn="base" hangingPunct="0">
+                        <a:spcBef>
+                          <a:spcPts val="500"/>
+                        </a:spcBef>
+                        <a:spcAft>
+                          <a:spcPct val="0"/>
+                        </a:spcAft>
+                        <a:buClr>
+                          <a:srgbClr val="000000"/>
+                        </a:buClr>
+                        <a:buSzPct val="100000"/>
+                        <a:buFont typeface="Times New Roman" pitchFamily="18" charset="0"/>
+                        <a:tabLst>
+                          <a:tab pos="0" algn="l"/>
+                          <a:tab pos="914400" algn="l"/>
+                          <a:tab pos="1828800" algn="l"/>
+                          <a:tab pos="2743200" algn="l"/>
+                          <a:tab pos="3657600" algn="l"/>
+                          <a:tab pos="4572000" algn="l"/>
+                          <a:tab pos="5486400" algn="l"/>
+                          <a:tab pos="6400800" algn="l"/>
+                          <a:tab pos="7315200" algn="l"/>
+                          <a:tab pos="8229600" algn="l"/>
+                          <a:tab pos="9144000" algn="l"/>
+                          <a:tab pos="10058400" algn="l"/>
+                        </a:tabLst>
+                        <a:defRPr>
+                          <a:solidFill>
+                            <a:srgbClr val="000000"/>
+                          </a:solidFill>
+                          <a:latin typeface="Tahoma" pitchFamily="34" charset="0"/>
+                          <a:ea typeface="DejaVu Sans" charset="0"/>
+                          <a:cs typeface="DejaVu Sans" charset="0"/>
+                        </a:defRPr>
+                      </a:lvl6pPr>
+                      <a:lvl7pPr marL="2971800" indent="-228600" defTabSz="449263" eaLnBrk="0" fontAlgn="base" hangingPunct="0">
+                        <a:spcBef>
+                          <a:spcPts val="500"/>
+                        </a:spcBef>
+                        <a:spcAft>
+                          <a:spcPct val="0"/>
+                        </a:spcAft>
+                        <a:buClr>
+                          <a:srgbClr val="000000"/>
+                        </a:buClr>
+                        <a:buSzPct val="100000"/>
+                        <a:buFont typeface="Times New Roman" pitchFamily="18" charset="0"/>
+                        <a:tabLst>
+                          <a:tab pos="0" algn="l"/>
+                          <a:tab pos="914400" algn="l"/>
+                          <a:tab pos="1828800" algn="l"/>
+                          <a:tab pos="2743200" algn="l"/>
+                          <a:tab pos="3657600" algn="l"/>
+                          <a:tab pos="4572000" algn="l"/>
+                          <a:tab pos="5486400" algn="l"/>
+                          <a:tab pos="6400800" algn="l"/>
+                          <a:tab pos="7315200" algn="l"/>
+                          <a:tab pos="8229600" algn="l"/>
+                          <a:tab pos="9144000" algn="l"/>
+                          <a:tab pos="10058400" algn="l"/>
+                        </a:tabLst>
+                        <a:defRPr>
+                          <a:solidFill>
+                            <a:srgbClr val="000000"/>
+                          </a:solidFill>
+                          <a:latin typeface="Tahoma" pitchFamily="34" charset="0"/>
+                          <a:ea typeface="DejaVu Sans" charset="0"/>
+                          <a:cs typeface="DejaVu Sans" charset="0"/>
+                        </a:defRPr>
+                      </a:lvl7pPr>
+                      <a:lvl8pPr marL="3429000" indent="-228600" defTabSz="449263" eaLnBrk="0" fontAlgn="base" hangingPunct="0">
+                        <a:spcBef>
+                          <a:spcPts val="500"/>
+                        </a:spcBef>
+                        <a:spcAft>
+                          <a:spcPct val="0"/>
+                        </a:spcAft>
+                        <a:buClr>
+                          <a:srgbClr val="000000"/>
+                        </a:buClr>
+                        <a:buSzPct val="100000"/>
+                        <a:buFont typeface="Times New Roman" pitchFamily="18" charset="0"/>
+                        <a:tabLst>
+                          <a:tab pos="0" algn="l"/>
+                          <a:tab pos="914400" algn="l"/>
+                          <a:tab pos="1828800" algn="l"/>
+                          <a:tab pos="2743200" algn="l"/>
+                          <a:tab pos="3657600" algn="l"/>
+                          <a:tab pos="4572000" algn="l"/>
+                          <a:tab pos="5486400" algn="l"/>
+                          <a:tab pos="6400800" algn="l"/>
+                          <a:tab pos="7315200" algn="l"/>
+                          <a:tab pos="8229600" algn="l"/>
+                          <a:tab pos="9144000" algn="l"/>
+                          <a:tab pos="10058400" algn="l"/>
+                        </a:tabLst>
+                        <a:defRPr>
+                          <a:solidFill>
+                            <a:srgbClr val="000000"/>
+                          </a:solidFill>
+                          <a:latin typeface="Tahoma" pitchFamily="34" charset="0"/>
+                          <a:ea typeface="DejaVu Sans" charset="0"/>
+                          <a:cs typeface="DejaVu Sans" charset="0"/>
+                        </a:defRPr>
+                      </a:lvl8pPr>
+                      <a:lvl9pPr marL="3886200" indent="-228600" defTabSz="449263" eaLnBrk="0" fontAlgn="base" hangingPunct="0">
+                        <a:spcBef>
+                          <a:spcPts val="500"/>
+                        </a:spcBef>
+                        <a:spcAft>
+                          <a:spcPct val="0"/>
+                        </a:spcAft>
+                        <a:buClr>
+                          <a:srgbClr val="000000"/>
+                        </a:buClr>
+                        <a:buSzPct val="100000"/>
+                        <a:buFont typeface="Times New Roman" pitchFamily="18" charset="0"/>
+                        <a:tabLst>
+                          <a:tab pos="0" algn="l"/>
+                          <a:tab pos="914400" algn="l"/>
+                          <a:tab pos="1828800" algn="l"/>
+                          <a:tab pos="2743200" algn="l"/>
+                          <a:tab pos="3657600" algn="l"/>
+                          <a:tab pos="4572000" algn="l"/>
+                          <a:tab pos="5486400" algn="l"/>
+                          <a:tab pos="6400800" algn="l"/>
+                          <a:tab pos="7315200" algn="l"/>
+                          <a:tab pos="8229600" algn="l"/>
+                          <a:tab pos="9144000" algn="l"/>
+                          <a:tab pos="10058400" algn="l"/>
+                        </a:tabLst>
+                        <a:defRPr>
+                          <a:solidFill>
+                            <a:srgbClr val="000000"/>
+                          </a:solidFill>
+                          <a:latin typeface="Tahoma" pitchFamily="34" charset="0"/>
+                          <a:ea typeface="DejaVu Sans" charset="0"/>
+                          <a:cs typeface="DejaVu Sans" charset="0"/>
+                        </a:defRPr>
+                      </a:lvl9pPr>
+                    </a:lstStyle>
+                    <a:p>
+                      <a:pPr marL="0" marR="0" lvl="0" indent="0" algn="l" defTabSz="449263" rtl="0" eaLnBrk="1" fontAlgn="base" latinLnBrk="0" hangingPunct="1">
+                        <a:lnSpc>
+                          <a:spcPct val="98000"/>
+                        </a:lnSpc>
+                        <a:spcBef>
+                          <a:spcPct val="0"/>
+                        </a:spcBef>
+                        <a:spcAft>
+                          <a:spcPct val="0"/>
+                        </a:spcAft>
+                        <a:buClrTx/>
+                        <a:buSzPct val="100000"/>
+                        <a:buFontTx/>
+                        <a:buNone/>
+                        <a:tabLst>
+                          <a:tab pos="0" algn="l"/>
+                          <a:tab pos="914400" algn="l"/>
+                          <a:tab pos="1828800" algn="l"/>
+                          <a:tab pos="2743200" algn="l"/>
+                          <a:tab pos="3657600" algn="l"/>
+                          <a:tab pos="4572000" algn="l"/>
+                          <a:tab pos="5486400" algn="l"/>
+                          <a:tab pos="6400800" algn="l"/>
+                          <a:tab pos="7315200" algn="l"/>
+                          <a:tab pos="8229600" algn="l"/>
+                          <a:tab pos="9144000" algn="l"/>
+                          <a:tab pos="10058400" algn="l"/>
+                        </a:tabLst>
+                      </a:pPr>
+                      <a:r>
+                        <a:rPr kumimoji="0" lang="pt-BR" altLang="pt-BR" sz="1400" b="1" i="0" u="none" strike="noStrike" cap="none" normalizeH="0" baseline="0" dirty="0">
+                          <a:ln>
+                            <a:noFill/>
+                          </a:ln>
+                          <a:solidFill>
+                            <a:srgbClr val="000000"/>
+                          </a:solidFill>
+                          <a:effectLst/>
+                          <a:latin typeface="Tahoma" pitchFamily="34" charset="0"/>
+                          <a:ea typeface="DejaVu Sans" charset="0"/>
+                          <a:cs typeface="DejaVu Sans" charset="0"/>
+                        </a:rPr>
+                        <a:t>1. Escolher a opção “Criar lançamento”</a:t>
+                      </a:r>
+                    </a:p>
+                  </a:txBody>
+                  <a:tcPr marL="90000" marR="90000" marT="49249" marB="45721" horzOverflow="overflow">
+                    <a:lnL w="2880" cap="flat" cmpd="sng" algn="ctr">
+                      <a:solidFill>
+                        <a:srgbClr val="FFFFFF"/>
+                      </a:solidFill>
+                      <a:prstDash val="solid"/>
+                      <a:round/>
+                      <a:headEnd type="none" w="med" len="med"/>
+                      <a:tailEnd type="none" w="med" len="med"/>
+                    </a:lnL>
+                    <a:lnR w="2880" cap="flat" cmpd="sng" algn="ctr">
+                      <a:solidFill>
+                        <a:srgbClr val="FFFFFF"/>
+                      </a:solidFill>
+                      <a:prstDash val="solid"/>
+                      <a:round/>
+                      <a:headEnd type="none" w="med" len="med"/>
+                      <a:tailEnd type="none" w="med" len="med"/>
+                    </a:lnR>
+                    <a:lnT w="2880" cap="flat" cmpd="sng" algn="ctr">
+                      <a:solidFill>
+                        <a:srgbClr val="FFFFFF"/>
+                      </a:solidFill>
+                      <a:prstDash val="solid"/>
+                      <a:round/>
+                      <a:headEnd type="none" w="med" len="med"/>
+                      <a:tailEnd type="none" w="med" len="med"/>
+                    </a:lnT>
+                    <a:lnB w="2880" cap="flat" cmpd="sng" algn="ctr">
+                      <a:solidFill>
+                        <a:srgbClr val="FFFFFF"/>
+                      </a:solidFill>
+                      <a:prstDash val="solid"/>
+                      <a:round/>
+                      <a:headEnd type="none" w="med" len="med"/>
+                      <a:tailEnd type="none" w="med" len="med"/>
+                    </a:lnB>
+                    <a:lnTlToBr>
+                      <a:noFill/>
+                    </a:lnTlToBr>
+                    <a:lnBlToTr>
+                      <a:noFill/>
+                    </a:lnBlToTr>
+                    <a:solidFill>
+                      <a:srgbClr val="CCD1E1"/>
+                    </a:solidFill>
+                  </a:tcPr>
+                </a:tc>
+                <a:tc>
+                  <a:txBody>
+                    <a:bodyPr/>
+                    <a:lstStyle>
+                      <a:lvl1pPr eaLnBrk="0" hangingPunct="0">
+                        <a:spcBef>
+                          <a:spcPts val="800"/>
+                        </a:spcBef>
+                        <a:tabLst>
+                          <a:tab pos="0" algn="l"/>
+                          <a:tab pos="914400" algn="l"/>
+                          <a:tab pos="1828800" algn="l"/>
+                          <a:tab pos="2743200" algn="l"/>
+                          <a:tab pos="3657600" algn="l"/>
+                          <a:tab pos="4572000" algn="l"/>
+                          <a:tab pos="5486400" algn="l"/>
+                          <a:tab pos="6400800" algn="l"/>
+                          <a:tab pos="7315200" algn="l"/>
+                          <a:tab pos="8229600" algn="l"/>
+                          <a:tab pos="9144000" algn="l"/>
+                          <a:tab pos="10058400" algn="l"/>
+                        </a:tabLst>
+                        <a:defRPr>
+                          <a:solidFill>
+                            <a:srgbClr val="000000"/>
+                          </a:solidFill>
+                          <a:latin typeface="Tahoma" pitchFamily="34" charset="0"/>
+                          <a:ea typeface="DejaVu Sans" charset="0"/>
+                          <a:cs typeface="DejaVu Sans" charset="0"/>
+                        </a:defRPr>
+                      </a:lvl1pPr>
+                      <a:lvl2pPr eaLnBrk="0" hangingPunct="0">
+                        <a:spcBef>
+                          <a:spcPts val="700"/>
+                        </a:spcBef>
+                        <a:tabLst>
+                          <a:tab pos="0" algn="l"/>
+                          <a:tab pos="914400" algn="l"/>
+                          <a:tab pos="1828800" algn="l"/>
+                          <a:tab pos="2743200" algn="l"/>
+                          <a:tab pos="3657600" algn="l"/>
+                          <a:tab pos="4572000" algn="l"/>
+                          <a:tab pos="5486400" algn="l"/>
+                          <a:tab pos="6400800" algn="l"/>
+                          <a:tab pos="7315200" algn="l"/>
+                          <a:tab pos="8229600" algn="l"/>
+                          <a:tab pos="9144000" algn="l"/>
+                          <a:tab pos="10058400" algn="l"/>
+                        </a:tabLst>
+                        <a:defRPr sz="2400">
+                          <a:solidFill>
+                            <a:srgbClr val="000000"/>
+                          </a:solidFill>
+                          <a:latin typeface="Tahoma" pitchFamily="34" charset="0"/>
+                          <a:ea typeface="DejaVu Sans" charset="0"/>
+                          <a:cs typeface="DejaVu Sans" charset="0"/>
+                        </a:defRPr>
+                      </a:lvl2pPr>
+                      <a:lvl3pPr eaLnBrk="0" hangingPunct="0">
+                        <a:spcBef>
+                          <a:spcPts val="600"/>
+                        </a:spcBef>
+                        <a:tabLst>
+                          <a:tab pos="0" algn="l"/>
+                          <a:tab pos="914400" algn="l"/>
+                          <a:tab pos="1828800" algn="l"/>
+                          <a:tab pos="2743200" algn="l"/>
+                          <a:tab pos="3657600" algn="l"/>
+                          <a:tab pos="4572000" algn="l"/>
+                          <a:tab pos="5486400" algn="l"/>
+                          <a:tab pos="6400800" algn="l"/>
+                          <a:tab pos="7315200" algn="l"/>
+                          <a:tab pos="8229600" algn="l"/>
+                          <a:tab pos="9144000" algn="l"/>
+                          <a:tab pos="10058400" algn="l"/>
+                        </a:tabLst>
+                        <a:defRPr sz="2000">
+                          <a:solidFill>
+                            <a:srgbClr val="000000"/>
+                          </a:solidFill>
+                          <a:latin typeface="Tahoma" pitchFamily="34" charset="0"/>
+                          <a:ea typeface="DejaVu Sans" charset="0"/>
+                          <a:cs typeface="DejaVu Sans" charset="0"/>
+                        </a:defRPr>
+                      </a:lvl3pPr>
+                      <a:lvl4pPr eaLnBrk="0" hangingPunct="0">
+                        <a:spcBef>
+                          <a:spcPts val="500"/>
+                        </a:spcBef>
+                        <a:tabLst>
+                          <a:tab pos="0" algn="l"/>
+                          <a:tab pos="914400" algn="l"/>
+                          <a:tab pos="1828800" algn="l"/>
+                          <a:tab pos="2743200" algn="l"/>
+                          <a:tab pos="3657600" algn="l"/>
+                          <a:tab pos="4572000" algn="l"/>
+                          <a:tab pos="5486400" algn="l"/>
+                          <a:tab pos="6400800" algn="l"/>
+                          <a:tab pos="7315200" algn="l"/>
+                          <a:tab pos="8229600" algn="l"/>
+                          <a:tab pos="9144000" algn="l"/>
+                          <a:tab pos="10058400" algn="l"/>
+                        </a:tabLst>
+                        <a:defRPr>
+                          <a:solidFill>
+                            <a:srgbClr val="000000"/>
+                          </a:solidFill>
+                          <a:latin typeface="Tahoma" pitchFamily="34" charset="0"/>
+                          <a:ea typeface="DejaVu Sans" charset="0"/>
+                          <a:cs typeface="DejaVu Sans" charset="0"/>
+                        </a:defRPr>
+                      </a:lvl4pPr>
+                      <a:lvl5pPr eaLnBrk="0" hangingPunct="0">
+                        <a:spcBef>
+                          <a:spcPts val="500"/>
+                        </a:spcBef>
+                        <a:tabLst>
+                          <a:tab pos="0" algn="l"/>
+                          <a:tab pos="914400" algn="l"/>
+                          <a:tab pos="1828800" algn="l"/>
+                          <a:tab pos="2743200" algn="l"/>
+                          <a:tab pos="3657600" algn="l"/>
+                          <a:tab pos="4572000" algn="l"/>
+                          <a:tab pos="5486400" algn="l"/>
+                          <a:tab pos="6400800" algn="l"/>
+                          <a:tab pos="7315200" algn="l"/>
+                          <a:tab pos="8229600" algn="l"/>
+                          <a:tab pos="9144000" algn="l"/>
+                          <a:tab pos="10058400" algn="l"/>
+                        </a:tabLst>
+                        <a:defRPr>
+                          <a:solidFill>
+                            <a:srgbClr val="000000"/>
+                          </a:solidFill>
+                          <a:latin typeface="Tahoma" pitchFamily="34" charset="0"/>
+                          <a:ea typeface="DejaVu Sans" charset="0"/>
+                          <a:cs typeface="DejaVu Sans" charset="0"/>
+                        </a:defRPr>
+                      </a:lvl5pPr>
+                      <a:lvl6pPr marL="2514600" indent="-228600" defTabSz="449263" eaLnBrk="0" fontAlgn="base" hangingPunct="0">
+                        <a:spcBef>
+                          <a:spcPts val="500"/>
+                        </a:spcBef>
+                        <a:spcAft>
+                          <a:spcPct val="0"/>
+                        </a:spcAft>
+                        <a:buClr>
+                          <a:srgbClr val="000000"/>
+                        </a:buClr>
+                        <a:buSzPct val="100000"/>
+                        <a:buFont typeface="Times New Roman" pitchFamily="18" charset="0"/>
+                        <a:tabLst>
+                          <a:tab pos="0" algn="l"/>
+                          <a:tab pos="914400" algn="l"/>
+                          <a:tab pos="1828800" algn="l"/>
+                          <a:tab pos="2743200" algn="l"/>
+                          <a:tab pos="3657600" algn="l"/>
+                          <a:tab pos="4572000" algn="l"/>
+                          <a:tab pos="5486400" algn="l"/>
+                          <a:tab pos="6400800" algn="l"/>
+                          <a:tab pos="7315200" algn="l"/>
+                          <a:tab pos="8229600" algn="l"/>
+                          <a:tab pos="9144000" algn="l"/>
+                          <a:tab pos="10058400" algn="l"/>
+                        </a:tabLst>
+                        <a:defRPr>
+                          <a:solidFill>
+                            <a:srgbClr val="000000"/>
+                          </a:solidFill>
+                          <a:latin typeface="Tahoma" pitchFamily="34" charset="0"/>
+                          <a:ea typeface="DejaVu Sans" charset="0"/>
+                          <a:cs typeface="DejaVu Sans" charset="0"/>
+                        </a:defRPr>
+                      </a:lvl6pPr>
+                      <a:lvl7pPr marL="2971800" indent="-228600" defTabSz="449263" eaLnBrk="0" fontAlgn="base" hangingPunct="0">
+                        <a:spcBef>
+                          <a:spcPts val="500"/>
+                        </a:spcBef>
+                        <a:spcAft>
+                          <a:spcPct val="0"/>
+                        </a:spcAft>
+                        <a:buClr>
+                          <a:srgbClr val="000000"/>
+                        </a:buClr>
+                        <a:buSzPct val="100000"/>
+                        <a:buFont typeface="Times New Roman" pitchFamily="18" charset="0"/>
+                        <a:tabLst>
+                          <a:tab pos="0" algn="l"/>
+                          <a:tab pos="914400" algn="l"/>
+                          <a:tab pos="1828800" algn="l"/>
+                          <a:tab pos="2743200" algn="l"/>
+                          <a:tab pos="3657600" algn="l"/>
+                          <a:tab pos="4572000" algn="l"/>
+                          <a:tab pos="5486400" algn="l"/>
+                          <a:tab pos="6400800" algn="l"/>
+                          <a:tab pos="7315200" algn="l"/>
+                          <a:tab pos="8229600" algn="l"/>
+                          <a:tab pos="9144000" algn="l"/>
+                          <a:tab pos="10058400" algn="l"/>
+                        </a:tabLst>
+                        <a:defRPr>
+                          <a:solidFill>
+                            <a:srgbClr val="000000"/>
+                          </a:solidFill>
+                          <a:latin typeface="Tahoma" pitchFamily="34" charset="0"/>
+                          <a:ea typeface="DejaVu Sans" charset="0"/>
+                          <a:cs typeface="DejaVu Sans" charset="0"/>
+                        </a:defRPr>
+                      </a:lvl7pPr>
+                      <a:lvl8pPr marL="3429000" indent="-228600" defTabSz="449263" eaLnBrk="0" fontAlgn="base" hangingPunct="0">
+                        <a:spcBef>
+                          <a:spcPts val="500"/>
+                        </a:spcBef>
+                        <a:spcAft>
+                          <a:spcPct val="0"/>
+                        </a:spcAft>
+                        <a:buClr>
+                          <a:srgbClr val="000000"/>
+                        </a:buClr>
+                        <a:buSzPct val="100000"/>
+                        <a:buFont typeface="Times New Roman" pitchFamily="18" charset="0"/>
+                        <a:tabLst>
+                          <a:tab pos="0" algn="l"/>
+                          <a:tab pos="914400" algn="l"/>
+                          <a:tab pos="1828800" algn="l"/>
+                          <a:tab pos="2743200" algn="l"/>
+                          <a:tab pos="3657600" algn="l"/>
+                          <a:tab pos="4572000" algn="l"/>
+                          <a:tab pos="5486400" algn="l"/>
+                          <a:tab pos="6400800" algn="l"/>
+                          <a:tab pos="7315200" algn="l"/>
+                          <a:tab pos="8229600" algn="l"/>
+                          <a:tab pos="9144000" algn="l"/>
+                          <a:tab pos="10058400" algn="l"/>
+                        </a:tabLst>
+                        <a:defRPr>
+                          <a:solidFill>
+                            <a:srgbClr val="000000"/>
+                          </a:solidFill>
+                          <a:latin typeface="Tahoma" pitchFamily="34" charset="0"/>
+                          <a:ea typeface="DejaVu Sans" charset="0"/>
+                          <a:cs typeface="DejaVu Sans" charset="0"/>
+                        </a:defRPr>
+                      </a:lvl8pPr>
+                      <a:lvl9pPr marL="3886200" indent="-228600" defTabSz="449263" eaLnBrk="0" fontAlgn="base" hangingPunct="0">
+                        <a:spcBef>
+                          <a:spcPts val="500"/>
+                        </a:spcBef>
+                        <a:spcAft>
+                          <a:spcPct val="0"/>
+                        </a:spcAft>
+                        <a:buClr>
+                          <a:srgbClr val="000000"/>
+                        </a:buClr>
+                        <a:buSzPct val="100000"/>
+                        <a:buFont typeface="Times New Roman" pitchFamily="18" charset="0"/>
+                        <a:tabLst>
+                          <a:tab pos="0" algn="l"/>
+                          <a:tab pos="914400" algn="l"/>
+                          <a:tab pos="1828800" algn="l"/>
+                          <a:tab pos="2743200" algn="l"/>
+                          <a:tab pos="3657600" algn="l"/>
+                          <a:tab pos="4572000" algn="l"/>
+                          <a:tab pos="5486400" algn="l"/>
+                          <a:tab pos="6400800" algn="l"/>
+                          <a:tab pos="7315200" algn="l"/>
+                          <a:tab pos="8229600" algn="l"/>
+                          <a:tab pos="9144000" algn="l"/>
+                          <a:tab pos="10058400" algn="l"/>
+                        </a:tabLst>
+                        <a:defRPr>
+                          <a:solidFill>
+                            <a:srgbClr val="000000"/>
+                          </a:solidFill>
+                          <a:latin typeface="Tahoma" pitchFamily="34" charset="0"/>
+                          <a:ea typeface="DejaVu Sans" charset="0"/>
+                          <a:cs typeface="DejaVu Sans" charset="0"/>
+                        </a:defRPr>
+                      </a:lvl9pPr>
+                    </a:lstStyle>
+                    <a:p>
+                      <a:pPr marL="0" marR="0" lvl="0" indent="0" algn="l" defTabSz="449263" rtl="0" eaLnBrk="1" fontAlgn="base" latinLnBrk="0" hangingPunct="1">
+                        <a:lnSpc>
+                          <a:spcPct val="98000"/>
+                        </a:lnSpc>
+                        <a:spcBef>
+                          <a:spcPct val="0"/>
+                        </a:spcBef>
+                        <a:spcAft>
+                          <a:spcPct val="0"/>
+                        </a:spcAft>
+                        <a:buClrTx/>
+                        <a:buSzPct val="100000"/>
+                        <a:buFontTx/>
+                        <a:buNone/>
+                        <a:tabLst>
+                          <a:tab pos="0" algn="l"/>
+                          <a:tab pos="914400" algn="l"/>
+                          <a:tab pos="1828800" algn="l"/>
+                          <a:tab pos="2743200" algn="l"/>
+                          <a:tab pos="3657600" algn="l"/>
+                          <a:tab pos="4572000" algn="l"/>
+                          <a:tab pos="5486400" algn="l"/>
+                          <a:tab pos="6400800" algn="l"/>
+                          <a:tab pos="7315200" algn="l"/>
+                          <a:tab pos="8229600" algn="l"/>
+                          <a:tab pos="9144000" algn="l"/>
+                          <a:tab pos="10058400" algn="l"/>
+                        </a:tabLst>
+                      </a:pPr>
+                      <a:r>
+                        <a:rPr kumimoji="0" lang="pt-BR" altLang="pt-BR" sz="1400" b="1" i="0" u="none" strike="noStrike" cap="none" normalizeH="0" baseline="0" dirty="0">
+                          <a:ln>
+                            <a:noFill/>
+                          </a:ln>
+                          <a:solidFill>
+                            <a:srgbClr val="000000"/>
+                          </a:solidFill>
+                          <a:effectLst/>
+                          <a:latin typeface="Tahoma" pitchFamily="34" charset="0"/>
+                          <a:ea typeface="DejaVu Sans" charset="0"/>
+                          <a:cs typeface="DejaVu Sans" charset="0"/>
+                        </a:rPr>
+                        <a:t>Deve aparecer uma tela</a:t>
+                      </a:r>
+                    </a:p>
+                    <a:p>
+                      <a:pPr marL="0" marR="0" lvl="0" indent="0" algn="l" defTabSz="449263" rtl="0" eaLnBrk="1" fontAlgn="base" latinLnBrk="0" hangingPunct="1">
+                        <a:lnSpc>
+                          <a:spcPct val="98000"/>
+                        </a:lnSpc>
+                        <a:spcBef>
+                          <a:spcPct val="0"/>
+                        </a:spcBef>
+                        <a:spcAft>
+                          <a:spcPct val="0"/>
+                        </a:spcAft>
+                        <a:buClrTx/>
+                        <a:buSzPct val="100000"/>
+                        <a:buFontTx/>
+                        <a:buNone/>
+                        <a:tabLst>
+                          <a:tab pos="0" algn="l"/>
+                          <a:tab pos="914400" algn="l"/>
+                          <a:tab pos="1828800" algn="l"/>
+                          <a:tab pos="2743200" algn="l"/>
+                          <a:tab pos="3657600" algn="l"/>
+                          <a:tab pos="4572000" algn="l"/>
+                          <a:tab pos="5486400" algn="l"/>
+                          <a:tab pos="6400800" algn="l"/>
+                          <a:tab pos="7315200" algn="l"/>
+                          <a:tab pos="8229600" algn="l"/>
+                          <a:tab pos="9144000" algn="l"/>
+                          <a:tab pos="10058400" algn="l"/>
+                        </a:tabLst>
+                      </a:pPr>
+                      <a:r>
+                        <a:rPr kumimoji="0" lang="pt-BR" altLang="pt-BR" sz="1400" b="1" i="0" u="none" strike="noStrike" cap="none" normalizeH="0" baseline="0" dirty="0">
+                          <a:ln>
+                            <a:noFill/>
+                          </a:ln>
+                          <a:solidFill>
+                            <a:srgbClr val="000000"/>
+                          </a:solidFill>
+                          <a:effectLst/>
+                          <a:latin typeface="Tahoma" pitchFamily="34" charset="0"/>
+                          <a:ea typeface="DejaVu Sans" charset="0"/>
+                          <a:cs typeface="DejaVu Sans" charset="0"/>
+                        </a:rPr>
+                        <a:t>solicitando as informações do lançamento.</a:t>
+                      </a:r>
+                    </a:p>
+                  </a:txBody>
+                  <a:tcPr marL="90000" marR="90000" marT="49249" marB="45721" horzOverflow="overflow">
+                    <a:lnL w="2880" cap="flat" cmpd="sng" algn="ctr">
+                      <a:solidFill>
+                        <a:srgbClr val="FFFFFF"/>
+                      </a:solidFill>
+                      <a:prstDash val="solid"/>
+                      <a:round/>
+                      <a:headEnd type="none" w="med" len="med"/>
+                      <a:tailEnd type="none" w="med" len="med"/>
+                    </a:lnL>
+                    <a:lnR w="2880" cap="flat" cmpd="sng" algn="ctr">
+                      <a:solidFill>
+                        <a:srgbClr val="FFFFFF"/>
+                      </a:solidFill>
+                      <a:prstDash val="solid"/>
+                      <a:round/>
+                      <a:headEnd type="none" w="med" len="med"/>
+                      <a:tailEnd type="none" w="med" len="med"/>
+                    </a:lnR>
+                    <a:lnT w="2880" cap="flat" cmpd="sng" algn="ctr">
+                      <a:solidFill>
+                        <a:srgbClr val="FFFFFF"/>
+                      </a:solidFill>
+                      <a:prstDash val="solid"/>
+                      <a:round/>
+                      <a:headEnd type="none" w="med" len="med"/>
+                      <a:tailEnd type="none" w="med" len="med"/>
+                    </a:lnT>
+                    <a:lnB w="2880" cap="flat" cmpd="sng" algn="ctr">
+                      <a:solidFill>
+                        <a:srgbClr val="FFFFFF"/>
+                      </a:solidFill>
+                      <a:prstDash val="solid"/>
+                      <a:round/>
+                      <a:headEnd type="none" w="med" len="med"/>
+                      <a:tailEnd type="none" w="med" len="med"/>
+                    </a:lnB>
+                    <a:lnTlToBr>
+                      <a:noFill/>
+                    </a:lnTlToBr>
+                    <a:lnBlToTr>
+                      <a:noFill/>
+                    </a:lnBlToTr>
+                    <a:solidFill>
+                      <a:srgbClr val="CCD1E1"/>
+                    </a:solidFill>
+                  </a:tcPr>
+                </a:tc>
+                <a:extLst>
+                  <a:ext uri="{0D108BD9-81ED-4DB2-BD59-A6C34878D82A}">
+                    <a16:rowId xmlns:a16="http://schemas.microsoft.com/office/drawing/2014/main" val="2937961327"/>
+                  </a:ext>
+                </a:extLst>
+              </a:tr>
+              <a:tr h="1157321">
+                <a:tc>
+                  <a:txBody>
+                    <a:bodyPr/>
+                    <a:lstStyle>
+                      <a:lvl1pPr eaLnBrk="0" hangingPunct="0">
+                        <a:spcBef>
+                          <a:spcPts val="800"/>
+                        </a:spcBef>
+                        <a:tabLst>
+                          <a:tab pos="0" algn="l"/>
+                          <a:tab pos="914400" algn="l"/>
+                          <a:tab pos="1828800" algn="l"/>
+                          <a:tab pos="2743200" algn="l"/>
+                          <a:tab pos="3657600" algn="l"/>
+                          <a:tab pos="4572000" algn="l"/>
+                          <a:tab pos="5486400" algn="l"/>
+                          <a:tab pos="6400800" algn="l"/>
+                          <a:tab pos="7315200" algn="l"/>
+                          <a:tab pos="8229600" algn="l"/>
+                          <a:tab pos="9144000" algn="l"/>
+                          <a:tab pos="10058400" algn="l"/>
+                        </a:tabLst>
+                        <a:defRPr>
+                          <a:solidFill>
+                            <a:srgbClr val="000000"/>
+                          </a:solidFill>
+                          <a:latin typeface="Tahoma" pitchFamily="34" charset="0"/>
+                          <a:ea typeface="DejaVu Sans" charset="0"/>
+                          <a:cs typeface="DejaVu Sans" charset="0"/>
+                        </a:defRPr>
+                      </a:lvl1pPr>
+                      <a:lvl2pPr eaLnBrk="0" hangingPunct="0">
+                        <a:spcBef>
+                          <a:spcPts val="700"/>
+                        </a:spcBef>
+                        <a:tabLst>
+                          <a:tab pos="0" algn="l"/>
+                          <a:tab pos="914400" algn="l"/>
+                          <a:tab pos="1828800" algn="l"/>
+                          <a:tab pos="2743200" algn="l"/>
+                          <a:tab pos="3657600" algn="l"/>
+                          <a:tab pos="4572000" algn="l"/>
+                          <a:tab pos="5486400" algn="l"/>
+                          <a:tab pos="6400800" algn="l"/>
+                          <a:tab pos="7315200" algn="l"/>
+                          <a:tab pos="8229600" algn="l"/>
+                          <a:tab pos="9144000" algn="l"/>
+                          <a:tab pos="10058400" algn="l"/>
+                        </a:tabLst>
+                        <a:defRPr sz="2400">
+                          <a:solidFill>
+                            <a:srgbClr val="000000"/>
+                          </a:solidFill>
+                          <a:latin typeface="Tahoma" pitchFamily="34" charset="0"/>
+                          <a:ea typeface="DejaVu Sans" charset="0"/>
+                          <a:cs typeface="DejaVu Sans" charset="0"/>
+                        </a:defRPr>
+                      </a:lvl2pPr>
+                      <a:lvl3pPr eaLnBrk="0" hangingPunct="0">
+                        <a:spcBef>
+                          <a:spcPts val="600"/>
+                        </a:spcBef>
+                        <a:tabLst>
+                          <a:tab pos="0" algn="l"/>
+                          <a:tab pos="914400" algn="l"/>
+                          <a:tab pos="1828800" algn="l"/>
+                          <a:tab pos="2743200" algn="l"/>
+                          <a:tab pos="3657600" algn="l"/>
+                          <a:tab pos="4572000" algn="l"/>
+                          <a:tab pos="5486400" algn="l"/>
+                          <a:tab pos="6400800" algn="l"/>
+                          <a:tab pos="7315200" algn="l"/>
+                          <a:tab pos="8229600" algn="l"/>
+                          <a:tab pos="9144000" algn="l"/>
+                          <a:tab pos="10058400" algn="l"/>
+                        </a:tabLst>
+                        <a:defRPr sz="2000">
+                          <a:solidFill>
+                            <a:srgbClr val="000000"/>
+                          </a:solidFill>
+                          <a:latin typeface="Tahoma" pitchFamily="34" charset="0"/>
+                          <a:ea typeface="DejaVu Sans" charset="0"/>
+                          <a:cs typeface="DejaVu Sans" charset="0"/>
+                        </a:defRPr>
+                      </a:lvl3pPr>
+                      <a:lvl4pPr eaLnBrk="0" hangingPunct="0">
+                        <a:spcBef>
+                          <a:spcPts val="500"/>
+                        </a:spcBef>
+                        <a:tabLst>
+                          <a:tab pos="0" algn="l"/>
+                          <a:tab pos="914400" algn="l"/>
+                          <a:tab pos="1828800" algn="l"/>
+                          <a:tab pos="2743200" algn="l"/>
+                          <a:tab pos="3657600" algn="l"/>
+                          <a:tab pos="4572000" algn="l"/>
+                          <a:tab pos="5486400" algn="l"/>
+                          <a:tab pos="6400800" algn="l"/>
+                          <a:tab pos="7315200" algn="l"/>
+                          <a:tab pos="8229600" algn="l"/>
+                          <a:tab pos="9144000" algn="l"/>
+                          <a:tab pos="10058400" algn="l"/>
+                        </a:tabLst>
+                        <a:defRPr>
+                          <a:solidFill>
+                            <a:srgbClr val="000000"/>
+                          </a:solidFill>
+                          <a:latin typeface="Tahoma" pitchFamily="34" charset="0"/>
+                          <a:ea typeface="DejaVu Sans" charset="0"/>
+                          <a:cs typeface="DejaVu Sans" charset="0"/>
+                        </a:defRPr>
+                      </a:lvl4pPr>
+                      <a:lvl5pPr eaLnBrk="0" hangingPunct="0">
+                        <a:spcBef>
+                          <a:spcPts val="500"/>
+                        </a:spcBef>
+                        <a:tabLst>
+                          <a:tab pos="0" algn="l"/>
+                          <a:tab pos="914400" algn="l"/>
+                          <a:tab pos="1828800" algn="l"/>
+                          <a:tab pos="2743200" algn="l"/>
+                          <a:tab pos="3657600" algn="l"/>
+                          <a:tab pos="4572000" algn="l"/>
+                          <a:tab pos="5486400" algn="l"/>
+                          <a:tab pos="6400800" algn="l"/>
+                          <a:tab pos="7315200" algn="l"/>
+                          <a:tab pos="8229600" algn="l"/>
+                          <a:tab pos="9144000" algn="l"/>
+                          <a:tab pos="10058400" algn="l"/>
+                        </a:tabLst>
+                        <a:defRPr>
+                          <a:solidFill>
+                            <a:srgbClr val="000000"/>
+                          </a:solidFill>
+                          <a:latin typeface="Tahoma" pitchFamily="34" charset="0"/>
+                          <a:ea typeface="DejaVu Sans" charset="0"/>
+                          <a:cs typeface="DejaVu Sans" charset="0"/>
+                        </a:defRPr>
+                      </a:lvl5pPr>
+                      <a:lvl6pPr marL="2514600" indent="-228600" defTabSz="449263" eaLnBrk="0" fontAlgn="base" hangingPunct="0">
+                        <a:spcBef>
+                          <a:spcPts val="500"/>
+                        </a:spcBef>
+                        <a:spcAft>
+                          <a:spcPct val="0"/>
+                        </a:spcAft>
+                        <a:buClr>
+                          <a:srgbClr val="000000"/>
+                        </a:buClr>
+                        <a:buSzPct val="100000"/>
+                        <a:buFont typeface="Times New Roman" pitchFamily="18" charset="0"/>
+                        <a:tabLst>
+                          <a:tab pos="0" algn="l"/>
+                          <a:tab pos="914400" algn="l"/>
+                          <a:tab pos="1828800" algn="l"/>
+                          <a:tab pos="2743200" algn="l"/>
+                          <a:tab pos="3657600" algn="l"/>
+                          <a:tab pos="4572000" algn="l"/>
+                          <a:tab pos="5486400" algn="l"/>
+                          <a:tab pos="6400800" algn="l"/>
+                          <a:tab pos="7315200" algn="l"/>
+                          <a:tab pos="8229600" algn="l"/>
+                          <a:tab pos="9144000" algn="l"/>
+                          <a:tab pos="10058400" algn="l"/>
+                        </a:tabLst>
+                        <a:defRPr>
+                          <a:solidFill>
+                            <a:srgbClr val="000000"/>
+                          </a:solidFill>
+                          <a:latin typeface="Tahoma" pitchFamily="34" charset="0"/>
+                          <a:ea typeface="DejaVu Sans" charset="0"/>
+                          <a:cs typeface="DejaVu Sans" charset="0"/>
+                        </a:defRPr>
+                      </a:lvl6pPr>
+                      <a:lvl7pPr marL="2971800" indent="-228600" defTabSz="449263" eaLnBrk="0" fontAlgn="base" hangingPunct="0">
+                        <a:spcBef>
+                          <a:spcPts val="500"/>
+                        </a:spcBef>
+                        <a:spcAft>
+                          <a:spcPct val="0"/>
+                        </a:spcAft>
+                        <a:buClr>
+                          <a:srgbClr val="000000"/>
+                        </a:buClr>
+                        <a:buSzPct val="100000"/>
+                        <a:buFont typeface="Times New Roman" pitchFamily="18" charset="0"/>
+                        <a:tabLst>
+                          <a:tab pos="0" algn="l"/>
+                          <a:tab pos="914400" algn="l"/>
+                          <a:tab pos="1828800" algn="l"/>
+                          <a:tab pos="2743200" algn="l"/>
+                          <a:tab pos="3657600" algn="l"/>
+                          <a:tab pos="4572000" algn="l"/>
+                          <a:tab pos="5486400" algn="l"/>
+                          <a:tab pos="6400800" algn="l"/>
+                          <a:tab pos="7315200" algn="l"/>
+                          <a:tab pos="8229600" algn="l"/>
+                          <a:tab pos="9144000" algn="l"/>
+                          <a:tab pos="10058400" algn="l"/>
+                        </a:tabLst>
+                        <a:defRPr>
+                          <a:solidFill>
+                            <a:srgbClr val="000000"/>
+                          </a:solidFill>
+                          <a:latin typeface="Tahoma" pitchFamily="34" charset="0"/>
+                          <a:ea typeface="DejaVu Sans" charset="0"/>
+                          <a:cs typeface="DejaVu Sans" charset="0"/>
+                        </a:defRPr>
+                      </a:lvl7pPr>
+                      <a:lvl8pPr marL="3429000" indent="-228600" defTabSz="449263" eaLnBrk="0" fontAlgn="base" hangingPunct="0">
+                        <a:spcBef>
+                          <a:spcPts val="500"/>
+                        </a:spcBef>
+                        <a:spcAft>
+                          <a:spcPct val="0"/>
+                        </a:spcAft>
+                        <a:buClr>
+                          <a:srgbClr val="000000"/>
+                        </a:buClr>
+                        <a:buSzPct val="100000"/>
+                        <a:buFont typeface="Times New Roman" pitchFamily="18" charset="0"/>
+                        <a:tabLst>
+                          <a:tab pos="0" algn="l"/>
+                          <a:tab pos="914400" algn="l"/>
+                          <a:tab pos="1828800" algn="l"/>
+                          <a:tab pos="2743200" algn="l"/>
+                          <a:tab pos="3657600" algn="l"/>
+                          <a:tab pos="4572000" algn="l"/>
+                          <a:tab pos="5486400" algn="l"/>
+                          <a:tab pos="6400800" algn="l"/>
+                          <a:tab pos="7315200" algn="l"/>
+                          <a:tab pos="8229600" algn="l"/>
+                          <a:tab pos="9144000" algn="l"/>
+                          <a:tab pos="10058400" algn="l"/>
+                        </a:tabLst>
+                        <a:defRPr>
+                          <a:solidFill>
+                            <a:srgbClr val="000000"/>
+                          </a:solidFill>
+                          <a:latin typeface="Tahoma" pitchFamily="34" charset="0"/>
+                          <a:ea typeface="DejaVu Sans" charset="0"/>
+                          <a:cs typeface="DejaVu Sans" charset="0"/>
+                        </a:defRPr>
+                      </a:lvl8pPr>
+                      <a:lvl9pPr marL="3886200" indent="-228600" defTabSz="449263" eaLnBrk="0" fontAlgn="base" hangingPunct="0">
+                        <a:spcBef>
+                          <a:spcPts val="500"/>
+                        </a:spcBef>
+                        <a:spcAft>
+                          <a:spcPct val="0"/>
+                        </a:spcAft>
+                        <a:buClr>
+                          <a:srgbClr val="000000"/>
+                        </a:buClr>
+                        <a:buSzPct val="100000"/>
+                        <a:buFont typeface="Times New Roman" pitchFamily="18" charset="0"/>
+                        <a:tabLst>
+                          <a:tab pos="0" algn="l"/>
+                          <a:tab pos="914400" algn="l"/>
+                          <a:tab pos="1828800" algn="l"/>
+                          <a:tab pos="2743200" algn="l"/>
+                          <a:tab pos="3657600" algn="l"/>
+                          <a:tab pos="4572000" algn="l"/>
+                          <a:tab pos="5486400" algn="l"/>
+                          <a:tab pos="6400800" algn="l"/>
+                          <a:tab pos="7315200" algn="l"/>
+                          <a:tab pos="8229600" algn="l"/>
+                          <a:tab pos="9144000" algn="l"/>
+                          <a:tab pos="10058400" algn="l"/>
+                        </a:tabLst>
+                        <a:defRPr>
+                          <a:solidFill>
+                            <a:srgbClr val="000000"/>
+                          </a:solidFill>
+                          <a:latin typeface="Tahoma" pitchFamily="34" charset="0"/>
+                          <a:ea typeface="DejaVu Sans" charset="0"/>
+                          <a:cs typeface="DejaVu Sans" charset="0"/>
+                        </a:defRPr>
+                      </a:lvl9pPr>
+                    </a:lstStyle>
+                    <a:p>
+                      <a:pPr marL="0" marR="0" lvl="0" indent="0" algn="l" defTabSz="449263" rtl="0" eaLnBrk="1" fontAlgn="base" latinLnBrk="0" hangingPunct="1">
+                        <a:lnSpc>
+                          <a:spcPct val="98000"/>
+                        </a:lnSpc>
+                        <a:spcBef>
+                          <a:spcPct val="0"/>
+                        </a:spcBef>
+                        <a:spcAft>
+                          <a:spcPct val="0"/>
+                        </a:spcAft>
+                        <a:buClrTx/>
+                        <a:buSzPct val="100000"/>
+                        <a:buFontTx/>
+                        <a:buNone/>
+                        <a:tabLst>
+                          <a:tab pos="0" algn="l"/>
+                          <a:tab pos="914400" algn="l"/>
+                          <a:tab pos="1828800" algn="l"/>
+                          <a:tab pos="2743200" algn="l"/>
+                          <a:tab pos="3657600" algn="l"/>
+                          <a:tab pos="4572000" algn="l"/>
+                          <a:tab pos="5486400" algn="l"/>
+                          <a:tab pos="6400800" algn="l"/>
+                          <a:tab pos="7315200" algn="l"/>
+                          <a:tab pos="8229600" algn="l"/>
+                          <a:tab pos="9144000" algn="l"/>
+                          <a:tab pos="10058400" algn="l"/>
+                        </a:tabLst>
+                      </a:pPr>
+                      <a:r>
+                        <a:rPr kumimoji="0" lang="pt-BR" altLang="pt-BR" sz="1400" b="1" i="0" u="none" strike="noStrike" cap="none" normalizeH="0" baseline="0" dirty="0">
+                          <a:ln>
+                            <a:noFill/>
+                          </a:ln>
+                          <a:solidFill>
+                            <a:srgbClr val="000000"/>
+                          </a:solidFill>
+                          <a:effectLst/>
+                          <a:latin typeface="Tahoma" pitchFamily="34" charset="0"/>
+                          <a:ea typeface="DejaVu Sans" charset="0"/>
+                          <a:cs typeface="DejaVu Sans" charset="0"/>
+                        </a:rPr>
+                        <a:t>2. Informar a informações do lançamento sem preencher o campo conta.</a:t>
+                      </a:r>
+                    </a:p>
+                  </a:txBody>
+                  <a:tcPr marL="90000" marR="90000" marT="49249" marB="45721" horzOverflow="overflow">
+                    <a:lnL w="2880" cap="flat" cmpd="sng" algn="ctr">
+                      <a:solidFill>
+                        <a:srgbClr val="FFFFFF"/>
+                      </a:solidFill>
+                      <a:prstDash val="solid"/>
+                      <a:round/>
+                      <a:headEnd type="none" w="med" len="med"/>
+                      <a:tailEnd type="none" w="med" len="med"/>
+                    </a:lnL>
+                    <a:lnR w="2880" cap="flat" cmpd="sng" algn="ctr">
+                      <a:solidFill>
+                        <a:srgbClr val="FFFFFF"/>
+                      </a:solidFill>
+                      <a:prstDash val="solid"/>
+                      <a:round/>
+                      <a:headEnd type="none" w="med" len="med"/>
+                      <a:tailEnd type="none" w="med" len="med"/>
+                    </a:lnR>
+                    <a:lnT w="2880" cap="flat" cmpd="sng" algn="ctr">
+                      <a:solidFill>
+                        <a:srgbClr val="FFFFFF"/>
+                      </a:solidFill>
+                      <a:prstDash val="solid"/>
+                      <a:round/>
+                      <a:headEnd type="none" w="med" len="med"/>
+                      <a:tailEnd type="none" w="med" len="med"/>
+                    </a:lnT>
+                    <a:lnB w="2880" cap="flat" cmpd="sng" algn="ctr">
+                      <a:solidFill>
+                        <a:srgbClr val="FFFFFF"/>
+                      </a:solidFill>
+                      <a:prstDash val="solid"/>
+                      <a:round/>
+                      <a:headEnd type="none" w="med" len="med"/>
+                      <a:tailEnd type="none" w="med" len="med"/>
+                    </a:lnB>
+                    <a:lnTlToBr>
+                      <a:noFill/>
+                    </a:lnTlToBr>
+                    <a:lnBlToTr>
+                      <a:noFill/>
+                    </a:lnBlToTr>
+                    <a:solidFill>
+                      <a:srgbClr val="E8E9F1"/>
+                    </a:solidFill>
+                  </a:tcPr>
+                </a:tc>
+                <a:tc>
+                  <a:txBody>
+                    <a:bodyPr/>
+                    <a:lstStyle>
+                      <a:lvl1pPr eaLnBrk="0" hangingPunct="0">
+                        <a:spcBef>
+                          <a:spcPts val="800"/>
+                        </a:spcBef>
+                        <a:tabLst>
+                          <a:tab pos="0" algn="l"/>
+                          <a:tab pos="914400" algn="l"/>
+                          <a:tab pos="1828800" algn="l"/>
+                          <a:tab pos="2743200" algn="l"/>
+                          <a:tab pos="3657600" algn="l"/>
+                          <a:tab pos="4572000" algn="l"/>
+                          <a:tab pos="5486400" algn="l"/>
+                          <a:tab pos="6400800" algn="l"/>
+                          <a:tab pos="7315200" algn="l"/>
+                          <a:tab pos="8229600" algn="l"/>
+                          <a:tab pos="9144000" algn="l"/>
+                          <a:tab pos="10058400" algn="l"/>
+                        </a:tabLst>
+                        <a:defRPr>
+                          <a:solidFill>
+                            <a:srgbClr val="000000"/>
+                          </a:solidFill>
+                          <a:latin typeface="Tahoma" pitchFamily="34" charset="0"/>
+                          <a:ea typeface="DejaVu Sans" charset="0"/>
+                          <a:cs typeface="DejaVu Sans" charset="0"/>
+                        </a:defRPr>
+                      </a:lvl1pPr>
+                      <a:lvl2pPr eaLnBrk="0" hangingPunct="0">
+                        <a:spcBef>
+                          <a:spcPts val="700"/>
+                        </a:spcBef>
+                        <a:tabLst>
+                          <a:tab pos="0" algn="l"/>
+                          <a:tab pos="914400" algn="l"/>
+                          <a:tab pos="1828800" algn="l"/>
+                          <a:tab pos="2743200" algn="l"/>
+                          <a:tab pos="3657600" algn="l"/>
+                          <a:tab pos="4572000" algn="l"/>
+                          <a:tab pos="5486400" algn="l"/>
+                          <a:tab pos="6400800" algn="l"/>
+                          <a:tab pos="7315200" algn="l"/>
+                          <a:tab pos="8229600" algn="l"/>
+                          <a:tab pos="9144000" algn="l"/>
+                          <a:tab pos="10058400" algn="l"/>
+                        </a:tabLst>
+                        <a:defRPr sz="2400">
+                          <a:solidFill>
+                            <a:srgbClr val="000000"/>
+                          </a:solidFill>
+                          <a:latin typeface="Tahoma" pitchFamily="34" charset="0"/>
+                          <a:ea typeface="DejaVu Sans" charset="0"/>
+                          <a:cs typeface="DejaVu Sans" charset="0"/>
+                        </a:defRPr>
+                      </a:lvl2pPr>
+                      <a:lvl3pPr eaLnBrk="0" hangingPunct="0">
+                        <a:spcBef>
+                          <a:spcPts val="600"/>
+                        </a:spcBef>
+                        <a:tabLst>
+                          <a:tab pos="0" algn="l"/>
+                          <a:tab pos="914400" algn="l"/>
+                          <a:tab pos="1828800" algn="l"/>
+                          <a:tab pos="2743200" algn="l"/>
+                          <a:tab pos="3657600" algn="l"/>
+                          <a:tab pos="4572000" algn="l"/>
+                          <a:tab pos="5486400" algn="l"/>
+                          <a:tab pos="6400800" algn="l"/>
+                          <a:tab pos="7315200" algn="l"/>
+                          <a:tab pos="8229600" algn="l"/>
+                          <a:tab pos="9144000" algn="l"/>
+                          <a:tab pos="10058400" algn="l"/>
+                        </a:tabLst>
+                        <a:defRPr sz="2000">
+                          <a:solidFill>
+                            <a:srgbClr val="000000"/>
+                          </a:solidFill>
+                          <a:latin typeface="Tahoma" pitchFamily="34" charset="0"/>
+                          <a:ea typeface="DejaVu Sans" charset="0"/>
+                          <a:cs typeface="DejaVu Sans" charset="0"/>
+                        </a:defRPr>
+                      </a:lvl3pPr>
+                      <a:lvl4pPr eaLnBrk="0" hangingPunct="0">
+                        <a:spcBef>
+                          <a:spcPts val="500"/>
+                        </a:spcBef>
+                        <a:tabLst>
+                          <a:tab pos="0" algn="l"/>
+                          <a:tab pos="914400" algn="l"/>
+                          <a:tab pos="1828800" algn="l"/>
+                          <a:tab pos="2743200" algn="l"/>
+                          <a:tab pos="3657600" algn="l"/>
+                          <a:tab pos="4572000" algn="l"/>
+                          <a:tab pos="5486400" algn="l"/>
+                          <a:tab pos="6400800" algn="l"/>
+                          <a:tab pos="7315200" algn="l"/>
+                          <a:tab pos="8229600" algn="l"/>
+                          <a:tab pos="9144000" algn="l"/>
+                          <a:tab pos="10058400" algn="l"/>
+                        </a:tabLst>
+                        <a:defRPr>
+                          <a:solidFill>
+                            <a:srgbClr val="000000"/>
+                          </a:solidFill>
+                          <a:latin typeface="Tahoma" pitchFamily="34" charset="0"/>
+                          <a:ea typeface="DejaVu Sans" charset="0"/>
+                          <a:cs typeface="DejaVu Sans" charset="0"/>
+                        </a:defRPr>
+                      </a:lvl4pPr>
+                      <a:lvl5pPr eaLnBrk="0" hangingPunct="0">
+                        <a:spcBef>
+                          <a:spcPts val="500"/>
+                        </a:spcBef>
+                        <a:tabLst>
+                          <a:tab pos="0" algn="l"/>
+                          <a:tab pos="914400" algn="l"/>
+                          <a:tab pos="1828800" algn="l"/>
+                          <a:tab pos="2743200" algn="l"/>
+                          <a:tab pos="3657600" algn="l"/>
+                          <a:tab pos="4572000" algn="l"/>
+                          <a:tab pos="5486400" algn="l"/>
+                          <a:tab pos="6400800" algn="l"/>
+                          <a:tab pos="7315200" algn="l"/>
+                          <a:tab pos="8229600" algn="l"/>
+                          <a:tab pos="9144000" algn="l"/>
+                          <a:tab pos="10058400" algn="l"/>
+                        </a:tabLst>
+                        <a:defRPr>
+                          <a:solidFill>
+                            <a:srgbClr val="000000"/>
+                          </a:solidFill>
+                          <a:latin typeface="Tahoma" pitchFamily="34" charset="0"/>
+                          <a:ea typeface="DejaVu Sans" charset="0"/>
+                          <a:cs typeface="DejaVu Sans" charset="0"/>
+                        </a:defRPr>
+                      </a:lvl5pPr>
+                      <a:lvl6pPr marL="2514600" indent="-228600" defTabSz="449263" eaLnBrk="0" fontAlgn="base" hangingPunct="0">
+                        <a:spcBef>
+                          <a:spcPts val="500"/>
+                        </a:spcBef>
+                        <a:spcAft>
+                          <a:spcPct val="0"/>
+                        </a:spcAft>
+                        <a:buClr>
+                          <a:srgbClr val="000000"/>
+                        </a:buClr>
+                        <a:buSzPct val="100000"/>
+                        <a:buFont typeface="Times New Roman" pitchFamily="18" charset="0"/>
+                        <a:tabLst>
+                          <a:tab pos="0" algn="l"/>
+                          <a:tab pos="914400" algn="l"/>
+                          <a:tab pos="1828800" algn="l"/>
+                          <a:tab pos="2743200" algn="l"/>
+                          <a:tab pos="3657600" algn="l"/>
+                          <a:tab pos="4572000" algn="l"/>
+                          <a:tab pos="5486400" algn="l"/>
+                          <a:tab pos="6400800" algn="l"/>
+                          <a:tab pos="7315200" algn="l"/>
+                          <a:tab pos="8229600" algn="l"/>
+                          <a:tab pos="9144000" algn="l"/>
+                          <a:tab pos="10058400" algn="l"/>
+                        </a:tabLst>
+                        <a:defRPr>
+                          <a:solidFill>
+                            <a:srgbClr val="000000"/>
+                          </a:solidFill>
+                          <a:latin typeface="Tahoma" pitchFamily="34" charset="0"/>
+                          <a:ea typeface="DejaVu Sans" charset="0"/>
+                          <a:cs typeface="DejaVu Sans" charset="0"/>
+                        </a:defRPr>
+                      </a:lvl6pPr>
+                      <a:lvl7pPr marL="2971800" indent="-228600" defTabSz="449263" eaLnBrk="0" fontAlgn="base" hangingPunct="0">
+                        <a:spcBef>
+                          <a:spcPts val="500"/>
+                        </a:spcBef>
+                        <a:spcAft>
+                          <a:spcPct val="0"/>
+                        </a:spcAft>
+                        <a:buClr>
+                          <a:srgbClr val="000000"/>
+                        </a:buClr>
+                        <a:buSzPct val="100000"/>
+                        <a:buFont typeface="Times New Roman" pitchFamily="18" charset="0"/>
+                        <a:tabLst>
+                          <a:tab pos="0" algn="l"/>
+                          <a:tab pos="914400" algn="l"/>
+                          <a:tab pos="1828800" algn="l"/>
+                          <a:tab pos="2743200" algn="l"/>
+                          <a:tab pos="3657600" algn="l"/>
+                          <a:tab pos="4572000" algn="l"/>
+                          <a:tab pos="5486400" algn="l"/>
+                          <a:tab pos="6400800" algn="l"/>
+                          <a:tab pos="7315200" algn="l"/>
+                          <a:tab pos="8229600" algn="l"/>
+                          <a:tab pos="9144000" algn="l"/>
+                          <a:tab pos="10058400" algn="l"/>
+                        </a:tabLst>
+                        <a:defRPr>
+                          <a:solidFill>
+                            <a:srgbClr val="000000"/>
+                          </a:solidFill>
+                          <a:latin typeface="Tahoma" pitchFamily="34" charset="0"/>
+                          <a:ea typeface="DejaVu Sans" charset="0"/>
+                          <a:cs typeface="DejaVu Sans" charset="0"/>
+                        </a:defRPr>
+                      </a:lvl7pPr>
+                      <a:lvl8pPr marL="3429000" indent="-228600" defTabSz="449263" eaLnBrk="0" fontAlgn="base" hangingPunct="0">
+                        <a:spcBef>
+                          <a:spcPts val="500"/>
+                        </a:spcBef>
+                        <a:spcAft>
+                          <a:spcPct val="0"/>
+                        </a:spcAft>
+                        <a:buClr>
+                          <a:srgbClr val="000000"/>
+                        </a:buClr>
+                        <a:buSzPct val="100000"/>
+                        <a:buFont typeface="Times New Roman" pitchFamily="18" charset="0"/>
+                        <a:tabLst>
+                          <a:tab pos="0" algn="l"/>
+                          <a:tab pos="914400" algn="l"/>
+                          <a:tab pos="1828800" algn="l"/>
+                          <a:tab pos="2743200" algn="l"/>
+                          <a:tab pos="3657600" algn="l"/>
+                          <a:tab pos="4572000" algn="l"/>
+                          <a:tab pos="5486400" algn="l"/>
+                          <a:tab pos="6400800" algn="l"/>
+                          <a:tab pos="7315200" algn="l"/>
+                          <a:tab pos="8229600" algn="l"/>
+                          <a:tab pos="9144000" algn="l"/>
+                          <a:tab pos="10058400" algn="l"/>
+                        </a:tabLst>
+                        <a:defRPr>
+                          <a:solidFill>
+                            <a:srgbClr val="000000"/>
+                          </a:solidFill>
+                          <a:latin typeface="Tahoma" pitchFamily="34" charset="0"/>
+                          <a:ea typeface="DejaVu Sans" charset="0"/>
+                          <a:cs typeface="DejaVu Sans" charset="0"/>
+                        </a:defRPr>
+                      </a:lvl8pPr>
+                      <a:lvl9pPr marL="3886200" indent="-228600" defTabSz="449263" eaLnBrk="0" fontAlgn="base" hangingPunct="0">
+                        <a:spcBef>
+                          <a:spcPts val="500"/>
+                        </a:spcBef>
+                        <a:spcAft>
+                          <a:spcPct val="0"/>
+                        </a:spcAft>
+                        <a:buClr>
+                          <a:srgbClr val="000000"/>
+                        </a:buClr>
+                        <a:buSzPct val="100000"/>
+                        <a:buFont typeface="Times New Roman" pitchFamily="18" charset="0"/>
+                        <a:tabLst>
+                          <a:tab pos="0" algn="l"/>
+                          <a:tab pos="914400" algn="l"/>
+                          <a:tab pos="1828800" algn="l"/>
+                          <a:tab pos="2743200" algn="l"/>
+                          <a:tab pos="3657600" algn="l"/>
+                          <a:tab pos="4572000" algn="l"/>
+                          <a:tab pos="5486400" algn="l"/>
+                          <a:tab pos="6400800" algn="l"/>
+                          <a:tab pos="7315200" algn="l"/>
+                          <a:tab pos="8229600" algn="l"/>
+                          <a:tab pos="9144000" algn="l"/>
+                          <a:tab pos="10058400" algn="l"/>
+                        </a:tabLst>
+                        <a:defRPr>
+                          <a:solidFill>
+                            <a:srgbClr val="000000"/>
+                          </a:solidFill>
+                          <a:latin typeface="Tahoma" pitchFamily="34" charset="0"/>
+                          <a:ea typeface="DejaVu Sans" charset="0"/>
+                          <a:cs typeface="DejaVu Sans" charset="0"/>
+                        </a:defRPr>
+                      </a:lvl9pPr>
+                    </a:lstStyle>
+                    <a:p>
+                      <a:pPr marL="0" marR="0" lvl="0" indent="0" algn="l" defTabSz="449263" rtl="0" eaLnBrk="1" fontAlgn="base" latinLnBrk="0" hangingPunct="1">
+                        <a:lnSpc>
+                          <a:spcPct val="98000"/>
+                        </a:lnSpc>
+                        <a:spcBef>
+                          <a:spcPct val="0"/>
+                        </a:spcBef>
+                        <a:spcAft>
+                          <a:spcPct val="0"/>
+                        </a:spcAft>
+                        <a:buClrTx/>
+                        <a:buSzPct val="100000"/>
+                        <a:buFontTx/>
+                        <a:buNone/>
+                        <a:tabLst>
+                          <a:tab pos="0" algn="l"/>
+                          <a:tab pos="914400" algn="l"/>
+                          <a:tab pos="1828800" algn="l"/>
+                          <a:tab pos="2743200" algn="l"/>
+                          <a:tab pos="3657600" algn="l"/>
+                          <a:tab pos="4572000" algn="l"/>
+                          <a:tab pos="5486400" algn="l"/>
+                          <a:tab pos="6400800" algn="l"/>
+                          <a:tab pos="7315200" algn="l"/>
+                          <a:tab pos="8229600" algn="l"/>
+                          <a:tab pos="9144000" algn="l"/>
+                          <a:tab pos="10058400" algn="l"/>
+                        </a:tabLst>
+                      </a:pPr>
+                      <a:r>
+                        <a:rPr kumimoji="0" lang="pt-BR" altLang="pt-BR" sz="1400" b="1" i="0" u="none" strike="noStrike" cap="none" normalizeH="0" baseline="0" dirty="0">
+                          <a:ln>
+                            <a:noFill/>
+                          </a:ln>
+                          <a:solidFill>
+                            <a:srgbClr val="000000"/>
+                          </a:solidFill>
+                          <a:effectLst/>
+                          <a:latin typeface="Tahoma" pitchFamily="34" charset="0"/>
+                          <a:ea typeface="DejaVu Sans" charset="0"/>
+                          <a:cs typeface="DejaVu Sans" charset="0"/>
+                        </a:rPr>
+                        <a:t>Aparece uma tela com a</a:t>
+                      </a:r>
+                    </a:p>
+                    <a:p>
+                      <a:pPr marL="0" marR="0" lvl="0" indent="0" algn="l" defTabSz="449263" rtl="0" eaLnBrk="1" fontAlgn="base" latinLnBrk="0" hangingPunct="1">
+                        <a:lnSpc>
+                          <a:spcPct val="98000"/>
+                        </a:lnSpc>
+                        <a:spcBef>
+                          <a:spcPct val="0"/>
+                        </a:spcBef>
+                        <a:spcAft>
+                          <a:spcPct val="0"/>
+                        </a:spcAft>
+                        <a:buClrTx/>
+                        <a:buSzPct val="100000"/>
+                        <a:buFontTx/>
+                        <a:buNone/>
+                        <a:tabLst>
+                          <a:tab pos="0" algn="l"/>
+                          <a:tab pos="914400" algn="l"/>
+                          <a:tab pos="1828800" algn="l"/>
+                          <a:tab pos="2743200" algn="l"/>
+                          <a:tab pos="3657600" algn="l"/>
+                          <a:tab pos="4572000" algn="l"/>
+                          <a:tab pos="5486400" algn="l"/>
+                          <a:tab pos="6400800" algn="l"/>
+                          <a:tab pos="7315200" algn="l"/>
+                          <a:tab pos="8229600" algn="l"/>
+                          <a:tab pos="9144000" algn="l"/>
+                          <a:tab pos="10058400" algn="l"/>
+                        </a:tabLst>
+                      </a:pPr>
+                      <a:r>
+                        <a:rPr kumimoji="0" lang="pt-BR" altLang="pt-BR" sz="1400" b="1" i="0" u="none" strike="noStrike" cap="none" normalizeH="0" baseline="0" dirty="0">
+                          <a:ln>
+                            <a:noFill/>
+                          </a:ln>
+                          <a:solidFill>
+                            <a:srgbClr val="000000"/>
+                          </a:solidFill>
+                          <a:effectLst/>
+                          <a:latin typeface="Tahoma" pitchFamily="34" charset="0"/>
+                          <a:ea typeface="DejaVu Sans" charset="0"/>
+                          <a:cs typeface="DejaVu Sans" charset="0"/>
+                        </a:rPr>
+                        <a:t>seguinte mensagem: “informe a conta”.</a:t>
+                      </a:r>
+                    </a:p>
+                  </a:txBody>
+                  <a:tcPr marL="90000" marR="90000" marT="49249" marB="45721" horzOverflow="overflow">
+                    <a:lnL w="2880" cap="flat" cmpd="sng" algn="ctr">
+                      <a:solidFill>
+                        <a:srgbClr val="FFFFFF"/>
+                      </a:solidFill>
+                      <a:prstDash val="solid"/>
+                      <a:round/>
+                      <a:headEnd type="none" w="med" len="med"/>
+                      <a:tailEnd type="none" w="med" len="med"/>
+                    </a:lnL>
+                    <a:lnR w="2880" cap="flat" cmpd="sng" algn="ctr">
+                      <a:solidFill>
+                        <a:srgbClr val="FFFFFF"/>
+                      </a:solidFill>
+                      <a:prstDash val="solid"/>
+                      <a:round/>
+                      <a:headEnd type="none" w="med" len="med"/>
+                      <a:tailEnd type="none" w="med" len="med"/>
+                    </a:lnR>
+                    <a:lnT w="2880" cap="flat" cmpd="sng" algn="ctr">
+                      <a:solidFill>
+                        <a:srgbClr val="FFFFFF"/>
+                      </a:solidFill>
+                      <a:prstDash val="solid"/>
+                      <a:round/>
+                      <a:headEnd type="none" w="med" len="med"/>
+                      <a:tailEnd type="none" w="med" len="med"/>
+                    </a:lnT>
+                    <a:lnB w="2880" cap="flat" cmpd="sng" algn="ctr">
+                      <a:solidFill>
+                        <a:srgbClr val="FFFFFF"/>
+                      </a:solidFill>
+                      <a:prstDash val="solid"/>
+                      <a:round/>
+                      <a:headEnd type="none" w="med" len="med"/>
+                      <a:tailEnd type="none" w="med" len="med"/>
+                    </a:lnB>
+                    <a:lnTlToBr>
+                      <a:noFill/>
+                    </a:lnTlToBr>
+                    <a:lnBlToTr>
+                      <a:noFill/>
+                    </a:lnBlToTr>
+                    <a:solidFill>
+                      <a:srgbClr val="E8E9F1"/>
+                    </a:solidFill>
+                  </a:tcPr>
+                </a:tc>
+                <a:extLst>
+                  <a:ext uri="{0D108BD9-81ED-4DB2-BD59-A6C34878D82A}">
+                    <a16:rowId xmlns:a16="http://schemas.microsoft.com/office/drawing/2014/main" val="2224600841"/>
                   </a:ext>
                 </a:extLst>
               </a:tr>
